--- a/data/docs/Презентация 1 (1).pptx
+++ b/data/docs/Презентация 1 (1).pptx
@@ -115,10 +115,10 @@
   </p:defaultTextStyle>
   <p:extLst>
     <p:ext uri="{EFAFB233-063F-42B5-8137-9DF3F51BA10A}">
-      <p15:sldGuideLst xmlns:p15="http://schemas.microsoft.com/office/powerpoint/2012/main"/>
+      <p15:sldGuideLst xmlns:p15="http://schemas.microsoft.com/office/powerpoint/2012/main" xmlns=""/>
     </p:ext>
     <p:ext uri="{2D200454-40CA-4A62-9FC3-DE9A4176ACB9}">
-      <p15:notesGuideLst xmlns:p15="http://schemas.microsoft.com/office/powerpoint/2012/main"/>
+      <p15:notesGuideLst xmlns:p15="http://schemas.microsoft.com/office/powerpoint/2012/main" xmlns=""/>
     </p:ext>
   </p:extLst>
 </p:presentation>
@@ -1020,6 +1020,13 @@
         </dgm:presLayoutVars>
       </dgm:prSet>
       <dgm:spPr/>
+      <dgm:t>
+        <a:bodyPr/>
+        <a:lstStyle/>
+        <a:p>
+          <a:endParaRPr lang="ru-RU"/>
+        </a:p>
+      </dgm:t>
     </dgm:pt>
     <dgm:pt modelId="{A9D5345A-7E23-4060-81DF-42C792EF21AA}" type="pres">
       <dgm:prSet presAssocID="{7EB55878-AF49-466C-B87F-DAC332C147DB}" presName="hierRoot1" presStyleCnt="0"/>
@@ -1040,6 +1047,13 @@
         </dgm:presLayoutVars>
       </dgm:prSet>
       <dgm:spPr/>
+      <dgm:t>
+        <a:bodyPr/>
+        <a:lstStyle/>
+        <a:p>
+          <a:endParaRPr lang="ru-RU"/>
+        </a:p>
+      </dgm:t>
     </dgm:pt>
     <dgm:pt modelId="{9670A5FA-1B1A-4B51-A37D-4BF19791F366}" type="pres">
       <dgm:prSet presAssocID="{7EB55878-AF49-466C-B87F-DAC332C147DB}" presName="hierChild2" presStyleCnt="0"/>
@@ -1064,6 +1078,13 @@
         </dgm:presLayoutVars>
       </dgm:prSet>
       <dgm:spPr/>
+      <dgm:t>
+        <a:bodyPr/>
+        <a:lstStyle/>
+        <a:p>
+          <a:endParaRPr lang="ru-RU"/>
+        </a:p>
+      </dgm:t>
     </dgm:pt>
     <dgm:pt modelId="{2F1E8B06-3A57-49C4-B952-4EF91AA4A992}" type="pres">
       <dgm:prSet presAssocID="{F92C45D1-9844-49FD-B7DA-5AE165AF280B}" presName="hierChild2" presStyleCnt="0"/>
@@ -1071,11 +1092,11 @@
     </dgm:pt>
   </dgm:ptLst>
   <dgm:cxnLst>
+    <dgm:cxn modelId="{2F9A2E56-CB61-454F-BD67-E26C70F284CB}" type="presOf" srcId="{7EB55878-AF49-466C-B87F-DAC332C147DB}" destId="{1EA8018E-A0F8-4846-B349-669254E52E5F}" srcOrd="0" destOrd="0" presId="urn:microsoft.com/office/officeart/2005/8/layout/hierarchy1"/>
+    <dgm:cxn modelId="{C0AA4148-C97D-4DCE-9901-4B79BD6C4FA8}" srcId="{22BC7296-9A37-490C-B98C-3BC16722F577}" destId="{F92C45D1-9844-49FD-B7DA-5AE165AF280B}" srcOrd="1" destOrd="0" parTransId="{4ADF976D-6546-4D41-9C40-2CB4120ECF01}" sibTransId="{568C5A56-A80E-4198-90D9-9B6D0660BC72}"/>
+    <dgm:cxn modelId="{44C057E3-8CA6-407F-8B97-55F0770719FD}" type="presOf" srcId="{F92C45D1-9844-49FD-B7DA-5AE165AF280B}" destId="{034F9CB9-2F91-4317-A8B0-9773769D6FA7}" srcOrd="0" destOrd="0" presId="urn:microsoft.com/office/officeart/2005/8/layout/hierarchy1"/>
     <dgm:cxn modelId="{74C56E67-9299-417D-9ACB-D8F083AC2D5F}" type="presOf" srcId="{22BC7296-9A37-490C-B98C-3BC16722F577}" destId="{C7FF3FD4-3F14-4909-8652-789E3B63E70A}" srcOrd="0" destOrd="0" presId="urn:microsoft.com/office/officeart/2005/8/layout/hierarchy1"/>
-    <dgm:cxn modelId="{C0AA4148-C97D-4DCE-9901-4B79BD6C4FA8}" srcId="{22BC7296-9A37-490C-B98C-3BC16722F577}" destId="{F92C45D1-9844-49FD-B7DA-5AE165AF280B}" srcOrd="1" destOrd="0" parTransId="{4ADF976D-6546-4D41-9C40-2CB4120ECF01}" sibTransId="{568C5A56-A80E-4198-90D9-9B6D0660BC72}"/>
-    <dgm:cxn modelId="{2F9A2E56-CB61-454F-BD67-E26C70F284CB}" type="presOf" srcId="{7EB55878-AF49-466C-B87F-DAC332C147DB}" destId="{1EA8018E-A0F8-4846-B349-669254E52E5F}" srcOrd="0" destOrd="0" presId="urn:microsoft.com/office/officeart/2005/8/layout/hierarchy1"/>
     <dgm:cxn modelId="{23448EBF-3B5E-4366-98C2-35EE1451D150}" srcId="{22BC7296-9A37-490C-B98C-3BC16722F577}" destId="{7EB55878-AF49-466C-B87F-DAC332C147DB}" srcOrd="0" destOrd="0" parTransId="{7843BE16-804A-4026-9463-BEE303362253}" sibTransId="{964A6096-6231-415C-869A-9C39A0FE8D54}"/>
-    <dgm:cxn modelId="{44C057E3-8CA6-407F-8B97-55F0770719FD}" type="presOf" srcId="{F92C45D1-9844-49FD-B7DA-5AE165AF280B}" destId="{034F9CB9-2F91-4317-A8B0-9773769D6FA7}" srcOrd="0" destOrd="0" presId="urn:microsoft.com/office/officeart/2005/8/layout/hierarchy1"/>
     <dgm:cxn modelId="{CF2B1D2B-54AA-4770-9889-3C2983EFC6DB}" type="presParOf" srcId="{C7FF3FD4-3F14-4909-8652-789E3B63E70A}" destId="{A9D5345A-7E23-4060-81DF-42C792EF21AA}" srcOrd="0" destOrd="0" presId="urn:microsoft.com/office/officeart/2005/8/layout/hierarchy1"/>
     <dgm:cxn modelId="{F6C364B3-7584-4169-BE1B-075FE46CD3E0}" type="presParOf" srcId="{A9D5345A-7E23-4060-81DF-42C792EF21AA}" destId="{28C21665-08B8-48FD-8C99-C4831E5FB219}" srcOrd="0" destOrd="0" presId="urn:microsoft.com/office/officeart/2005/8/layout/hierarchy1"/>
     <dgm:cxn modelId="{C8D621DE-0F8D-49EC-AA35-994065D12EE0}" type="presParOf" srcId="{28C21665-08B8-48FD-8C99-C4831E5FB219}" destId="{C234680A-BD68-4C53-84C4-1FC26D11BCB7}" srcOrd="0" destOrd="0" presId="urn:microsoft.com/office/officeart/2005/8/layout/hierarchy1"/>
@@ -1217,12 +1238,12 @@
         <a:fontRef idx="minor"/>
       </dsp:style>
       <dsp:txBody>
-        <a:bodyPr spcFirstLastPara="0" vert="horz" wrap="square" lIns="152400" tIns="152400" rIns="152400" bIns="152400" numCol="1" spcCol="1270" anchor="ctr" anchorCtr="0">
+        <a:bodyPr spcFirstLastPara="0" vert="horz" wrap="square" lIns="140970" tIns="140970" rIns="140970" bIns="140970" numCol="1" spcCol="1270" anchor="ctr" anchorCtr="0">
           <a:noAutofit/>
         </a:bodyPr>
         <a:lstStyle/>
         <a:p>
-          <a:pPr marL="0" lvl="0" indent="0" algn="ctr" defTabSz="1778000">
+          <a:pPr lvl="0" algn="ctr" defTabSz="1644650">
             <a:lnSpc>
               <a:spcPct val="90000"/>
             </a:lnSpc>
@@ -1232,13 +1253,12 @@
             <a:spcAft>
               <a:spcPct val="35000"/>
             </a:spcAft>
-            <a:buNone/>
           </a:pPr>
           <a:r>
-            <a:rPr lang="ru-RU" sz="4000" kern="1200" dirty="0"/>
+            <a:rPr lang="ru-RU" sz="3700" kern="1200" dirty="0"/>
             <a:t>Авторы</a:t>
           </a:r>
-          <a:endParaRPr lang="en-US" sz="4000" kern="1200" dirty="0"/>
+          <a:endParaRPr lang="en-US" sz="3700" kern="1200" dirty="0"/>
         </a:p>
       </dsp:txBody>
       <dsp:txXfrm>
@@ -1358,12 +1378,12 @@
         <a:fontRef idx="minor"/>
       </dsp:style>
       <dsp:txBody>
-        <a:bodyPr spcFirstLastPara="0" vert="horz" wrap="square" lIns="152400" tIns="152400" rIns="152400" bIns="152400" numCol="1" spcCol="1270" anchor="ctr" anchorCtr="0">
+        <a:bodyPr spcFirstLastPara="0" vert="horz" wrap="square" lIns="140970" tIns="140970" rIns="140970" bIns="140970" numCol="1" spcCol="1270" anchor="ctr" anchorCtr="0">
           <a:noAutofit/>
         </a:bodyPr>
         <a:lstStyle/>
         <a:p>
-          <a:pPr marL="0" lvl="0" indent="0" algn="ctr" defTabSz="1778000">
+          <a:pPr lvl="0" algn="ctr" defTabSz="1644650">
             <a:lnSpc>
               <a:spcPct val="90000"/>
             </a:lnSpc>
@@ -1373,20 +1393,19 @@
             <a:spcAft>
               <a:spcPct val="35000"/>
             </a:spcAft>
-            <a:buNone/>
           </a:pPr>
           <a:r>
-            <a:rPr lang="ru-RU" sz="4000" kern="1200" dirty="0"/>
+            <a:rPr lang="ru-RU" sz="3700" kern="1200" dirty="0"/>
             <a:t>Даня Барабошин</a:t>
           </a:r>
           <a:br>
-            <a:rPr lang="ru-RU" sz="4000" kern="1200" dirty="0"/>
+            <a:rPr lang="ru-RU" sz="3700" kern="1200" dirty="0"/>
           </a:br>
           <a:r>
-            <a:rPr lang="ru-RU" sz="4000" kern="1200" dirty="0"/>
+            <a:rPr lang="ru-RU" sz="3700" kern="1200" dirty="0"/>
             <a:t>Олег Аксютин</a:t>
           </a:r>
-          <a:endParaRPr lang="en-US" sz="4000" kern="1200" dirty="0"/>
+          <a:endParaRPr lang="en-US" sz="3700" kern="1200" dirty="0"/>
         </a:p>
       </dsp:txBody>
       <dsp:txXfrm>
@@ -3022,7 +3041,7 @@
           <p:cNvPr id="2" name="Верхний колонтитул 1">
             <a:extLst>
               <a:ext uri="{FF2B5EF4-FFF2-40B4-BE49-F238E27FC236}">
-                <a16:creationId xmlns:a16="http://schemas.microsoft.com/office/drawing/2014/main" id="{68147666-B5DA-42D7-860C-6326547BCB4E}"/>
+                <a16:creationId xmlns:a16="http://schemas.microsoft.com/office/drawing/2014/main" xmlns="" id="{68147666-B5DA-42D7-860C-6326547BCB4E}"/>
               </a:ext>
             </a:extLst>
           </p:cNvPr>
@@ -3059,7 +3078,7 @@
           <p:cNvPr id="3" name="Дата 2">
             <a:extLst>
               <a:ext uri="{FF2B5EF4-FFF2-40B4-BE49-F238E27FC236}">
-                <a16:creationId xmlns:a16="http://schemas.microsoft.com/office/drawing/2014/main" id="{0004B30F-0DFB-41D3-B073-686D18F499F6}"/>
+                <a16:creationId xmlns:a16="http://schemas.microsoft.com/office/drawing/2014/main" xmlns="" id="{0004B30F-0DFB-41D3-B073-686D18F499F6}"/>
               </a:ext>
             </a:extLst>
           </p:cNvPr>
@@ -3089,7 +3108,7 @@
           <a:p>
             <a:fld id="{C50BFBDF-78BA-4949-898D-EAD6E750AE6A}" type="datetime1">
               <a:rPr lang="ru-RU" smtClean="0"/>
-              <a:t>22.01.2025</a:t>
+              <a:t>27.01.2025</a:t>
             </a:fld>
             <a:endParaRPr lang="ru-RU"/>
           </a:p>
@@ -3100,7 +3119,7 @@
           <p:cNvPr id="4" name="Нижний колонтитул 3">
             <a:extLst>
               <a:ext uri="{FF2B5EF4-FFF2-40B4-BE49-F238E27FC236}">
-                <a16:creationId xmlns:a16="http://schemas.microsoft.com/office/drawing/2014/main" id="{02567D83-C42A-4FDB-8FA9-7C1D7EEC8C67}"/>
+                <a16:creationId xmlns:a16="http://schemas.microsoft.com/office/drawing/2014/main" xmlns="" id="{02567D83-C42A-4FDB-8FA9-7C1D7EEC8C67}"/>
               </a:ext>
             </a:extLst>
           </p:cNvPr>
@@ -3137,7 +3156,7 @@
           <p:cNvPr id="5" name="Номер слайда 4">
             <a:extLst>
               <a:ext uri="{FF2B5EF4-FFF2-40B4-BE49-F238E27FC236}">
-                <a16:creationId xmlns:a16="http://schemas.microsoft.com/office/drawing/2014/main" id="{6412F133-C81D-4A71-81A9-DCF01AE09B5E}"/>
+                <a16:creationId xmlns:a16="http://schemas.microsoft.com/office/drawing/2014/main" xmlns="" id="{6412F133-C81D-4A71-81A9-DCF01AE09B5E}"/>
               </a:ext>
             </a:extLst>
           </p:cNvPr>
@@ -3268,7 +3287,7 @@
             <a:fld id="{705CB6C3-6DFD-4167-A658-5BE28C6F2E89}" type="datetime1">
               <a:rPr lang="ru-RU" smtClean="0"/>
               <a:pPr/>
-              <a:t>22.01.2025</a:t>
+              <a:t>27.01.2025</a:t>
             </a:fld>
             <a:endParaRPr lang="ru-RU" dirty="0"/>
           </a:p>
@@ -3669,8 +3688,8 @@
           </a:prstGeom>
           <a:noFill/>
           <a:extLst>
-            <a:ext uri="{909E8E84-426E-40dd-AFC4-6F175D3DCCD1}">
-              <a14:hiddenFill xmlns="" xmlns:a14="http://schemas.microsoft.com/office/drawing/2010/main">
+            <a:ext uri="{909E8E84-426E-40DD-AFC4-6F175D3DCCD1}">
+              <a14:hiddenFill xmlns:a14="http://schemas.microsoft.com/office/drawing/2010/main">
                 <a:solidFill>
                   <a:srgbClr val="FFFFFF"/>
                 </a:solidFill>
@@ -3729,8 +3748,8 @@
               <a:noFill/>
             </a:ln>
             <a:extLst>
-              <a:ext uri="{91240B29-F687-4f45-9708-019B960494DF}">
-                <a14:hiddenLine xmlns="" xmlns:a14="http://schemas.microsoft.com/office/drawing/2010/main" w="9525">
+              <a:ext uri="{91240B29-F687-4F45-9708-019B960494DF}">
+                <a14:hiddenLine xmlns:a14="http://schemas.microsoft.com/office/drawing/2010/main" w="9525">
                   <a:solidFill>
                     <a:srgbClr val="000000"/>
                   </a:solidFill>
@@ -3819,8 +3838,8 @@
               <a:noFill/>
             </a:ln>
             <a:extLst>
-              <a:ext uri="{91240B29-F687-4f45-9708-019B960494DF}">
-                <a14:hiddenLine xmlns="" xmlns:a14="http://schemas.microsoft.com/office/drawing/2010/main" w="9525">
+              <a:ext uri="{91240B29-F687-4F45-9708-019B960494DF}">
+                <a14:hiddenLine xmlns:a14="http://schemas.microsoft.com/office/drawing/2010/main" w="9525">
                   <a:solidFill>
                     <a:srgbClr val="000000"/>
                   </a:solidFill>
@@ -3909,8 +3928,8 @@
               <a:noFill/>
             </a:ln>
             <a:extLst>
-              <a:ext uri="{91240B29-F687-4f45-9708-019B960494DF}">
-                <a14:hiddenLine xmlns="" xmlns:a14="http://schemas.microsoft.com/office/drawing/2010/main" w="9525">
+              <a:ext uri="{91240B29-F687-4F45-9708-019B960494DF}">
+                <a14:hiddenLine xmlns:a14="http://schemas.microsoft.com/office/drawing/2010/main" w="9525">
                   <a:solidFill>
                     <a:srgbClr val="000000"/>
                   </a:solidFill>
@@ -3943,8 +3962,8 @@
               <a:noFill/>
             </a:ln>
             <a:extLst>
-              <a:ext uri="{91240B29-F687-4f45-9708-019B960494DF}">
-                <a14:hiddenLine xmlns="" xmlns:a14="http://schemas.microsoft.com/office/drawing/2010/main" w="9525">
+              <a:ext uri="{91240B29-F687-4F45-9708-019B960494DF}">
+                <a14:hiddenLine xmlns:a14="http://schemas.microsoft.com/office/drawing/2010/main" w="9525">
                   <a:solidFill>
                     <a:srgbClr val="000000"/>
                   </a:solidFill>
@@ -4033,8 +4052,8 @@
               <a:noFill/>
             </a:ln>
             <a:extLst>
-              <a:ext uri="{91240B29-F687-4f45-9708-019B960494DF}">
-                <a14:hiddenLine xmlns="" xmlns:a14="http://schemas.microsoft.com/office/drawing/2010/main" w="9525">
+              <a:ext uri="{91240B29-F687-4F45-9708-019B960494DF}">
+                <a14:hiddenLine xmlns:a14="http://schemas.microsoft.com/office/drawing/2010/main" w="9525">
                   <a:solidFill>
                     <a:srgbClr val="000000"/>
                   </a:solidFill>
@@ -4095,8 +4114,8 @@
               <a:noFill/>
             </a:ln>
             <a:extLst>
-              <a:ext uri="{91240B29-F687-4f45-9708-019B960494DF}">
-                <a14:hiddenLine xmlns="" xmlns:a14="http://schemas.microsoft.com/office/drawing/2010/main" w="9525">
+              <a:ext uri="{91240B29-F687-4F45-9708-019B960494DF}">
+                <a14:hiddenLine xmlns:a14="http://schemas.microsoft.com/office/drawing/2010/main" w="9525">
                   <a:solidFill>
                     <a:srgbClr val="000000"/>
                   </a:solidFill>
@@ -4157,8 +4176,8 @@
               <a:noFill/>
             </a:ln>
             <a:extLst>
-              <a:ext uri="{91240B29-F687-4f45-9708-019B960494DF}">
-                <a14:hiddenLine xmlns="" xmlns:a14="http://schemas.microsoft.com/office/drawing/2010/main" w="9525">
+              <a:ext uri="{91240B29-F687-4F45-9708-019B960494DF}">
+                <a14:hiddenLine xmlns:a14="http://schemas.microsoft.com/office/drawing/2010/main" w="9525">
                   <a:solidFill>
                     <a:srgbClr val="000000"/>
                   </a:solidFill>
@@ -4247,8 +4266,8 @@
               <a:noFill/>
             </a:ln>
             <a:extLst>
-              <a:ext uri="{91240B29-F687-4f45-9708-019B960494DF}">
-                <a14:hiddenLine xmlns="" xmlns:a14="http://schemas.microsoft.com/office/drawing/2010/main" w="9525">
+              <a:ext uri="{91240B29-F687-4F45-9708-019B960494DF}">
+                <a14:hiddenLine xmlns:a14="http://schemas.microsoft.com/office/drawing/2010/main" w="9525">
                   <a:solidFill>
                     <a:srgbClr val="000000"/>
                   </a:solidFill>
@@ -4309,8 +4328,8 @@
               <a:noFill/>
             </a:ln>
             <a:extLst>
-              <a:ext uri="{91240B29-F687-4f45-9708-019B960494DF}">
-                <a14:hiddenLine xmlns="" xmlns:a14="http://schemas.microsoft.com/office/drawing/2010/main" w="9525">
+              <a:ext uri="{91240B29-F687-4F45-9708-019B960494DF}">
+                <a14:hiddenLine xmlns:a14="http://schemas.microsoft.com/office/drawing/2010/main" w="9525">
                   <a:solidFill>
                     <a:srgbClr val="000000"/>
                   </a:solidFill>
@@ -4371,8 +4390,8 @@
               <a:noFill/>
             </a:ln>
             <a:extLst>
-              <a:ext uri="{91240B29-F687-4f45-9708-019B960494DF}">
-                <a14:hiddenLine xmlns="" xmlns:a14="http://schemas.microsoft.com/office/drawing/2010/main" w="9525">
+              <a:ext uri="{91240B29-F687-4F45-9708-019B960494DF}">
+                <a14:hiddenLine xmlns:a14="http://schemas.microsoft.com/office/drawing/2010/main" w="9525">
                   <a:solidFill>
                     <a:srgbClr val="000000"/>
                   </a:solidFill>
@@ -4461,8 +4480,8 @@
               <a:noFill/>
             </a:ln>
             <a:extLst>
-              <a:ext uri="{91240B29-F687-4f45-9708-019B960494DF}">
-                <a14:hiddenLine xmlns="" xmlns:a14="http://schemas.microsoft.com/office/drawing/2010/main" w="9525">
+              <a:ext uri="{91240B29-F687-4F45-9708-019B960494DF}">
+                <a14:hiddenLine xmlns:a14="http://schemas.microsoft.com/office/drawing/2010/main" w="9525">
                   <a:solidFill>
                     <a:srgbClr val="000000"/>
                   </a:solidFill>
@@ -4551,8 +4570,8 @@
               <a:noFill/>
             </a:ln>
             <a:extLst>
-              <a:ext uri="{91240B29-F687-4f45-9708-019B960494DF}">
-                <a14:hiddenLine xmlns="" xmlns:a14="http://schemas.microsoft.com/office/drawing/2010/main" w="9525">
+              <a:ext uri="{91240B29-F687-4F45-9708-019B960494DF}">
+                <a14:hiddenLine xmlns:a14="http://schemas.microsoft.com/office/drawing/2010/main" w="9525">
                   <a:solidFill>
                     <a:srgbClr val="000000"/>
                   </a:solidFill>
@@ -4613,8 +4632,8 @@
               <a:noFill/>
             </a:ln>
             <a:extLst>
-              <a:ext uri="{91240B29-F687-4f45-9708-019B960494DF}">
-                <a14:hiddenLine xmlns="" xmlns:a14="http://schemas.microsoft.com/office/drawing/2010/main" w="9525">
+              <a:ext uri="{91240B29-F687-4F45-9708-019B960494DF}">
+                <a14:hiddenLine xmlns:a14="http://schemas.microsoft.com/office/drawing/2010/main" w="9525">
                   <a:solidFill>
                     <a:srgbClr val="000000"/>
                   </a:solidFill>
@@ -4723,8 +4742,8 @@
               <a:noFill/>
             </a:ln>
             <a:extLst>
-              <a:ext uri="{91240B29-F687-4f45-9708-019B960494DF}">
-                <a14:hiddenLine xmlns="" xmlns:a14="http://schemas.microsoft.com/office/drawing/2010/main" w="9525">
+              <a:ext uri="{91240B29-F687-4F45-9708-019B960494DF}">
+                <a14:hiddenLine xmlns:a14="http://schemas.microsoft.com/office/drawing/2010/main" w="9525">
                   <a:solidFill>
                     <a:srgbClr val="000000"/>
                   </a:solidFill>
@@ -4785,8 +4804,8 @@
               <a:noFill/>
             </a:ln>
             <a:extLst>
-              <a:ext uri="{91240B29-F687-4f45-9708-019B960494DF}">
-                <a14:hiddenLine xmlns="" xmlns:a14="http://schemas.microsoft.com/office/drawing/2010/main" w="9525">
+              <a:ext uri="{91240B29-F687-4F45-9708-019B960494DF}">
+                <a14:hiddenLine xmlns:a14="http://schemas.microsoft.com/office/drawing/2010/main" w="9525">
                   <a:solidFill>
                     <a:srgbClr val="000000"/>
                   </a:solidFill>
@@ -4875,8 +4894,8 @@
               <a:noFill/>
             </a:ln>
             <a:extLst>
-              <a:ext uri="{91240B29-F687-4f45-9708-019B960494DF}">
-                <a14:hiddenLine xmlns="" xmlns:a14="http://schemas.microsoft.com/office/drawing/2010/main" w="9525">
+              <a:ext uri="{91240B29-F687-4F45-9708-019B960494DF}">
+                <a14:hiddenLine xmlns:a14="http://schemas.microsoft.com/office/drawing/2010/main" w="9525">
                   <a:solidFill>
                     <a:srgbClr val="000000"/>
                   </a:solidFill>
@@ -4965,8 +4984,8 @@
               <a:noFill/>
             </a:ln>
             <a:extLst>
-              <a:ext uri="{91240B29-F687-4f45-9708-019B960494DF}">
-                <a14:hiddenLine xmlns="" xmlns:a14="http://schemas.microsoft.com/office/drawing/2010/main" w="9525">
+              <a:ext uri="{91240B29-F687-4F45-9708-019B960494DF}">
+                <a14:hiddenLine xmlns:a14="http://schemas.microsoft.com/office/drawing/2010/main" w="9525">
                   <a:solidFill>
                     <a:srgbClr val="000000"/>
                   </a:solidFill>
@@ -5027,8 +5046,8 @@
               <a:noFill/>
             </a:ln>
             <a:extLst>
-              <a:ext uri="{91240B29-F687-4f45-9708-019B960494DF}">
-                <a14:hiddenLine xmlns="" xmlns:a14="http://schemas.microsoft.com/office/drawing/2010/main" w="9525">
+              <a:ext uri="{91240B29-F687-4F45-9708-019B960494DF}">
+                <a14:hiddenLine xmlns:a14="http://schemas.microsoft.com/office/drawing/2010/main" w="9525">
                   <a:solidFill>
                     <a:srgbClr val="000000"/>
                   </a:solidFill>
@@ -5117,8 +5136,8 @@
               <a:noFill/>
             </a:ln>
             <a:extLst>
-              <a:ext uri="{91240B29-F687-4f45-9708-019B960494DF}">
-                <a14:hiddenLine xmlns="" xmlns:a14="http://schemas.microsoft.com/office/drawing/2010/main" w="9525">
+              <a:ext uri="{91240B29-F687-4F45-9708-019B960494DF}">
+                <a14:hiddenLine xmlns:a14="http://schemas.microsoft.com/office/drawing/2010/main" w="9525">
                   <a:solidFill>
                     <a:srgbClr val="000000"/>
                   </a:solidFill>
@@ -5207,8 +5226,8 @@
               <a:noFill/>
             </a:ln>
             <a:extLst>
-              <a:ext uri="{91240B29-F687-4f45-9708-019B960494DF}">
-                <a14:hiddenLine xmlns="" xmlns:a14="http://schemas.microsoft.com/office/drawing/2010/main" w="9525">
+              <a:ext uri="{91240B29-F687-4F45-9708-019B960494DF}">
+                <a14:hiddenLine xmlns:a14="http://schemas.microsoft.com/office/drawing/2010/main" w="9525">
                   <a:solidFill>
                     <a:srgbClr val="000000"/>
                   </a:solidFill>
@@ -5263,8 +5282,8 @@
               <a:noFill/>
             </a:ln>
             <a:extLst>
-              <a:ext uri="{91240B29-F687-4f45-9708-019B960494DF}">
-                <a14:hiddenLine xmlns="" xmlns:a14="http://schemas.microsoft.com/office/drawing/2010/main" w="9525">
+              <a:ext uri="{91240B29-F687-4F45-9708-019B960494DF}">
+                <a14:hiddenLine xmlns:a14="http://schemas.microsoft.com/office/drawing/2010/main" w="9525">
                   <a:solidFill>
                     <a:srgbClr val="000000"/>
                   </a:solidFill>
@@ -5353,8 +5372,8 @@
               <a:noFill/>
             </a:ln>
             <a:extLst>
-              <a:ext uri="{91240B29-F687-4f45-9708-019B960494DF}">
-                <a14:hiddenLine xmlns="" xmlns:a14="http://schemas.microsoft.com/office/drawing/2010/main" w="9525">
+              <a:ext uri="{91240B29-F687-4F45-9708-019B960494DF}">
+                <a14:hiddenLine xmlns:a14="http://schemas.microsoft.com/office/drawing/2010/main" w="9525">
                   <a:solidFill>
                     <a:srgbClr val="000000"/>
                   </a:solidFill>
@@ -5409,8 +5428,8 @@
               <a:noFill/>
             </a:ln>
             <a:extLst>
-              <a:ext uri="{91240B29-F687-4f45-9708-019B960494DF}">
-                <a14:hiddenLine xmlns="" xmlns:a14="http://schemas.microsoft.com/office/drawing/2010/main" w="9525">
+              <a:ext uri="{91240B29-F687-4F45-9708-019B960494DF}">
+                <a14:hiddenLine xmlns:a14="http://schemas.microsoft.com/office/drawing/2010/main" w="9525">
                   <a:solidFill>
                     <a:srgbClr val="000000"/>
                   </a:solidFill>
@@ -5499,8 +5518,8 @@
               <a:noFill/>
             </a:ln>
             <a:extLst>
-              <a:ext uri="{91240B29-F687-4f45-9708-019B960494DF}">
-                <a14:hiddenLine xmlns="" xmlns:a14="http://schemas.microsoft.com/office/drawing/2010/main" w="9525">
+              <a:ext uri="{91240B29-F687-4F45-9708-019B960494DF}">
+                <a14:hiddenLine xmlns:a14="http://schemas.microsoft.com/office/drawing/2010/main" w="9525">
                   <a:solidFill>
                     <a:srgbClr val="000000"/>
                   </a:solidFill>
@@ -5567,8 +5586,8 @@
               <a:noFill/>
             </a:ln>
             <a:extLst>
-              <a:ext uri="{91240B29-F687-4f45-9708-019B960494DF}">
-                <a14:hiddenLine xmlns="" xmlns:a14="http://schemas.microsoft.com/office/drawing/2010/main" w="9525">
+              <a:ext uri="{91240B29-F687-4F45-9708-019B960494DF}">
+                <a14:hiddenLine xmlns:a14="http://schemas.microsoft.com/office/drawing/2010/main" w="9525">
                   <a:solidFill>
                     <a:srgbClr val="000000"/>
                   </a:solidFill>
@@ -5657,8 +5676,8 @@
               <a:noFill/>
             </a:ln>
             <a:extLst>
-              <a:ext uri="{91240B29-F687-4f45-9708-019B960494DF}">
-                <a14:hiddenLine xmlns="" xmlns:a14="http://schemas.microsoft.com/office/drawing/2010/main" w="9525">
+              <a:ext uri="{91240B29-F687-4F45-9708-019B960494DF}">
+                <a14:hiddenLine xmlns:a14="http://schemas.microsoft.com/office/drawing/2010/main" w="9525">
                   <a:solidFill>
                     <a:srgbClr val="000000"/>
                   </a:solidFill>
@@ -5725,8 +5744,8 @@
               <a:noFill/>
             </a:ln>
             <a:extLst>
-              <a:ext uri="{91240B29-F687-4f45-9708-019B960494DF}">
-                <a14:hiddenLine xmlns="" xmlns:a14="http://schemas.microsoft.com/office/drawing/2010/main" w="9525">
+              <a:ext uri="{91240B29-F687-4F45-9708-019B960494DF}">
+                <a14:hiddenLine xmlns:a14="http://schemas.microsoft.com/office/drawing/2010/main" w="9525">
                   <a:solidFill>
                     <a:srgbClr val="000000"/>
                   </a:solidFill>
@@ -5815,8 +5834,8 @@
               <a:noFill/>
             </a:ln>
             <a:extLst>
-              <a:ext uri="{91240B29-F687-4f45-9708-019B960494DF}">
-                <a14:hiddenLine xmlns="" xmlns:a14="http://schemas.microsoft.com/office/drawing/2010/main" w="9525">
+              <a:ext uri="{91240B29-F687-4F45-9708-019B960494DF}">
+                <a14:hiddenLine xmlns:a14="http://schemas.microsoft.com/office/drawing/2010/main" w="9525">
                   <a:solidFill>
                     <a:srgbClr val="000000"/>
                   </a:solidFill>
@@ -5849,8 +5868,8 @@
               <a:noFill/>
             </a:ln>
             <a:extLst>
-              <a:ext uri="{91240B29-F687-4f45-9708-019B960494DF}">
-                <a14:hiddenLine xmlns="" xmlns:a14="http://schemas.microsoft.com/office/drawing/2010/main" w="9525">
+              <a:ext uri="{91240B29-F687-4F45-9708-019B960494DF}">
+                <a14:hiddenLine xmlns:a14="http://schemas.microsoft.com/office/drawing/2010/main" w="9525">
                   <a:solidFill>
                     <a:srgbClr val="000000"/>
                   </a:solidFill>
@@ -5939,8 +5958,8 @@
               <a:noFill/>
             </a:ln>
             <a:extLst>
-              <a:ext uri="{91240B29-F687-4f45-9708-019B960494DF}">
-                <a14:hiddenLine xmlns="" xmlns:a14="http://schemas.microsoft.com/office/drawing/2010/main" w="9525">
+              <a:ext uri="{91240B29-F687-4F45-9708-019B960494DF}">
+                <a14:hiddenLine xmlns:a14="http://schemas.microsoft.com/office/drawing/2010/main" w="9525">
                   <a:solidFill>
                     <a:srgbClr val="000000"/>
                   </a:solidFill>
@@ -6001,8 +6020,8 @@
               <a:noFill/>
             </a:ln>
             <a:extLst>
-              <a:ext uri="{91240B29-F687-4f45-9708-019B960494DF}">
-                <a14:hiddenLine xmlns="" xmlns:a14="http://schemas.microsoft.com/office/drawing/2010/main" w="9525">
+              <a:ext uri="{91240B29-F687-4F45-9708-019B960494DF}">
+                <a14:hiddenLine xmlns:a14="http://schemas.microsoft.com/office/drawing/2010/main" w="9525">
                   <a:solidFill>
                     <a:srgbClr val="000000"/>
                   </a:solidFill>
@@ -6063,8 +6082,8 @@
               <a:noFill/>
             </a:ln>
             <a:extLst>
-              <a:ext uri="{91240B29-F687-4f45-9708-019B960494DF}">
-                <a14:hiddenLine xmlns="" xmlns:a14="http://schemas.microsoft.com/office/drawing/2010/main" w="9525">
+              <a:ext uri="{91240B29-F687-4F45-9708-019B960494DF}">
+                <a14:hiddenLine xmlns:a14="http://schemas.microsoft.com/office/drawing/2010/main" w="9525">
                   <a:solidFill>
                     <a:srgbClr val="000000"/>
                   </a:solidFill>
@@ -6153,8 +6172,8 @@
               <a:noFill/>
             </a:ln>
             <a:extLst>
-              <a:ext uri="{91240B29-F687-4f45-9708-019B960494DF}">
-                <a14:hiddenLine xmlns="" xmlns:a14="http://schemas.microsoft.com/office/drawing/2010/main" w="9525">
+              <a:ext uri="{91240B29-F687-4F45-9708-019B960494DF}">
+                <a14:hiddenLine xmlns:a14="http://schemas.microsoft.com/office/drawing/2010/main" w="9525">
                   <a:solidFill>
                     <a:srgbClr val="000000"/>
                   </a:solidFill>
@@ -6221,8 +6240,8 @@
               <a:noFill/>
             </a:ln>
             <a:extLst>
-              <a:ext uri="{91240B29-F687-4f45-9708-019B960494DF}">
-                <a14:hiddenLine xmlns="" xmlns:a14="http://schemas.microsoft.com/office/drawing/2010/main" w="9525">
+              <a:ext uri="{91240B29-F687-4F45-9708-019B960494DF}">
+                <a14:hiddenLine xmlns:a14="http://schemas.microsoft.com/office/drawing/2010/main" w="9525">
                   <a:solidFill>
                     <a:srgbClr val="000000"/>
                   </a:solidFill>
@@ -6283,8 +6302,8 @@
               <a:noFill/>
             </a:ln>
             <a:extLst>
-              <a:ext uri="{91240B29-F687-4f45-9708-019B960494DF}">
-                <a14:hiddenLine xmlns="" xmlns:a14="http://schemas.microsoft.com/office/drawing/2010/main" w="9525">
+              <a:ext uri="{91240B29-F687-4F45-9708-019B960494DF}">
+                <a14:hiddenLine xmlns:a14="http://schemas.microsoft.com/office/drawing/2010/main" w="9525">
                   <a:solidFill>
                     <a:srgbClr val="000000"/>
                   </a:solidFill>
@@ -6373,8 +6392,8 @@
               <a:noFill/>
             </a:ln>
             <a:extLst>
-              <a:ext uri="{91240B29-F687-4f45-9708-019B960494DF}">
-                <a14:hiddenLine xmlns="" xmlns:a14="http://schemas.microsoft.com/office/drawing/2010/main" w="9525">
+              <a:ext uri="{91240B29-F687-4F45-9708-019B960494DF}">
+                <a14:hiddenLine xmlns:a14="http://schemas.microsoft.com/office/drawing/2010/main" w="9525">
                   <a:solidFill>
                     <a:srgbClr val="000000"/>
                   </a:solidFill>
@@ -6435,8 +6454,8 @@
               <a:noFill/>
             </a:ln>
             <a:extLst>
-              <a:ext uri="{91240B29-F687-4f45-9708-019B960494DF}">
-                <a14:hiddenLine xmlns="" xmlns:a14="http://schemas.microsoft.com/office/drawing/2010/main" w="9525">
+              <a:ext uri="{91240B29-F687-4F45-9708-019B960494DF}">
+                <a14:hiddenLine xmlns:a14="http://schemas.microsoft.com/office/drawing/2010/main" w="9525">
                   <a:solidFill>
                     <a:srgbClr val="000000"/>
                   </a:solidFill>
@@ -6525,8 +6544,8 @@
               <a:noFill/>
             </a:ln>
             <a:extLst>
-              <a:ext uri="{91240B29-F687-4f45-9708-019B960494DF}">
-                <a14:hiddenLine xmlns="" xmlns:a14="http://schemas.microsoft.com/office/drawing/2010/main" w="9525">
+              <a:ext uri="{91240B29-F687-4F45-9708-019B960494DF}">
+                <a14:hiddenLine xmlns:a14="http://schemas.microsoft.com/office/drawing/2010/main" w="9525">
                   <a:solidFill>
                     <a:srgbClr val="000000"/>
                   </a:solidFill>
@@ -6587,8 +6606,8 @@
               <a:noFill/>
             </a:ln>
             <a:extLst>
-              <a:ext uri="{91240B29-F687-4f45-9708-019B960494DF}">
-                <a14:hiddenLine xmlns="" xmlns:a14="http://schemas.microsoft.com/office/drawing/2010/main" w="9525">
+              <a:ext uri="{91240B29-F687-4F45-9708-019B960494DF}">
+                <a14:hiddenLine xmlns:a14="http://schemas.microsoft.com/office/drawing/2010/main" w="9525">
                   <a:solidFill>
                     <a:srgbClr val="000000"/>
                   </a:solidFill>
@@ -6677,8 +6696,8 @@
               <a:noFill/>
             </a:ln>
             <a:extLst>
-              <a:ext uri="{91240B29-F687-4f45-9708-019B960494DF}">
-                <a14:hiddenLine xmlns="" xmlns:a14="http://schemas.microsoft.com/office/drawing/2010/main" w="9525">
+              <a:ext uri="{91240B29-F687-4F45-9708-019B960494DF}">
+                <a14:hiddenLine xmlns:a14="http://schemas.microsoft.com/office/drawing/2010/main" w="9525">
                   <a:solidFill>
                     <a:srgbClr val="000000"/>
                   </a:solidFill>
@@ -6711,8 +6730,8 @@
               <a:noFill/>
             </a:ln>
             <a:extLst>
-              <a:ext uri="{91240B29-F687-4f45-9708-019B960494DF}">
-                <a14:hiddenLine xmlns="" xmlns:a14="http://schemas.microsoft.com/office/drawing/2010/main" w="9525">
+              <a:ext uri="{91240B29-F687-4F45-9708-019B960494DF}">
+                <a14:hiddenLine xmlns:a14="http://schemas.microsoft.com/office/drawing/2010/main" w="9525">
                   <a:solidFill>
                     <a:srgbClr val="000000"/>
                   </a:solidFill>
@@ -6776,8 +6795,8 @@
               <a:noFill/>
             </a:ln>
             <a:extLst>
-              <a:ext uri="{91240B29-F687-4f45-9708-019B960494DF}">
-                <a14:hiddenLine xmlns="" xmlns:a14="http://schemas.microsoft.com/office/drawing/2010/main" w="9525">
+              <a:ext uri="{91240B29-F687-4F45-9708-019B960494DF}">
+                <a14:hiddenLine xmlns:a14="http://schemas.microsoft.com/office/drawing/2010/main" w="9525">
                   <a:solidFill>
                     <a:srgbClr val="000000"/>
                   </a:solidFill>
@@ -6866,8 +6885,8 @@
               <a:noFill/>
             </a:ln>
             <a:extLst>
-              <a:ext uri="{91240B29-F687-4f45-9708-019B960494DF}">
-                <a14:hiddenLine xmlns="" xmlns:a14="http://schemas.microsoft.com/office/drawing/2010/main" w="9525">
+              <a:ext uri="{91240B29-F687-4F45-9708-019B960494DF}">
+                <a14:hiddenLine xmlns:a14="http://schemas.microsoft.com/office/drawing/2010/main" w="9525">
                   <a:solidFill>
                     <a:srgbClr val="000000"/>
                   </a:solidFill>
@@ -6928,8 +6947,8 @@
               <a:noFill/>
             </a:ln>
             <a:extLst>
-              <a:ext uri="{91240B29-F687-4f45-9708-019B960494DF}">
-                <a14:hiddenLine xmlns="" xmlns:a14="http://schemas.microsoft.com/office/drawing/2010/main" w="9525">
+              <a:ext uri="{91240B29-F687-4F45-9708-019B960494DF}">
+                <a14:hiddenLine xmlns:a14="http://schemas.microsoft.com/office/drawing/2010/main" w="9525">
                   <a:solidFill>
                     <a:srgbClr val="000000"/>
                   </a:solidFill>
@@ -7018,8 +7037,8 @@
               <a:noFill/>
             </a:ln>
             <a:extLst>
-              <a:ext uri="{91240B29-F687-4f45-9708-019B960494DF}">
-                <a14:hiddenLine xmlns="" xmlns:a14="http://schemas.microsoft.com/office/drawing/2010/main" w="9525">
+              <a:ext uri="{91240B29-F687-4F45-9708-019B960494DF}">
+                <a14:hiddenLine xmlns:a14="http://schemas.microsoft.com/office/drawing/2010/main" w="9525">
                   <a:solidFill>
                     <a:srgbClr val="000000"/>
                   </a:solidFill>
@@ -7108,8 +7127,8 @@
               <a:noFill/>
             </a:ln>
             <a:extLst>
-              <a:ext uri="{91240B29-F687-4f45-9708-019B960494DF}">
-                <a14:hiddenLine xmlns="" xmlns:a14="http://schemas.microsoft.com/office/drawing/2010/main" w="9525">
+              <a:ext uri="{91240B29-F687-4F45-9708-019B960494DF}">
+                <a14:hiddenLine xmlns:a14="http://schemas.microsoft.com/office/drawing/2010/main" w="9525">
                   <a:solidFill>
                     <a:srgbClr val="000000"/>
                   </a:solidFill>
@@ -7173,8 +7192,8 @@
               <a:noFill/>
             </a:ln>
             <a:extLst>
-              <a:ext uri="{91240B29-F687-4f45-9708-019B960494DF}">
-                <a14:hiddenLine xmlns="" xmlns:a14="http://schemas.microsoft.com/office/drawing/2010/main" w="9525">
+              <a:ext uri="{91240B29-F687-4F45-9708-019B960494DF}">
+                <a14:hiddenLine xmlns:a14="http://schemas.microsoft.com/office/drawing/2010/main" w="9525">
                   <a:solidFill>
                     <a:srgbClr val="000000"/>
                   </a:solidFill>
@@ -7235,8 +7254,8 @@
               <a:noFill/>
             </a:ln>
             <a:extLst>
-              <a:ext uri="{91240B29-F687-4f45-9708-019B960494DF}">
-                <a14:hiddenLine xmlns="" xmlns:a14="http://schemas.microsoft.com/office/drawing/2010/main" w="9525">
+              <a:ext uri="{91240B29-F687-4F45-9708-019B960494DF}">
+                <a14:hiddenLine xmlns:a14="http://schemas.microsoft.com/office/drawing/2010/main" w="9525">
                   <a:solidFill>
                     <a:srgbClr val="000000"/>
                   </a:solidFill>
@@ -7325,8 +7344,8 @@
               <a:noFill/>
             </a:ln>
             <a:extLst>
-              <a:ext uri="{91240B29-F687-4f45-9708-019B960494DF}">
-                <a14:hiddenLine xmlns="" xmlns:a14="http://schemas.microsoft.com/office/drawing/2010/main" w="9525">
+              <a:ext uri="{91240B29-F687-4F45-9708-019B960494DF}">
+                <a14:hiddenLine xmlns:a14="http://schemas.microsoft.com/office/drawing/2010/main" w="9525">
                   <a:solidFill>
                     <a:srgbClr val="000000"/>
                   </a:solidFill>
@@ -7415,8 +7434,8 @@
               <a:noFill/>
             </a:ln>
             <a:extLst>
-              <a:ext uri="{91240B29-F687-4f45-9708-019B960494DF}">
-                <a14:hiddenLine xmlns="" xmlns:a14="http://schemas.microsoft.com/office/drawing/2010/main" w="9525">
+              <a:ext uri="{91240B29-F687-4F45-9708-019B960494DF}">
+                <a14:hiddenLine xmlns:a14="http://schemas.microsoft.com/office/drawing/2010/main" w="9525">
                   <a:solidFill>
                     <a:srgbClr val="000000"/>
                   </a:solidFill>
@@ -7477,8 +7496,8 @@
               <a:noFill/>
             </a:ln>
             <a:extLst>
-              <a:ext uri="{91240B29-F687-4f45-9708-019B960494DF}">
-                <a14:hiddenLine xmlns="" xmlns:a14="http://schemas.microsoft.com/office/drawing/2010/main" w="9525">
+              <a:ext uri="{91240B29-F687-4F45-9708-019B960494DF}">
+                <a14:hiddenLine xmlns:a14="http://schemas.microsoft.com/office/drawing/2010/main" w="9525">
                   <a:solidFill>
                     <a:srgbClr val="000000"/>
                   </a:solidFill>
@@ -7597,8 +7616,8 @@
               <a:noFill/>
             </a:ln>
             <a:extLst>
-              <a:ext uri="{91240B29-F687-4f45-9708-019B960494DF}">
-                <a14:hiddenLine xmlns="" xmlns:a14="http://schemas.microsoft.com/office/drawing/2010/main" w="9525">
+              <a:ext uri="{91240B29-F687-4F45-9708-019B960494DF}">
+                <a14:hiddenLine xmlns:a14="http://schemas.microsoft.com/office/drawing/2010/main" w="9525">
                   <a:solidFill>
                     <a:srgbClr val="000000"/>
                   </a:solidFill>
@@ -7665,8 +7684,8 @@
               <a:noFill/>
             </a:ln>
             <a:extLst>
-              <a:ext uri="{91240B29-F687-4f45-9708-019B960494DF}">
-                <a14:hiddenLine xmlns="" xmlns:a14="http://schemas.microsoft.com/office/drawing/2010/main" w="9525">
+              <a:ext uri="{91240B29-F687-4F45-9708-019B960494DF}">
+                <a14:hiddenLine xmlns:a14="http://schemas.microsoft.com/office/drawing/2010/main" w="9525">
                   <a:solidFill>
                     <a:srgbClr val="000000"/>
                   </a:solidFill>
@@ -7755,8 +7774,8 @@
               <a:noFill/>
             </a:ln>
             <a:extLst>
-              <a:ext uri="{91240B29-F687-4f45-9708-019B960494DF}">
-                <a14:hiddenLine xmlns="" xmlns:a14="http://schemas.microsoft.com/office/drawing/2010/main" w="9525">
+              <a:ext uri="{91240B29-F687-4F45-9708-019B960494DF}">
+                <a14:hiddenLine xmlns:a14="http://schemas.microsoft.com/office/drawing/2010/main" w="9525">
                   <a:solidFill>
                     <a:srgbClr val="000000"/>
                   </a:solidFill>
@@ -7897,7 +7916,7 @@
             <a:pPr rtl="0"/>
             <a:fld id="{226E71D3-32FD-4BA5-B5EB-6BA9A9FD8591}" type="datetime1">
               <a:rPr lang="ru-RU" noProof="0" smtClean="0"/>
-              <a:t>22.01.2025</a:t>
+              <a:t>27.01.2025</a:t>
             </a:fld>
             <a:endParaRPr lang="ru-RU" noProof="0"/>
           </a:p>
@@ -8161,7 +8180,7 @@
             <a:pPr rtl="0"/>
             <a:fld id="{71B5AF4B-3067-46C7-9F81-423C1983FDBA}" type="datetime1">
               <a:rPr lang="ru-RU" noProof="0" smtClean="0"/>
-              <a:t>22.01.2025</a:t>
+              <a:t>27.01.2025</a:t>
             </a:fld>
             <a:endParaRPr lang="ru-RU" noProof="0"/>
           </a:p>
@@ -8355,7 +8374,7 @@
             <a:pPr rtl="0"/>
             <a:fld id="{35F76350-5A7E-49DF-99E3-394F6CC410C2}" type="datetime1">
               <a:rPr lang="ru-RU" noProof="0" smtClean="0"/>
-              <a:t>22.01.2025</a:t>
+              <a:t>27.01.2025</a:t>
             </a:fld>
             <a:endParaRPr lang="ru-RU" noProof="0"/>
           </a:p>
@@ -8616,7 +8635,7 @@
             <a:pPr rtl="0"/>
             <a:fld id="{B3093FAE-6D00-4E44-978A-F35CBD440AC4}" type="datetime1">
               <a:rPr lang="ru-RU" noProof="0" smtClean="0"/>
-              <a:t>22.01.2025</a:t>
+              <a:t>27.01.2025</a:t>
             </a:fld>
             <a:endParaRPr lang="ru-RU" noProof="0"/>
           </a:p>
@@ -9050,7 +9069,7 @@
             <a:pPr rtl="0"/>
             <a:fld id="{981024B8-AC39-4FCC-A1F2-3D04B286AAD6}" type="datetime1">
               <a:rPr lang="ru-RU" noProof="0" smtClean="0"/>
-              <a:t>22.01.2025</a:t>
+              <a:t>27.01.2025</a:t>
             </a:fld>
             <a:endParaRPr lang="ru-RU" noProof="0"/>
           </a:p>
@@ -9594,7 +9613,7 @@
             <a:pPr rtl="0"/>
             <a:fld id="{38D38531-F63B-46B5-A1F2-4DAD01111027}" type="datetime1">
               <a:rPr lang="ru-RU" noProof="0" smtClean="0"/>
-              <a:t>22.01.2025</a:t>
+              <a:t>27.01.2025</a:t>
             </a:fld>
             <a:endParaRPr lang="ru-RU" noProof="0"/>
           </a:p>
@@ -10309,7 +10328,7 @@
             <a:pPr rtl="0"/>
             <a:fld id="{4628A567-3EB0-43DA-894A-BE4F62865DB3}" type="datetime1">
               <a:rPr lang="ru-RU" noProof="0" smtClean="0"/>
-              <a:t>22.01.2025</a:t>
+              <a:t>27.01.2025</a:t>
             </a:fld>
             <a:endParaRPr lang="ru-RU" noProof="0"/>
           </a:p>
@@ -10476,7 +10495,7 @@
             <a:pPr rtl="0"/>
             <a:fld id="{90C780E6-16D2-4C01-BF69-64889FBB0B25}" type="datetime1">
               <a:rPr lang="ru-RU" noProof="0" smtClean="0"/>
-              <a:t>22.01.2025</a:t>
+              <a:t>27.01.2025</a:t>
             </a:fld>
             <a:endParaRPr lang="ru-RU" noProof="0"/>
           </a:p>
@@ -10653,7 +10672,7 @@
             <a:pPr rtl="0"/>
             <a:fld id="{71EF6A54-205A-4894-85CA-836FFE127AC4}" type="datetime1">
               <a:rPr lang="ru-RU" noProof="0" smtClean="0"/>
-              <a:t>22.01.2025</a:t>
+              <a:t>27.01.2025</a:t>
             </a:fld>
             <a:endParaRPr lang="ru-RU" noProof="0" dirty="0"/>
           </a:p>
@@ -10820,7 +10839,7 @@
             <a:pPr rtl="0"/>
             <a:fld id="{7D59E4B2-A3D8-4E01-8BC6-84D9C784D038}" type="datetime1">
               <a:rPr lang="ru-RU" noProof="0" smtClean="0"/>
-              <a:t>22.01.2025</a:t>
+              <a:t>27.01.2025</a:t>
             </a:fld>
             <a:endParaRPr lang="ru-RU" noProof="0"/>
           </a:p>
@@ -11068,7 +11087,7 @@
             <a:pPr rtl="0"/>
             <a:fld id="{9297D021-FD91-4644-8402-293C117D3111}" type="datetime1">
               <a:rPr lang="ru-RU" noProof="0" smtClean="0"/>
-              <a:t>22.01.2025</a:t>
+              <a:t>27.01.2025</a:t>
             </a:fld>
             <a:endParaRPr lang="ru-RU" noProof="0"/>
           </a:p>
@@ -11296,7 +11315,7 @@
             <a:pPr rtl="0"/>
             <a:fld id="{EA446B8D-7EB0-4130-A1FC-46E3E64ABB45}" type="datetime1">
               <a:rPr lang="ru-RU" noProof="0" smtClean="0"/>
-              <a:t>22.01.2025</a:t>
+              <a:t>27.01.2025</a:t>
             </a:fld>
             <a:endParaRPr lang="ru-RU" noProof="0"/>
           </a:p>
@@ -11673,7 +11692,7 @@
             <a:pPr rtl="0"/>
             <a:fld id="{337574F0-16D3-408F-93FA-6916DC1BAD3F}" type="datetime1">
               <a:rPr lang="ru-RU" noProof="0" smtClean="0"/>
-              <a:t>22.01.2025</a:t>
+              <a:t>27.01.2025</a:t>
             </a:fld>
             <a:endParaRPr lang="ru-RU" noProof="0"/>
           </a:p>
@@ -11789,7 +11808,7 @@
             <a:pPr rtl="0"/>
             <a:fld id="{C68FA92F-4FA8-43EA-8BD5-5329899B798B}" type="datetime1">
               <a:rPr lang="ru-RU" noProof="0" smtClean="0"/>
-              <a:t>22.01.2025</a:t>
+              <a:t>27.01.2025</a:t>
             </a:fld>
             <a:endParaRPr lang="ru-RU" noProof="0"/>
           </a:p>
@@ -11882,7 +11901,7 @@
             <a:pPr rtl="0"/>
             <a:fld id="{92F9D3BB-142D-4258-B666-85B58B1145CB}" type="datetime1">
               <a:rPr lang="ru-RU" noProof="0" smtClean="0"/>
-              <a:t>22.01.2025</a:t>
+              <a:t>27.01.2025</a:t>
             </a:fld>
             <a:endParaRPr lang="ru-RU" noProof="0"/>
           </a:p>
@@ -12128,7 +12147,7 @@
             <a:pPr rtl="0"/>
             <a:fld id="{A33E524F-E058-4C39-9ED8-E9101EFBBB22}" type="datetime1">
               <a:rPr lang="ru-RU" noProof="0" smtClean="0"/>
-              <a:t>22.01.2025</a:t>
+              <a:t>27.01.2025</a:t>
             </a:fld>
             <a:endParaRPr lang="ru-RU" noProof="0"/>
           </a:p>
@@ -12406,7 +12425,7 @@
             <a:pPr rtl="0"/>
             <a:fld id="{05762E06-9654-4BE2-A90A-221151FA31EE}" type="datetime1">
               <a:rPr lang="ru-RU" noProof="0" smtClean="0"/>
-              <a:t>22.01.2025</a:t>
+              <a:t>27.01.2025</a:t>
             </a:fld>
             <a:endParaRPr lang="ru-RU" noProof="0"/>
           </a:p>
@@ -12518,8 +12537,8 @@
           </a:prstGeom>
           <a:noFill/>
           <a:extLst>
-            <a:ext uri="{909E8E84-426E-40dd-AFC4-6F175D3DCCD1}">
-              <a14:hiddenFill xmlns="" xmlns:a14="http://schemas.microsoft.com/office/drawing/2010/main">
+            <a:ext uri="{909E8E84-426E-40DD-AFC4-6F175D3DCCD1}">
+              <a14:hiddenFill xmlns:a14="http://schemas.microsoft.com/office/drawing/2010/main">
                 <a:solidFill>
                   <a:srgbClr val="FFFFFF"/>
                 </a:solidFill>
@@ -12592,8 +12611,8 @@
                 <a:noFill/>
               </a:ln>
               <a:extLst>
-                <a:ext uri="{91240B29-F687-4f45-9708-019B960494DF}">
-                  <a14:hiddenLine xmlns="" xmlns:a14="http://schemas.microsoft.com/office/drawing/2010/main" w="9525">
+                <a:ext uri="{91240B29-F687-4F45-9708-019B960494DF}">
+                  <a14:hiddenLine xmlns:a14="http://schemas.microsoft.com/office/drawing/2010/main" w="9525">
                     <a:solidFill>
                       <a:srgbClr val="000000"/>
                     </a:solidFill>
@@ -12682,8 +12701,8 @@
                 <a:noFill/>
               </a:ln>
               <a:extLst>
-                <a:ext uri="{91240B29-F687-4f45-9708-019B960494DF}">
-                  <a14:hiddenLine xmlns="" xmlns:a14="http://schemas.microsoft.com/office/drawing/2010/main" w="9525">
+                <a:ext uri="{91240B29-F687-4F45-9708-019B960494DF}">
+                  <a14:hiddenLine xmlns:a14="http://schemas.microsoft.com/office/drawing/2010/main" w="9525">
                     <a:solidFill>
                       <a:srgbClr val="000000"/>
                     </a:solidFill>
@@ -12772,8 +12791,8 @@
                 <a:noFill/>
               </a:ln>
               <a:extLst>
-                <a:ext uri="{91240B29-F687-4f45-9708-019B960494DF}">
-                  <a14:hiddenLine xmlns="" xmlns:a14="http://schemas.microsoft.com/office/drawing/2010/main" w="9525">
+                <a:ext uri="{91240B29-F687-4F45-9708-019B960494DF}">
+                  <a14:hiddenLine xmlns:a14="http://schemas.microsoft.com/office/drawing/2010/main" w="9525">
                     <a:solidFill>
                       <a:srgbClr val="000000"/>
                     </a:solidFill>
@@ -12834,8 +12853,8 @@
                 <a:noFill/>
               </a:ln>
               <a:extLst>
-                <a:ext uri="{91240B29-F687-4f45-9708-019B960494DF}">
-                  <a14:hiddenLine xmlns="" xmlns:a14="http://schemas.microsoft.com/office/drawing/2010/main" w="9525">
+                <a:ext uri="{91240B29-F687-4F45-9708-019B960494DF}">
+                  <a14:hiddenLine xmlns:a14="http://schemas.microsoft.com/office/drawing/2010/main" w="9525">
                     <a:solidFill>
                       <a:srgbClr val="000000"/>
                     </a:solidFill>
@@ -12924,8 +12943,8 @@
                 <a:noFill/>
               </a:ln>
               <a:extLst>
-                <a:ext uri="{91240B29-F687-4f45-9708-019B960494DF}">
-                  <a14:hiddenLine xmlns="" xmlns:a14="http://schemas.microsoft.com/office/drawing/2010/main" w="9525">
+                <a:ext uri="{91240B29-F687-4F45-9708-019B960494DF}">
+                  <a14:hiddenLine xmlns:a14="http://schemas.microsoft.com/office/drawing/2010/main" w="9525">
                     <a:solidFill>
                       <a:srgbClr val="000000"/>
                     </a:solidFill>
@@ -12986,8 +13005,8 @@
                 <a:noFill/>
               </a:ln>
               <a:extLst>
-                <a:ext uri="{91240B29-F687-4f45-9708-019B960494DF}">
-                  <a14:hiddenLine xmlns="" xmlns:a14="http://schemas.microsoft.com/office/drawing/2010/main" w="9525">
+                <a:ext uri="{91240B29-F687-4F45-9708-019B960494DF}">
+                  <a14:hiddenLine xmlns:a14="http://schemas.microsoft.com/office/drawing/2010/main" w="9525">
                     <a:solidFill>
                       <a:srgbClr val="000000"/>
                     </a:solidFill>
@@ -13048,8 +13067,8 @@
                 <a:noFill/>
               </a:ln>
               <a:extLst>
-                <a:ext uri="{91240B29-F687-4f45-9708-019B960494DF}">
-                  <a14:hiddenLine xmlns="" xmlns:a14="http://schemas.microsoft.com/office/drawing/2010/main" w="9525">
+                <a:ext uri="{91240B29-F687-4F45-9708-019B960494DF}">
+                  <a14:hiddenLine xmlns:a14="http://schemas.microsoft.com/office/drawing/2010/main" w="9525">
                     <a:solidFill>
                       <a:srgbClr val="000000"/>
                     </a:solidFill>
@@ -13138,8 +13157,8 @@
                 <a:noFill/>
               </a:ln>
               <a:extLst>
-                <a:ext uri="{91240B29-F687-4f45-9708-019B960494DF}">
-                  <a14:hiddenLine xmlns="" xmlns:a14="http://schemas.microsoft.com/office/drawing/2010/main" w="9525">
+                <a:ext uri="{91240B29-F687-4F45-9708-019B960494DF}">
+                  <a14:hiddenLine xmlns:a14="http://schemas.microsoft.com/office/drawing/2010/main" w="9525">
                     <a:solidFill>
                       <a:srgbClr val="000000"/>
                     </a:solidFill>
@@ -13228,8 +13247,8 @@
                 <a:noFill/>
               </a:ln>
               <a:extLst>
-                <a:ext uri="{91240B29-F687-4f45-9708-019B960494DF}">
-                  <a14:hiddenLine xmlns="" xmlns:a14="http://schemas.microsoft.com/office/drawing/2010/main" w="9525">
+                <a:ext uri="{91240B29-F687-4F45-9708-019B960494DF}">
+                  <a14:hiddenLine xmlns:a14="http://schemas.microsoft.com/office/drawing/2010/main" w="9525">
                     <a:solidFill>
                       <a:srgbClr val="000000"/>
                     </a:solidFill>
@@ -13290,8 +13309,8 @@
                 <a:noFill/>
               </a:ln>
               <a:extLst>
-                <a:ext uri="{91240B29-F687-4f45-9708-019B960494DF}">
-                  <a14:hiddenLine xmlns="" xmlns:a14="http://schemas.microsoft.com/office/drawing/2010/main" w="9525">
+                <a:ext uri="{91240B29-F687-4F45-9708-019B960494DF}">
+                  <a14:hiddenLine xmlns:a14="http://schemas.microsoft.com/office/drawing/2010/main" w="9525">
                     <a:solidFill>
                       <a:srgbClr val="000000"/>
                     </a:solidFill>
@@ -13400,8 +13419,8 @@
                 <a:noFill/>
               </a:ln>
               <a:extLst>
-                <a:ext uri="{91240B29-F687-4f45-9708-019B960494DF}">
-                  <a14:hiddenLine xmlns="" xmlns:a14="http://schemas.microsoft.com/office/drawing/2010/main" w="9525">
+                <a:ext uri="{91240B29-F687-4F45-9708-019B960494DF}">
+                  <a14:hiddenLine xmlns:a14="http://schemas.microsoft.com/office/drawing/2010/main" w="9525">
                     <a:solidFill>
                       <a:srgbClr val="000000"/>
                     </a:solidFill>
@@ -13484,8 +13503,8 @@
                 <a:noFill/>
               </a:ln>
               <a:extLst>
-                <a:ext uri="{91240B29-F687-4f45-9708-019B960494DF}">
-                  <a14:hiddenLine xmlns="" xmlns:a14="http://schemas.microsoft.com/office/drawing/2010/main" w="9525">
+                <a:ext uri="{91240B29-F687-4F45-9708-019B960494DF}">
+                  <a14:hiddenLine xmlns:a14="http://schemas.microsoft.com/office/drawing/2010/main" w="9525">
                     <a:solidFill>
                       <a:srgbClr val="000000"/>
                     </a:solidFill>
@@ -13546,8 +13565,8 @@
                 <a:noFill/>
               </a:ln>
               <a:extLst>
-                <a:ext uri="{91240B29-F687-4f45-9708-019B960494DF}">
-                  <a14:hiddenLine xmlns="" xmlns:a14="http://schemas.microsoft.com/office/drawing/2010/main" w="9525">
+                <a:ext uri="{91240B29-F687-4F45-9708-019B960494DF}">
+                  <a14:hiddenLine xmlns:a14="http://schemas.microsoft.com/office/drawing/2010/main" w="9525">
                     <a:solidFill>
                       <a:srgbClr val="000000"/>
                     </a:solidFill>
@@ -13608,8 +13627,8 @@
                 <a:noFill/>
               </a:ln>
               <a:extLst>
-                <a:ext uri="{91240B29-F687-4f45-9708-019B960494DF}">
-                  <a14:hiddenLine xmlns="" xmlns:a14="http://schemas.microsoft.com/office/drawing/2010/main" w="9525">
+                <a:ext uri="{91240B29-F687-4F45-9708-019B960494DF}">
+                  <a14:hiddenLine xmlns:a14="http://schemas.microsoft.com/office/drawing/2010/main" w="9525">
                     <a:solidFill>
                       <a:srgbClr val="000000"/>
                     </a:solidFill>
@@ -13698,8 +13717,8 @@
                 <a:noFill/>
               </a:ln>
               <a:extLst>
-                <a:ext uri="{91240B29-F687-4f45-9708-019B960494DF}">
-                  <a14:hiddenLine xmlns="" xmlns:a14="http://schemas.microsoft.com/office/drawing/2010/main" w="9525">
+                <a:ext uri="{91240B29-F687-4F45-9708-019B960494DF}">
+                  <a14:hiddenLine xmlns:a14="http://schemas.microsoft.com/office/drawing/2010/main" w="9525">
                     <a:solidFill>
                       <a:srgbClr val="000000"/>
                     </a:solidFill>
@@ -13732,8 +13751,8 @@
                 <a:noFill/>
               </a:ln>
               <a:extLst>
-                <a:ext uri="{91240B29-F687-4f45-9708-019B960494DF}">
-                  <a14:hiddenLine xmlns="" xmlns:a14="http://schemas.microsoft.com/office/drawing/2010/main" w="9525">
+                <a:ext uri="{91240B29-F687-4F45-9708-019B960494DF}">
+                  <a14:hiddenLine xmlns:a14="http://schemas.microsoft.com/office/drawing/2010/main" w="9525">
                     <a:solidFill>
                       <a:srgbClr val="000000"/>
                     </a:solidFill>
@@ -13797,8 +13816,8 @@
                 <a:noFill/>
               </a:ln>
               <a:extLst>
-                <a:ext uri="{91240B29-F687-4f45-9708-019B960494DF}">
-                  <a14:hiddenLine xmlns="" xmlns:a14="http://schemas.microsoft.com/office/drawing/2010/main" w="9525">
+                <a:ext uri="{91240B29-F687-4F45-9708-019B960494DF}">
+                  <a14:hiddenLine xmlns:a14="http://schemas.microsoft.com/office/drawing/2010/main" w="9525">
                     <a:solidFill>
                       <a:srgbClr val="000000"/>
                     </a:solidFill>
@@ -13887,8 +13906,8 @@
                 <a:noFill/>
               </a:ln>
               <a:extLst>
-                <a:ext uri="{91240B29-F687-4f45-9708-019B960494DF}">
-                  <a14:hiddenLine xmlns="" xmlns:a14="http://schemas.microsoft.com/office/drawing/2010/main" w="9525">
+                <a:ext uri="{91240B29-F687-4F45-9708-019B960494DF}">
+                  <a14:hiddenLine xmlns:a14="http://schemas.microsoft.com/office/drawing/2010/main" w="9525">
                     <a:solidFill>
                       <a:srgbClr val="000000"/>
                     </a:solidFill>
@@ -13949,8 +13968,8 @@
                 <a:noFill/>
               </a:ln>
               <a:extLst>
-                <a:ext uri="{91240B29-F687-4f45-9708-019B960494DF}">
-                  <a14:hiddenLine xmlns="" xmlns:a14="http://schemas.microsoft.com/office/drawing/2010/main" w="9525">
+                <a:ext uri="{91240B29-F687-4F45-9708-019B960494DF}">
+                  <a14:hiddenLine xmlns:a14="http://schemas.microsoft.com/office/drawing/2010/main" w="9525">
                     <a:solidFill>
                       <a:srgbClr val="000000"/>
                     </a:solidFill>
@@ -14039,8 +14058,8 @@
                 <a:noFill/>
               </a:ln>
               <a:extLst>
-                <a:ext uri="{91240B29-F687-4f45-9708-019B960494DF}">
-                  <a14:hiddenLine xmlns="" xmlns:a14="http://schemas.microsoft.com/office/drawing/2010/main" w="9525">
+                <a:ext uri="{91240B29-F687-4F45-9708-019B960494DF}">
+                  <a14:hiddenLine xmlns:a14="http://schemas.microsoft.com/office/drawing/2010/main" w="9525">
                     <a:solidFill>
                       <a:srgbClr val="000000"/>
                     </a:solidFill>
@@ -14104,8 +14123,8 @@
                 <a:noFill/>
               </a:ln>
               <a:extLst>
-                <a:ext uri="{91240B29-F687-4f45-9708-019B960494DF}">
-                  <a14:hiddenLine xmlns="" xmlns:a14="http://schemas.microsoft.com/office/drawing/2010/main" w="9525">
+                <a:ext uri="{91240B29-F687-4F45-9708-019B960494DF}">
+                  <a14:hiddenLine xmlns:a14="http://schemas.microsoft.com/office/drawing/2010/main" w="9525">
                     <a:solidFill>
                       <a:srgbClr val="000000"/>
                     </a:solidFill>
@@ -14166,8 +14185,8 @@
                 <a:noFill/>
               </a:ln>
               <a:extLst>
-                <a:ext uri="{91240B29-F687-4f45-9708-019B960494DF}">
-                  <a14:hiddenLine xmlns="" xmlns:a14="http://schemas.microsoft.com/office/drawing/2010/main" w="9525">
+                <a:ext uri="{91240B29-F687-4F45-9708-019B960494DF}">
+                  <a14:hiddenLine xmlns:a14="http://schemas.microsoft.com/office/drawing/2010/main" w="9525">
                     <a:solidFill>
                       <a:srgbClr val="000000"/>
                     </a:solidFill>
@@ -14256,8 +14275,8 @@
                 <a:noFill/>
               </a:ln>
               <a:extLst>
-                <a:ext uri="{91240B29-F687-4f45-9708-019B960494DF}">
-                  <a14:hiddenLine xmlns="" xmlns:a14="http://schemas.microsoft.com/office/drawing/2010/main" w="9525">
+                <a:ext uri="{91240B29-F687-4F45-9708-019B960494DF}">
+                  <a14:hiddenLine xmlns:a14="http://schemas.microsoft.com/office/drawing/2010/main" w="9525">
                     <a:solidFill>
                       <a:srgbClr val="000000"/>
                     </a:solidFill>
@@ -14346,8 +14365,8 @@
                 <a:noFill/>
               </a:ln>
               <a:extLst>
-                <a:ext uri="{91240B29-F687-4f45-9708-019B960494DF}">
-                  <a14:hiddenLine xmlns="" xmlns:a14="http://schemas.microsoft.com/office/drawing/2010/main" w="9525">
+                <a:ext uri="{91240B29-F687-4F45-9708-019B960494DF}">
+                  <a14:hiddenLine xmlns:a14="http://schemas.microsoft.com/office/drawing/2010/main" w="9525">
                     <a:solidFill>
                       <a:srgbClr val="000000"/>
                     </a:solidFill>
@@ -14411,8 +14430,8 @@
                 <a:noFill/>
               </a:ln>
               <a:extLst>
-                <a:ext uri="{91240B29-F687-4f45-9708-019B960494DF}">
-                  <a14:hiddenLine xmlns="" xmlns:a14="http://schemas.microsoft.com/office/drawing/2010/main" w="9525">
+                <a:ext uri="{91240B29-F687-4F45-9708-019B960494DF}">
+                  <a14:hiddenLine xmlns:a14="http://schemas.microsoft.com/office/drawing/2010/main" w="9525">
                     <a:solidFill>
                       <a:srgbClr val="000000"/>
                     </a:solidFill>
@@ -14531,8 +14550,8 @@
                 <a:noFill/>
               </a:ln>
               <a:extLst>
-                <a:ext uri="{91240B29-F687-4f45-9708-019B960494DF}">
-                  <a14:hiddenLine xmlns="" xmlns:a14="http://schemas.microsoft.com/office/drawing/2010/main" w="9525">
+                <a:ext uri="{91240B29-F687-4F45-9708-019B960494DF}">
+                  <a14:hiddenLine xmlns:a14="http://schemas.microsoft.com/office/drawing/2010/main" w="9525">
                     <a:solidFill>
                       <a:srgbClr val="000000"/>
                     </a:solidFill>
@@ -14629,8 +14648,8 @@
                 <a:noFill/>
               </a:ln>
               <a:extLst>
-                <a:ext uri="{91240B29-F687-4f45-9708-019B960494DF}">
-                  <a14:hiddenLine xmlns="" xmlns:a14="http://schemas.microsoft.com/office/drawing/2010/main" w="9525">
+                <a:ext uri="{91240B29-F687-4F45-9708-019B960494DF}">
+                  <a14:hiddenLine xmlns:a14="http://schemas.microsoft.com/office/drawing/2010/main" w="9525">
                     <a:solidFill>
                       <a:srgbClr val="000000"/>
                     </a:solidFill>
@@ -14744,8 +14763,8 @@
                 <a:noFill/>
               </a:ln>
               <a:extLst>
-                <a:ext uri="{91240B29-F687-4f45-9708-019B960494DF}">
-                  <a14:hiddenLine xmlns="" xmlns:a14="http://schemas.microsoft.com/office/drawing/2010/main" w="9525">
+                <a:ext uri="{91240B29-F687-4F45-9708-019B960494DF}">
+                  <a14:hiddenLine xmlns:a14="http://schemas.microsoft.com/office/drawing/2010/main" w="9525">
                     <a:solidFill>
                       <a:srgbClr val="000000"/>
                     </a:solidFill>
@@ -14834,8 +14853,8 @@
                 <a:noFill/>
               </a:ln>
               <a:extLst>
-                <a:ext uri="{91240B29-F687-4f45-9708-019B960494DF}">
-                  <a14:hiddenLine xmlns="" xmlns:a14="http://schemas.microsoft.com/office/drawing/2010/main" w="9525">
+                <a:ext uri="{91240B29-F687-4F45-9708-019B960494DF}">
+                  <a14:hiddenLine xmlns:a14="http://schemas.microsoft.com/office/drawing/2010/main" w="9525">
                     <a:solidFill>
                       <a:srgbClr val="000000"/>
                     </a:solidFill>
@@ -14899,8 +14918,8 @@
                 <a:noFill/>
               </a:ln>
               <a:extLst>
-                <a:ext uri="{91240B29-F687-4f45-9708-019B960494DF}">
-                  <a14:hiddenLine xmlns="" xmlns:a14="http://schemas.microsoft.com/office/drawing/2010/main" w="9525">
+                <a:ext uri="{91240B29-F687-4F45-9708-019B960494DF}">
+                  <a14:hiddenLine xmlns:a14="http://schemas.microsoft.com/office/drawing/2010/main" w="9525">
                     <a:solidFill>
                       <a:srgbClr val="000000"/>
                     </a:solidFill>
@@ -14989,8 +15008,8 @@
                 <a:noFill/>
               </a:ln>
               <a:extLst>
-                <a:ext uri="{91240B29-F687-4f45-9708-019B960494DF}">
-                  <a14:hiddenLine xmlns="" xmlns:a14="http://schemas.microsoft.com/office/drawing/2010/main" w="9525">
+                <a:ext uri="{91240B29-F687-4F45-9708-019B960494DF}">
+                  <a14:hiddenLine xmlns:a14="http://schemas.microsoft.com/office/drawing/2010/main" w="9525">
                     <a:solidFill>
                       <a:srgbClr val="000000"/>
                     </a:solidFill>
@@ -15057,8 +15076,8 @@
                 <a:noFill/>
               </a:ln>
               <a:extLst>
-                <a:ext uri="{91240B29-F687-4f45-9708-019B960494DF}">
-                  <a14:hiddenLine xmlns="" xmlns:a14="http://schemas.microsoft.com/office/drawing/2010/main" w="9525">
+                <a:ext uri="{91240B29-F687-4F45-9708-019B960494DF}">
+                  <a14:hiddenLine xmlns:a14="http://schemas.microsoft.com/office/drawing/2010/main" w="9525">
                     <a:solidFill>
                       <a:srgbClr val="000000"/>
                     </a:solidFill>
@@ -15147,8 +15166,8 @@
                 <a:noFill/>
               </a:ln>
               <a:extLst>
-                <a:ext uri="{91240B29-F687-4f45-9708-019B960494DF}">
-                  <a14:hiddenLine xmlns="" xmlns:a14="http://schemas.microsoft.com/office/drawing/2010/main" w="9525">
+                <a:ext uri="{91240B29-F687-4F45-9708-019B960494DF}">
+                  <a14:hiddenLine xmlns:a14="http://schemas.microsoft.com/office/drawing/2010/main" w="9525">
                     <a:solidFill>
                       <a:srgbClr val="000000"/>
                     </a:solidFill>
@@ -15215,8 +15234,8 @@
                 <a:noFill/>
               </a:ln>
               <a:extLst>
-                <a:ext uri="{91240B29-F687-4f45-9708-019B960494DF}">
-                  <a14:hiddenLine xmlns="" xmlns:a14="http://schemas.microsoft.com/office/drawing/2010/main" w="9525">
+                <a:ext uri="{91240B29-F687-4F45-9708-019B960494DF}">
+                  <a14:hiddenLine xmlns:a14="http://schemas.microsoft.com/office/drawing/2010/main" w="9525">
                     <a:solidFill>
                       <a:srgbClr val="000000"/>
                     </a:solidFill>
@@ -15305,8 +15324,8 @@
                 <a:noFill/>
               </a:ln>
               <a:extLst>
-                <a:ext uri="{91240B29-F687-4f45-9708-019B960494DF}">
-                  <a14:hiddenLine xmlns="" xmlns:a14="http://schemas.microsoft.com/office/drawing/2010/main" w="9525">
+                <a:ext uri="{91240B29-F687-4F45-9708-019B960494DF}">
+                  <a14:hiddenLine xmlns:a14="http://schemas.microsoft.com/office/drawing/2010/main" w="9525">
                     <a:solidFill>
                       <a:srgbClr val="000000"/>
                     </a:solidFill>
@@ -15339,8 +15358,8 @@
                 <a:noFill/>
               </a:ln>
               <a:extLst>
-                <a:ext uri="{91240B29-F687-4f45-9708-019B960494DF}">
-                  <a14:hiddenLine xmlns="" xmlns:a14="http://schemas.microsoft.com/office/drawing/2010/main" w="9525">
+                <a:ext uri="{91240B29-F687-4F45-9708-019B960494DF}">
+                  <a14:hiddenLine xmlns:a14="http://schemas.microsoft.com/office/drawing/2010/main" w="9525">
                     <a:solidFill>
                       <a:srgbClr val="000000"/>
                     </a:solidFill>
@@ -15482,7 +15501,7 @@
           <a:p>
             <a:fld id="{CDDB632F-057E-4E6C-9691-0FCDB525310C}" type="datetime1">
               <a:rPr lang="ru-RU" noProof="0" smtClean="0"/>
-              <a:t>22.01.2025</a:t>
+              <a:t>27.01.2025</a:t>
             </a:fld>
             <a:endParaRPr lang="ru-RU" noProof="0" dirty="0">
               <a:latin typeface="Calibri" panose="020F0502020204030204" pitchFamily="34" charset="0"/>
@@ -15943,10 +15962,10 @@
           <p:cNvPr id="10" name="Picture 2">
             <a:extLst>
               <a:ext uri="{FF2B5EF4-FFF2-40B4-BE49-F238E27FC236}">
-                <a16:creationId xmlns:a16="http://schemas.microsoft.com/office/drawing/2014/main" id="{174E31E4-530B-4247-962C-F46F5F66DFFB}"/>
+                <a16:creationId xmlns:a16="http://schemas.microsoft.com/office/drawing/2014/main" xmlns="" id="{174E31E4-530B-4247-962C-F46F5F66DFFB}"/>
               </a:ext>
               <a:ext uri="{C183D7F6-B498-43B3-948B-1728B52AA6E4}">
-                <adec:decorative xmlns:adec="http://schemas.microsoft.com/office/drawing/2017/decorative" val="1"/>
+                <adec:decorative xmlns:adec="http://schemas.microsoft.com/office/drawing/2017/decorative" xmlns="" val="1"/>
               </a:ext>
             </a:extLst>
           </p:cNvPr>
@@ -15956,7 +15975,7 @@
           <p:nvPr userDrawn="1">
             <p:extLst>
               <p:ext uri="{386F3935-93C4-4BCD-93E2-E3B085C9AB24}">
-                <p16:designElem xmlns:p16="http://schemas.microsoft.com/office/powerpoint/2015/main" val="1"/>
+                <p16:designElem xmlns:p16="http://schemas.microsoft.com/office/powerpoint/2015/main" xmlns="" val="1"/>
               </p:ext>
             </p:extLst>
           </p:nvPr>
@@ -15985,8 +16004,8 @@
           </a:prstGeom>
           <a:noFill/>
           <a:extLst>
-            <a:ext uri="{909E8E84-426E-40dd-AFC4-6F175D3DCCD1}">
-              <a14:hiddenFill xmlns="" xmlns:a16="http://schemas.microsoft.com/office/drawing/2014/main" xmlns:a14="http://schemas.microsoft.com/office/drawing/2010/main">
+            <a:ext uri="{909E8E84-426E-40DD-AFC4-6F175D3DCCD1}">
+              <a14:hiddenFill xmlns:a14="http://schemas.microsoft.com/office/drawing/2010/main">
                 <a:solidFill>
                   <a:srgbClr val="FFFFFF"/>
                 </a:solidFill>
@@ -16000,10 +16019,10 @@
           <p:cNvPr id="12" name="Group 11">
             <a:extLst>
               <a:ext uri="{FF2B5EF4-FFF2-40B4-BE49-F238E27FC236}">
-                <a16:creationId xmlns:a16="http://schemas.microsoft.com/office/drawing/2014/main" id="{96FA2727-C33B-44D1-885B-76DC0424E577}"/>
+                <a16:creationId xmlns:a16="http://schemas.microsoft.com/office/drawing/2014/main" xmlns="" id="{96FA2727-C33B-44D1-885B-76DC0424E577}"/>
               </a:ext>
               <a:ext uri="{C183D7F6-B498-43B3-948B-1728B52AA6E4}">
-                <adec:decorative xmlns:adec="http://schemas.microsoft.com/office/drawing/2017/decorative" val="1"/>
+                <adec:decorative xmlns:adec="http://schemas.microsoft.com/office/drawing/2017/decorative" xmlns="" val="1"/>
               </a:ext>
             </a:extLst>
           </p:cNvPr>
@@ -16013,7 +16032,7 @@
           <p:nvPr userDrawn="1">
             <p:extLst>
               <p:ext uri="{386F3935-93C4-4BCD-93E2-E3B085C9AB24}">
-                <p16:designElem xmlns:p16="http://schemas.microsoft.com/office/powerpoint/2015/main" val="1"/>
+                <p16:designElem xmlns:p16="http://schemas.microsoft.com/office/powerpoint/2015/main" xmlns="" val="1"/>
               </p:ext>
             </p:extLst>
           </p:nvPr>
@@ -16031,10 +16050,10 @@
             <p:cNvPr id="13" name="Group 12">
               <a:extLst>
                 <a:ext uri="{FF2B5EF4-FFF2-40B4-BE49-F238E27FC236}">
-                  <a16:creationId xmlns:a16="http://schemas.microsoft.com/office/drawing/2014/main" id="{4A64FD4C-29BA-46E7-AE31-AB38BB694295}"/>
+                  <a16:creationId xmlns:a16="http://schemas.microsoft.com/office/drawing/2014/main" xmlns="" id="{4A64FD4C-29BA-46E7-AE31-AB38BB694295}"/>
                 </a:ext>
                 <a:ext uri="{C183D7F6-B498-43B3-948B-1728B52AA6E4}">
-                  <adec:decorative xmlns:adec="http://schemas.microsoft.com/office/drawing/2017/decorative" val="1"/>
+                  <adec:decorative xmlns:adec="http://schemas.microsoft.com/office/drawing/2017/decorative" xmlns="" val="1"/>
                 </a:ext>
               </a:extLst>
             </p:cNvPr>
@@ -16042,7 +16061,7 @@
             <p:nvPr>
               <p:extLst>
                 <p:ext uri="{386F3935-93C4-4BCD-93E2-E3B085C9AB24}">
-                  <p16:designElem xmlns:p16="http://schemas.microsoft.com/office/powerpoint/2015/main" val="1"/>
+                  <p16:designElem xmlns:p16="http://schemas.microsoft.com/office/powerpoint/2015/main" xmlns="" val="1"/>
                 </p:ext>
               </p:extLst>
             </p:nvPr>
@@ -16075,10 +16094,10 @@
               <p:cNvPr id="25" name="Rectangle 5">
                 <a:extLst>
                   <a:ext uri="{FF2B5EF4-FFF2-40B4-BE49-F238E27FC236}">
-                    <a16:creationId xmlns:a16="http://schemas.microsoft.com/office/drawing/2014/main" id="{A28E5FB6-5905-4F5D-A6CE-E6222C405E5B}"/>
+                    <a16:creationId xmlns:a16="http://schemas.microsoft.com/office/drawing/2014/main" xmlns="" id="{A28E5FB6-5905-4F5D-A6CE-E6222C405E5B}"/>
                   </a:ext>
                   <a:ext uri="{C183D7F6-B498-43B3-948B-1728B52AA6E4}">
-                    <adec:decorative xmlns:adec="http://schemas.microsoft.com/office/drawing/2017/decorative" val="1"/>
+                    <adec:decorative xmlns:adec="http://schemas.microsoft.com/office/drawing/2017/decorative" xmlns="" val="1"/>
                   </a:ext>
                 </a:extLst>
               </p:cNvPr>
@@ -16088,7 +16107,7 @@
               <p:nvPr>
                 <p:extLst>
                   <p:ext uri="{386F3935-93C4-4BCD-93E2-E3B085C9AB24}">
-                    <p16:designElem xmlns:p16="http://schemas.microsoft.com/office/powerpoint/2015/main" val="1"/>
+                    <p16:designElem xmlns:p16="http://schemas.microsoft.com/office/powerpoint/2015/main" xmlns="" val="1"/>
                   </p:ext>
                 </p:extLst>
               </p:nvPr>
@@ -16106,8 +16125,8 @@
                 <a:noFill/>
               </a:ln>
               <a:extLst>
-                <a:ext uri="{91240B29-F687-4f45-9708-019B960494DF}">
-                  <a14:hiddenLine xmlns="" xmlns:a16="http://schemas.microsoft.com/office/drawing/2014/main" xmlns:a14="http://schemas.microsoft.com/office/drawing/2010/main" w="9525">
+                <a:ext uri="{91240B29-F687-4F45-9708-019B960494DF}">
+                  <a14:hiddenLine xmlns:a14="http://schemas.microsoft.com/office/drawing/2010/main" w="9525">
                     <a:solidFill>
                       <a:srgbClr val="000000"/>
                     </a:solidFill>
@@ -16124,10 +16143,10 @@
               <p:cNvPr id="26" name="Freeform 6">
                 <a:extLst>
                   <a:ext uri="{FF2B5EF4-FFF2-40B4-BE49-F238E27FC236}">
-                    <a16:creationId xmlns:a16="http://schemas.microsoft.com/office/drawing/2014/main" id="{F838FE17-378C-4BCE-80C0-FDD1CB074E22}"/>
+                    <a16:creationId xmlns:a16="http://schemas.microsoft.com/office/drawing/2014/main" xmlns="" id="{F838FE17-378C-4BCE-80C0-FDD1CB074E22}"/>
                   </a:ext>
                   <a:ext uri="{C183D7F6-B498-43B3-948B-1728B52AA6E4}">
-                    <adec:decorative xmlns:adec="http://schemas.microsoft.com/office/drawing/2017/decorative" val="1"/>
+                    <adec:decorative xmlns:adec="http://schemas.microsoft.com/office/drawing/2017/decorative" xmlns="" val="1"/>
                   </a:ext>
                 </a:extLst>
               </p:cNvPr>
@@ -16137,7 +16156,7 @@
               <p:nvPr>
                 <p:extLst>
                   <p:ext uri="{386F3935-93C4-4BCD-93E2-E3B085C9AB24}">
-                    <p16:designElem xmlns:p16="http://schemas.microsoft.com/office/powerpoint/2015/main" val="1"/>
+                    <p16:designElem xmlns:p16="http://schemas.microsoft.com/office/powerpoint/2015/main" xmlns="" val="1"/>
                   </p:ext>
                 </p:extLst>
               </p:nvPr>
@@ -16211,8 +16230,8 @@
                 <a:noFill/>
               </a:ln>
               <a:extLst>
-                <a:ext uri="{91240B29-F687-4f45-9708-019B960494DF}">
-                  <a14:hiddenLine xmlns="" xmlns:a16="http://schemas.microsoft.com/office/drawing/2014/main" xmlns:a14="http://schemas.microsoft.com/office/drawing/2010/main" w="9525">
+                <a:ext uri="{91240B29-F687-4F45-9708-019B960494DF}">
+                  <a14:hiddenLine xmlns:a14="http://schemas.microsoft.com/office/drawing/2010/main" w="9525">
                     <a:solidFill>
                       <a:srgbClr val="000000"/>
                     </a:solidFill>
@@ -16229,10 +16248,10 @@
               <p:cNvPr id="27" name="Freeform 7">
                 <a:extLst>
                   <a:ext uri="{FF2B5EF4-FFF2-40B4-BE49-F238E27FC236}">
-                    <a16:creationId xmlns:a16="http://schemas.microsoft.com/office/drawing/2014/main" id="{12A1474E-6A37-4F4D-A638-DD0EC0A5B5B7}"/>
+                    <a16:creationId xmlns:a16="http://schemas.microsoft.com/office/drawing/2014/main" xmlns="" id="{12A1474E-6A37-4F4D-A638-DD0EC0A5B5B7}"/>
                   </a:ext>
                   <a:ext uri="{C183D7F6-B498-43B3-948B-1728B52AA6E4}">
-                    <adec:decorative xmlns:adec="http://schemas.microsoft.com/office/drawing/2017/decorative" val="1"/>
+                    <adec:decorative xmlns:adec="http://schemas.microsoft.com/office/drawing/2017/decorative" xmlns="" val="1"/>
                   </a:ext>
                 </a:extLst>
               </p:cNvPr>
@@ -16242,7 +16261,7 @@
               <p:nvPr>
                 <p:extLst>
                   <p:ext uri="{386F3935-93C4-4BCD-93E2-E3B085C9AB24}">
-                    <p16:designElem xmlns:p16="http://schemas.microsoft.com/office/powerpoint/2015/main" val="1"/>
+                    <p16:designElem xmlns:p16="http://schemas.microsoft.com/office/powerpoint/2015/main" xmlns="" val="1"/>
                   </p:ext>
                 </p:extLst>
               </p:nvPr>
@@ -16316,8 +16335,8 @@
                 <a:noFill/>
               </a:ln>
               <a:extLst>
-                <a:ext uri="{91240B29-F687-4f45-9708-019B960494DF}">
-                  <a14:hiddenLine xmlns="" xmlns:a16="http://schemas.microsoft.com/office/drawing/2014/main" xmlns:a14="http://schemas.microsoft.com/office/drawing/2010/main" w="9525">
+                <a:ext uri="{91240B29-F687-4F45-9708-019B960494DF}">
+                  <a14:hiddenLine xmlns:a14="http://schemas.microsoft.com/office/drawing/2010/main" w="9525">
                     <a:solidFill>
                       <a:srgbClr val="000000"/>
                     </a:solidFill>
@@ -16334,10 +16353,10 @@
               <p:cNvPr id="28" name="Freeform 8">
                 <a:extLst>
                   <a:ext uri="{FF2B5EF4-FFF2-40B4-BE49-F238E27FC236}">
-                    <a16:creationId xmlns:a16="http://schemas.microsoft.com/office/drawing/2014/main" id="{49EA8CC2-4D0F-4C86-9CA9-FC3792FED1C1}"/>
+                    <a16:creationId xmlns:a16="http://schemas.microsoft.com/office/drawing/2014/main" xmlns="" id="{49EA8CC2-4D0F-4C86-9CA9-FC3792FED1C1}"/>
                   </a:ext>
                   <a:ext uri="{C183D7F6-B498-43B3-948B-1728B52AA6E4}">
-                    <adec:decorative xmlns:adec="http://schemas.microsoft.com/office/drawing/2017/decorative" val="1"/>
+                    <adec:decorative xmlns:adec="http://schemas.microsoft.com/office/drawing/2017/decorative" xmlns="" val="1"/>
                   </a:ext>
                 </a:extLst>
               </p:cNvPr>
@@ -16345,7 +16364,7 @@
               <p:nvPr>
                 <p:extLst>
                   <p:ext uri="{386F3935-93C4-4BCD-93E2-E3B085C9AB24}">
-                    <p16:designElem xmlns:p16="http://schemas.microsoft.com/office/powerpoint/2015/main" val="1"/>
+                    <p16:designElem xmlns:p16="http://schemas.microsoft.com/office/powerpoint/2015/main" xmlns="" val="1"/>
                   </p:ext>
                 </p:extLst>
               </p:nvPr>
@@ -16393,8 +16412,8 @@
                 <a:noFill/>
               </a:ln>
               <a:extLst>
-                <a:ext uri="{91240B29-F687-4f45-9708-019B960494DF}">
-                  <a14:hiddenLine xmlns="" xmlns:a16="http://schemas.microsoft.com/office/drawing/2014/main" xmlns:a14="http://schemas.microsoft.com/office/drawing/2010/main" w="9525">
+                <a:ext uri="{91240B29-F687-4F45-9708-019B960494DF}">
+                  <a14:hiddenLine xmlns:a14="http://schemas.microsoft.com/office/drawing/2010/main" w="9525">
                     <a:solidFill>
                       <a:srgbClr val="000000"/>
                     </a:solidFill>
@@ -16411,10 +16430,10 @@
               <p:cNvPr id="29" name="Freeform 9">
                 <a:extLst>
                   <a:ext uri="{FF2B5EF4-FFF2-40B4-BE49-F238E27FC236}">
-                    <a16:creationId xmlns:a16="http://schemas.microsoft.com/office/drawing/2014/main" id="{69548BD5-92E6-42BD-9719-16AA005C5678}"/>
+                    <a16:creationId xmlns:a16="http://schemas.microsoft.com/office/drawing/2014/main" xmlns="" id="{69548BD5-92E6-42BD-9719-16AA005C5678}"/>
                   </a:ext>
                   <a:ext uri="{C183D7F6-B498-43B3-948B-1728B52AA6E4}">
-                    <adec:decorative xmlns:adec="http://schemas.microsoft.com/office/drawing/2017/decorative" val="1"/>
+                    <adec:decorative xmlns:adec="http://schemas.microsoft.com/office/drawing/2017/decorative" xmlns="" val="1"/>
                   </a:ext>
                 </a:extLst>
               </p:cNvPr>
@@ -16424,7 +16443,7 @@
               <p:nvPr>
                 <p:extLst>
                   <p:ext uri="{386F3935-93C4-4BCD-93E2-E3B085C9AB24}">
-                    <p16:designElem xmlns:p16="http://schemas.microsoft.com/office/powerpoint/2015/main" val="1"/>
+                    <p16:designElem xmlns:p16="http://schemas.microsoft.com/office/powerpoint/2015/main" xmlns="" val="1"/>
                   </p:ext>
                 </p:extLst>
               </p:nvPr>
@@ -16498,8 +16517,8 @@
                 <a:noFill/>
               </a:ln>
               <a:extLst>
-                <a:ext uri="{91240B29-F687-4f45-9708-019B960494DF}">
-                  <a14:hiddenLine xmlns="" xmlns:a16="http://schemas.microsoft.com/office/drawing/2014/main" xmlns:a14="http://schemas.microsoft.com/office/drawing/2010/main" w="9525">
+                <a:ext uri="{91240B29-F687-4F45-9708-019B960494DF}">
+                  <a14:hiddenLine xmlns:a14="http://schemas.microsoft.com/office/drawing/2010/main" w="9525">
                     <a:solidFill>
                       <a:srgbClr val="000000"/>
                     </a:solidFill>
@@ -16516,10 +16535,10 @@
               <p:cNvPr id="30" name="Freeform 10">
                 <a:extLst>
                   <a:ext uri="{FF2B5EF4-FFF2-40B4-BE49-F238E27FC236}">
-                    <a16:creationId xmlns:a16="http://schemas.microsoft.com/office/drawing/2014/main" id="{93005965-F240-4349-A563-515973BF0133}"/>
+                    <a16:creationId xmlns:a16="http://schemas.microsoft.com/office/drawing/2014/main" xmlns="" id="{93005965-F240-4349-A563-515973BF0133}"/>
                   </a:ext>
                   <a:ext uri="{C183D7F6-B498-43B3-948B-1728B52AA6E4}">
-                    <adec:decorative xmlns:adec="http://schemas.microsoft.com/office/drawing/2017/decorative" val="1"/>
+                    <adec:decorative xmlns:adec="http://schemas.microsoft.com/office/drawing/2017/decorative" xmlns="" val="1"/>
                   </a:ext>
                 </a:extLst>
               </p:cNvPr>
@@ -16527,7 +16546,7 @@
               <p:nvPr>
                 <p:extLst>
                   <p:ext uri="{386F3935-93C4-4BCD-93E2-E3B085C9AB24}">
-                    <p16:designElem xmlns:p16="http://schemas.microsoft.com/office/powerpoint/2015/main" val="1"/>
+                    <p16:designElem xmlns:p16="http://schemas.microsoft.com/office/powerpoint/2015/main" xmlns="" val="1"/>
                   </p:ext>
                 </p:extLst>
               </p:nvPr>
@@ -16575,8 +16594,8 @@
                 <a:noFill/>
               </a:ln>
               <a:extLst>
-                <a:ext uri="{91240B29-F687-4f45-9708-019B960494DF}">
-                  <a14:hiddenLine xmlns="" xmlns:a16="http://schemas.microsoft.com/office/drawing/2014/main" xmlns:a14="http://schemas.microsoft.com/office/drawing/2010/main" w="9525">
+                <a:ext uri="{91240B29-F687-4F45-9708-019B960494DF}">
+                  <a14:hiddenLine xmlns:a14="http://schemas.microsoft.com/office/drawing/2010/main" w="9525">
                     <a:solidFill>
                       <a:srgbClr val="000000"/>
                     </a:solidFill>
@@ -16593,10 +16612,10 @@
               <p:cNvPr id="31" name="Freeform 11">
                 <a:extLst>
                   <a:ext uri="{FF2B5EF4-FFF2-40B4-BE49-F238E27FC236}">
-                    <a16:creationId xmlns:a16="http://schemas.microsoft.com/office/drawing/2014/main" id="{277A546F-05BB-4274-A6A6-9DACC27ABCFA}"/>
+                    <a16:creationId xmlns:a16="http://schemas.microsoft.com/office/drawing/2014/main" xmlns="" id="{277A546F-05BB-4274-A6A6-9DACC27ABCFA}"/>
                   </a:ext>
                   <a:ext uri="{C183D7F6-B498-43B3-948B-1728B52AA6E4}">
-                    <adec:decorative xmlns:adec="http://schemas.microsoft.com/office/drawing/2017/decorative" val="1"/>
+                    <adec:decorative xmlns:adec="http://schemas.microsoft.com/office/drawing/2017/decorative" xmlns="" val="1"/>
                   </a:ext>
                 </a:extLst>
               </p:cNvPr>
@@ -16604,7 +16623,7 @@
               <p:nvPr>
                 <p:extLst>
                   <p:ext uri="{386F3935-93C4-4BCD-93E2-E3B085C9AB24}">
-                    <p16:designElem xmlns:p16="http://schemas.microsoft.com/office/powerpoint/2015/main" val="1"/>
+                    <p16:designElem xmlns:p16="http://schemas.microsoft.com/office/powerpoint/2015/main" xmlns="" val="1"/>
                   </p:ext>
                 </p:extLst>
               </p:nvPr>
@@ -16652,8 +16671,8 @@
                 <a:noFill/>
               </a:ln>
               <a:extLst>
-                <a:ext uri="{91240B29-F687-4f45-9708-019B960494DF}">
-                  <a14:hiddenLine xmlns="" xmlns:a16="http://schemas.microsoft.com/office/drawing/2014/main" xmlns:a14="http://schemas.microsoft.com/office/drawing/2010/main" w="9525">
+                <a:ext uri="{91240B29-F687-4F45-9708-019B960494DF}">
+                  <a14:hiddenLine xmlns:a14="http://schemas.microsoft.com/office/drawing/2010/main" w="9525">
                     <a:solidFill>
                       <a:srgbClr val="000000"/>
                     </a:solidFill>
@@ -16670,10 +16689,10 @@
               <p:cNvPr id="32" name="Freeform 12">
                 <a:extLst>
                   <a:ext uri="{FF2B5EF4-FFF2-40B4-BE49-F238E27FC236}">
-                    <a16:creationId xmlns:a16="http://schemas.microsoft.com/office/drawing/2014/main" id="{7BE7FF91-E18E-41AA-A952-07CB0C02C8B6}"/>
+                    <a16:creationId xmlns:a16="http://schemas.microsoft.com/office/drawing/2014/main" xmlns="" id="{7BE7FF91-E18E-41AA-A952-07CB0C02C8B6}"/>
                   </a:ext>
                   <a:ext uri="{C183D7F6-B498-43B3-948B-1728B52AA6E4}">
-                    <adec:decorative xmlns:adec="http://schemas.microsoft.com/office/drawing/2017/decorative" val="1"/>
+                    <adec:decorative xmlns:adec="http://schemas.microsoft.com/office/drawing/2017/decorative" xmlns="" val="1"/>
                   </a:ext>
                 </a:extLst>
               </p:cNvPr>
@@ -16683,7 +16702,7 @@
               <p:nvPr>
                 <p:extLst>
                   <p:ext uri="{386F3935-93C4-4BCD-93E2-E3B085C9AB24}">
-                    <p16:designElem xmlns:p16="http://schemas.microsoft.com/office/powerpoint/2015/main" val="1"/>
+                    <p16:designElem xmlns:p16="http://schemas.microsoft.com/office/powerpoint/2015/main" xmlns="" val="1"/>
                   </p:ext>
                 </p:extLst>
               </p:nvPr>
@@ -16757,8 +16776,8 @@
                 <a:noFill/>
               </a:ln>
               <a:extLst>
-                <a:ext uri="{91240B29-F687-4f45-9708-019B960494DF}">
-                  <a14:hiddenLine xmlns="" xmlns:a16="http://schemas.microsoft.com/office/drawing/2014/main" xmlns:a14="http://schemas.microsoft.com/office/drawing/2010/main" w="9525">
+                <a:ext uri="{91240B29-F687-4F45-9708-019B960494DF}">
+                  <a14:hiddenLine xmlns:a14="http://schemas.microsoft.com/office/drawing/2010/main" w="9525">
                     <a:solidFill>
                       <a:srgbClr val="000000"/>
                     </a:solidFill>
@@ -16775,10 +16794,10 @@
               <p:cNvPr id="33" name="Freeform 13">
                 <a:extLst>
                   <a:ext uri="{FF2B5EF4-FFF2-40B4-BE49-F238E27FC236}">
-                    <a16:creationId xmlns:a16="http://schemas.microsoft.com/office/drawing/2014/main" id="{3F6A31AA-E4FB-4DD0-9AB1-BDD994CFA50E}"/>
+                    <a16:creationId xmlns:a16="http://schemas.microsoft.com/office/drawing/2014/main" xmlns="" id="{3F6A31AA-E4FB-4DD0-9AB1-BDD994CFA50E}"/>
                   </a:ext>
                   <a:ext uri="{C183D7F6-B498-43B3-948B-1728B52AA6E4}">
-                    <adec:decorative xmlns:adec="http://schemas.microsoft.com/office/drawing/2017/decorative" val="1"/>
+                    <adec:decorative xmlns:adec="http://schemas.microsoft.com/office/drawing/2017/decorative" xmlns="" val="1"/>
                   </a:ext>
                 </a:extLst>
               </p:cNvPr>
@@ -16788,7 +16807,7 @@
               <p:nvPr>
                 <p:extLst>
                   <p:ext uri="{386F3935-93C4-4BCD-93E2-E3B085C9AB24}">
-                    <p16:designElem xmlns:p16="http://schemas.microsoft.com/office/powerpoint/2015/main" val="1"/>
+                    <p16:designElem xmlns:p16="http://schemas.microsoft.com/office/powerpoint/2015/main" xmlns="" val="1"/>
                   </p:ext>
                 </p:extLst>
               </p:nvPr>
@@ -16862,8 +16881,8 @@
                 <a:noFill/>
               </a:ln>
               <a:extLst>
-                <a:ext uri="{91240B29-F687-4f45-9708-019B960494DF}">
-                  <a14:hiddenLine xmlns="" xmlns:a16="http://schemas.microsoft.com/office/drawing/2014/main" xmlns:a14="http://schemas.microsoft.com/office/drawing/2010/main" w="9525">
+                <a:ext uri="{91240B29-F687-4F45-9708-019B960494DF}">
+                  <a14:hiddenLine xmlns:a14="http://schemas.microsoft.com/office/drawing/2010/main" w="9525">
                     <a:solidFill>
                       <a:srgbClr val="000000"/>
                     </a:solidFill>
@@ -16880,10 +16899,10 @@
               <p:cNvPr id="34" name="Freeform 14">
                 <a:extLst>
                   <a:ext uri="{FF2B5EF4-FFF2-40B4-BE49-F238E27FC236}">
-                    <a16:creationId xmlns:a16="http://schemas.microsoft.com/office/drawing/2014/main" id="{F99B8398-08D8-4C1E-8D7F-BAFB4D393765}"/>
+                    <a16:creationId xmlns:a16="http://schemas.microsoft.com/office/drawing/2014/main" xmlns="" id="{F99B8398-08D8-4C1E-8D7F-BAFB4D393765}"/>
                   </a:ext>
                   <a:ext uri="{C183D7F6-B498-43B3-948B-1728B52AA6E4}">
-                    <adec:decorative xmlns:adec="http://schemas.microsoft.com/office/drawing/2017/decorative" val="1"/>
+                    <adec:decorative xmlns:adec="http://schemas.microsoft.com/office/drawing/2017/decorative" xmlns="" val="1"/>
                   </a:ext>
                 </a:extLst>
               </p:cNvPr>
@@ -16891,7 +16910,7 @@
               <p:nvPr>
                 <p:extLst>
                   <p:ext uri="{386F3935-93C4-4BCD-93E2-E3B085C9AB24}">
-                    <p16:designElem xmlns:p16="http://schemas.microsoft.com/office/powerpoint/2015/main" val="1"/>
+                    <p16:designElem xmlns:p16="http://schemas.microsoft.com/office/powerpoint/2015/main" xmlns="" val="1"/>
                   </p:ext>
                 </p:extLst>
               </p:nvPr>
@@ -16939,8 +16958,8 @@
                 <a:noFill/>
               </a:ln>
               <a:extLst>
-                <a:ext uri="{91240B29-F687-4f45-9708-019B960494DF}">
-                  <a14:hiddenLine xmlns="" xmlns:a16="http://schemas.microsoft.com/office/drawing/2014/main" xmlns:a14="http://schemas.microsoft.com/office/drawing/2010/main" w="9525">
+                <a:ext uri="{91240B29-F687-4F45-9708-019B960494DF}">
+                  <a14:hiddenLine xmlns:a14="http://schemas.microsoft.com/office/drawing/2010/main" w="9525">
                     <a:solidFill>
                       <a:srgbClr val="000000"/>
                     </a:solidFill>
@@ -16957,10 +16976,10 @@
               <p:cNvPr id="35" name="Freeform 15">
                 <a:extLst>
                   <a:ext uri="{FF2B5EF4-FFF2-40B4-BE49-F238E27FC236}">
-                    <a16:creationId xmlns:a16="http://schemas.microsoft.com/office/drawing/2014/main" id="{CD3984BB-CCC2-49D9-A80B-9507BE5A9167}"/>
+                    <a16:creationId xmlns:a16="http://schemas.microsoft.com/office/drawing/2014/main" xmlns="" id="{CD3984BB-CCC2-49D9-A80B-9507BE5A9167}"/>
                   </a:ext>
                   <a:ext uri="{C183D7F6-B498-43B3-948B-1728B52AA6E4}">
-                    <adec:decorative xmlns:adec="http://schemas.microsoft.com/office/drawing/2017/decorative" val="1"/>
+                    <adec:decorative xmlns:adec="http://schemas.microsoft.com/office/drawing/2017/decorative" xmlns="" val="1"/>
                   </a:ext>
                 </a:extLst>
               </p:cNvPr>
@@ -16970,7 +16989,7 @@
               <p:nvPr>
                 <p:extLst>
                   <p:ext uri="{386F3935-93C4-4BCD-93E2-E3B085C9AB24}">
-                    <p16:designElem xmlns:p16="http://schemas.microsoft.com/office/powerpoint/2015/main" val="1"/>
+                    <p16:designElem xmlns:p16="http://schemas.microsoft.com/office/powerpoint/2015/main" xmlns="" val="1"/>
                   </p:ext>
                 </p:extLst>
               </p:nvPr>
@@ -17064,8 +17083,8 @@
                 <a:noFill/>
               </a:ln>
               <a:extLst>
-                <a:ext uri="{91240B29-F687-4f45-9708-019B960494DF}">
-                  <a14:hiddenLine xmlns="" xmlns:a16="http://schemas.microsoft.com/office/drawing/2014/main" xmlns:a14="http://schemas.microsoft.com/office/drawing/2010/main" w="9525">
+                <a:ext uri="{91240B29-F687-4F45-9708-019B960494DF}">
+                  <a14:hiddenLine xmlns:a14="http://schemas.microsoft.com/office/drawing/2010/main" w="9525">
                     <a:solidFill>
                       <a:srgbClr val="000000"/>
                     </a:solidFill>
@@ -17082,10 +17101,10 @@
               <p:cNvPr id="36" name="Line 16">
                 <a:extLst>
                   <a:ext uri="{FF2B5EF4-FFF2-40B4-BE49-F238E27FC236}">
-                    <a16:creationId xmlns:a16="http://schemas.microsoft.com/office/drawing/2014/main" id="{78FF7C07-82F5-4A64-9D71-29CBE1B79007}"/>
+                    <a16:creationId xmlns:a16="http://schemas.microsoft.com/office/drawing/2014/main" xmlns="" id="{78FF7C07-82F5-4A64-9D71-29CBE1B79007}"/>
                   </a:ext>
                   <a:ext uri="{C183D7F6-B498-43B3-948B-1728B52AA6E4}">
-                    <adec:decorative xmlns:adec="http://schemas.microsoft.com/office/drawing/2017/decorative" val="1"/>
+                    <adec:decorative xmlns:adec="http://schemas.microsoft.com/office/drawing/2017/decorative" xmlns="" val="1"/>
                   </a:ext>
                 </a:extLst>
               </p:cNvPr>
@@ -17095,7 +17114,7 @@
               <p:nvPr>
                 <p:extLst>
                   <p:ext uri="{386F3935-93C4-4BCD-93E2-E3B085C9AB24}">
-                    <p16:designElem xmlns:p16="http://schemas.microsoft.com/office/powerpoint/2015/main" val="1"/>
+                    <p16:designElem xmlns:p16="http://schemas.microsoft.com/office/powerpoint/2015/main" xmlns="" val="1"/>
                   </p:ext>
                 </p:extLst>
               </p:nvPr>
@@ -17125,10 +17144,10 @@
               <p:cNvPr id="37" name="Freeform 17">
                 <a:extLst>
                   <a:ext uri="{FF2B5EF4-FFF2-40B4-BE49-F238E27FC236}">
-                    <a16:creationId xmlns:a16="http://schemas.microsoft.com/office/drawing/2014/main" id="{7F1773CA-6AE7-4723-B072-CEC5F3829B40}"/>
+                    <a16:creationId xmlns:a16="http://schemas.microsoft.com/office/drawing/2014/main" xmlns="" id="{7F1773CA-6AE7-4723-B072-CEC5F3829B40}"/>
                   </a:ext>
                   <a:ext uri="{C183D7F6-B498-43B3-948B-1728B52AA6E4}">
-                    <adec:decorative xmlns:adec="http://schemas.microsoft.com/office/drawing/2017/decorative" val="1"/>
+                    <adec:decorative xmlns:adec="http://schemas.microsoft.com/office/drawing/2017/decorative" xmlns="" val="1"/>
                   </a:ext>
                 </a:extLst>
               </p:cNvPr>
@@ -17136,7 +17155,7 @@
               <p:nvPr>
                 <p:extLst>
                   <p:ext uri="{386F3935-93C4-4BCD-93E2-E3B085C9AB24}">
-                    <p16:designElem xmlns:p16="http://schemas.microsoft.com/office/powerpoint/2015/main" val="1"/>
+                    <p16:designElem xmlns:p16="http://schemas.microsoft.com/office/powerpoint/2015/main" xmlns="" val="1"/>
                   </p:ext>
                 </p:extLst>
               </p:nvPr>
@@ -17178,8 +17197,8 @@
                 <a:noFill/>
               </a:ln>
               <a:extLst>
-                <a:ext uri="{91240B29-F687-4f45-9708-019B960494DF}">
-                  <a14:hiddenLine xmlns="" xmlns:a16="http://schemas.microsoft.com/office/drawing/2014/main" xmlns:a14="http://schemas.microsoft.com/office/drawing/2010/main" w="9525">
+                <a:ext uri="{91240B29-F687-4F45-9708-019B960494DF}">
+                  <a14:hiddenLine xmlns:a14="http://schemas.microsoft.com/office/drawing/2010/main" w="9525">
                     <a:solidFill>
                       <a:srgbClr val="000000"/>
                     </a:solidFill>
@@ -17196,10 +17215,10 @@
               <p:cNvPr id="38" name="Freeform 18">
                 <a:extLst>
                   <a:ext uri="{FF2B5EF4-FFF2-40B4-BE49-F238E27FC236}">
-                    <a16:creationId xmlns:a16="http://schemas.microsoft.com/office/drawing/2014/main" id="{D5EC23E0-B877-4A62-B084-5407401FB6A1}"/>
+                    <a16:creationId xmlns:a16="http://schemas.microsoft.com/office/drawing/2014/main" xmlns="" id="{D5EC23E0-B877-4A62-B084-5407401FB6A1}"/>
                   </a:ext>
                   <a:ext uri="{C183D7F6-B498-43B3-948B-1728B52AA6E4}">
-                    <adec:decorative xmlns:adec="http://schemas.microsoft.com/office/drawing/2017/decorative" val="1"/>
+                    <adec:decorative xmlns:adec="http://schemas.microsoft.com/office/drawing/2017/decorative" xmlns="" val="1"/>
                   </a:ext>
                 </a:extLst>
               </p:cNvPr>
@@ -17207,7 +17226,7 @@
               <p:nvPr>
                 <p:extLst>
                   <p:ext uri="{386F3935-93C4-4BCD-93E2-E3B085C9AB24}">
-                    <p16:designElem xmlns:p16="http://schemas.microsoft.com/office/powerpoint/2015/main" val="1"/>
+                    <p16:designElem xmlns:p16="http://schemas.microsoft.com/office/powerpoint/2015/main" xmlns="" val="1"/>
                   </p:ext>
                 </p:extLst>
               </p:nvPr>
@@ -17255,8 +17274,8 @@
                 <a:noFill/>
               </a:ln>
               <a:extLst>
-                <a:ext uri="{91240B29-F687-4f45-9708-019B960494DF}">
-                  <a14:hiddenLine xmlns="" xmlns:a16="http://schemas.microsoft.com/office/drawing/2014/main" xmlns:a14="http://schemas.microsoft.com/office/drawing/2010/main" w="9525">
+                <a:ext uri="{91240B29-F687-4F45-9708-019B960494DF}">
+                  <a14:hiddenLine xmlns:a14="http://schemas.microsoft.com/office/drawing/2010/main" w="9525">
                     <a:solidFill>
                       <a:srgbClr val="000000"/>
                     </a:solidFill>
@@ -17273,10 +17292,10 @@
               <p:cNvPr id="39" name="Freeform 19">
                 <a:extLst>
                   <a:ext uri="{FF2B5EF4-FFF2-40B4-BE49-F238E27FC236}">
-                    <a16:creationId xmlns:a16="http://schemas.microsoft.com/office/drawing/2014/main" id="{633C4B0E-E7C6-4A1A-9D3A-80C8E3C59DCD}"/>
+                    <a16:creationId xmlns:a16="http://schemas.microsoft.com/office/drawing/2014/main" xmlns="" id="{633C4B0E-E7C6-4A1A-9D3A-80C8E3C59DCD}"/>
                   </a:ext>
                   <a:ext uri="{C183D7F6-B498-43B3-948B-1728B52AA6E4}">
-                    <adec:decorative xmlns:adec="http://schemas.microsoft.com/office/drawing/2017/decorative" val="1"/>
+                    <adec:decorative xmlns:adec="http://schemas.microsoft.com/office/drawing/2017/decorative" xmlns="" val="1"/>
                   </a:ext>
                 </a:extLst>
               </p:cNvPr>
@@ -17284,7 +17303,7 @@
               <p:nvPr>
                 <p:extLst>
                   <p:ext uri="{386F3935-93C4-4BCD-93E2-E3B085C9AB24}">
-                    <p16:designElem xmlns:p16="http://schemas.microsoft.com/office/powerpoint/2015/main" val="1"/>
+                    <p16:designElem xmlns:p16="http://schemas.microsoft.com/office/powerpoint/2015/main" xmlns="" val="1"/>
                   </p:ext>
                 </p:extLst>
               </p:nvPr>
@@ -17332,8 +17351,8 @@
                 <a:noFill/>
               </a:ln>
               <a:extLst>
-                <a:ext uri="{91240B29-F687-4f45-9708-019B960494DF}">
-                  <a14:hiddenLine xmlns="" xmlns:a16="http://schemas.microsoft.com/office/drawing/2014/main" xmlns:a14="http://schemas.microsoft.com/office/drawing/2010/main" w="9525">
+                <a:ext uri="{91240B29-F687-4F45-9708-019B960494DF}">
+                  <a14:hiddenLine xmlns:a14="http://schemas.microsoft.com/office/drawing/2010/main" w="9525">
                     <a:solidFill>
                       <a:srgbClr val="000000"/>
                     </a:solidFill>
@@ -17350,10 +17369,10 @@
               <p:cNvPr id="40" name="Freeform 20">
                 <a:extLst>
                   <a:ext uri="{FF2B5EF4-FFF2-40B4-BE49-F238E27FC236}">
-                    <a16:creationId xmlns:a16="http://schemas.microsoft.com/office/drawing/2014/main" id="{AB21372F-73AC-4C69-81F0-0D44D36F6EF2}"/>
+                    <a16:creationId xmlns:a16="http://schemas.microsoft.com/office/drawing/2014/main" xmlns="" id="{AB21372F-73AC-4C69-81F0-0D44D36F6EF2}"/>
                   </a:ext>
                   <a:ext uri="{C183D7F6-B498-43B3-948B-1728B52AA6E4}">
-                    <adec:decorative xmlns:adec="http://schemas.microsoft.com/office/drawing/2017/decorative" val="1"/>
+                    <adec:decorative xmlns:adec="http://schemas.microsoft.com/office/drawing/2017/decorative" xmlns="" val="1"/>
                   </a:ext>
                 </a:extLst>
               </p:cNvPr>
@@ -17363,7 +17382,7 @@
               <p:nvPr>
                 <p:extLst>
                   <p:ext uri="{386F3935-93C4-4BCD-93E2-E3B085C9AB24}">
-                    <p16:designElem xmlns:p16="http://schemas.microsoft.com/office/powerpoint/2015/main" val="1"/>
+                    <p16:designElem xmlns:p16="http://schemas.microsoft.com/office/powerpoint/2015/main" xmlns="" val="1"/>
                   </p:ext>
                 </p:extLst>
               </p:nvPr>
@@ -17437,8 +17456,8 @@
                 <a:noFill/>
               </a:ln>
               <a:extLst>
-                <a:ext uri="{91240B29-F687-4f45-9708-019B960494DF}">
-                  <a14:hiddenLine xmlns="" xmlns:a16="http://schemas.microsoft.com/office/drawing/2014/main" xmlns:a14="http://schemas.microsoft.com/office/drawing/2010/main" w="9525">
+                <a:ext uri="{91240B29-F687-4F45-9708-019B960494DF}">
+                  <a14:hiddenLine xmlns:a14="http://schemas.microsoft.com/office/drawing/2010/main" w="9525">
                     <a:solidFill>
                       <a:srgbClr val="000000"/>
                     </a:solidFill>
@@ -17455,10 +17474,10 @@
               <p:cNvPr id="41" name="Rectangle 21">
                 <a:extLst>
                   <a:ext uri="{FF2B5EF4-FFF2-40B4-BE49-F238E27FC236}">
-                    <a16:creationId xmlns:a16="http://schemas.microsoft.com/office/drawing/2014/main" id="{B5619D97-D7A8-4DFF-8AB1-F4B393C1B408}"/>
+                    <a16:creationId xmlns:a16="http://schemas.microsoft.com/office/drawing/2014/main" xmlns="" id="{B5619D97-D7A8-4DFF-8AB1-F4B393C1B408}"/>
                   </a:ext>
                   <a:ext uri="{C183D7F6-B498-43B3-948B-1728B52AA6E4}">
-                    <adec:decorative xmlns:adec="http://schemas.microsoft.com/office/drawing/2017/decorative" val="1"/>
+                    <adec:decorative xmlns:adec="http://schemas.microsoft.com/office/drawing/2017/decorative" xmlns="" val="1"/>
                   </a:ext>
                 </a:extLst>
               </p:cNvPr>
@@ -17468,7 +17487,7 @@
               <p:nvPr>
                 <p:extLst>
                   <p:ext uri="{386F3935-93C4-4BCD-93E2-E3B085C9AB24}">
-                    <p16:designElem xmlns:p16="http://schemas.microsoft.com/office/powerpoint/2015/main" val="1"/>
+                    <p16:designElem xmlns:p16="http://schemas.microsoft.com/office/powerpoint/2015/main" xmlns="" val="1"/>
                   </p:ext>
                 </p:extLst>
               </p:nvPr>
@@ -17486,8 +17505,8 @@
                 <a:noFill/>
               </a:ln>
               <a:extLst>
-                <a:ext uri="{91240B29-F687-4f45-9708-019B960494DF}">
-                  <a14:hiddenLine xmlns="" xmlns:a16="http://schemas.microsoft.com/office/drawing/2014/main" xmlns:a14="http://schemas.microsoft.com/office/drawing/2010/main" w="9525">
+                <a:ext uri="{91240B29-F687-4F45-9708-019B960494DF}">
+                  <a14:hiddenLine xmlns:a14="http://schemas.microsoft.com/office/drawing/2010/main" w="9525">
                     <a:solidFill>
                       <a:srgbClr val="000000"/>
                     </a:solidFill>
@@ -17504,10 +17523,10 @@
               <p:cNvPr id="42" name="Freeform 22">
                 <a:extLst>
                   <a:ext uri="{FF2B5EF4-FFF2-40B4-BE49-F238E27FC236}">
-                    <a16:creationId xmlns:a16="http://schemas.microsoft.com/office/drawing/2014/main" id="{55E03CED-9618-41BB-898B-2FECEFD7B74C}"/>
+                    <a16:creationId xmlns:a16="http://schemas.microsoft.com/office/drawing/2014/main" xmlns="" id="{55E03CED-9618-41BB-898B-2FECEFD7B74C}"/>
                   </a:ext>
                   <a:ext uri="{C183D7F6-B498-43B3-948B-1728B52AA6E4}">
-                    <adec:decorative xmlns:adec="http://schemas.microsoft.com/office/drawing/2017/decorative" val="1"/>
+                    <adec:decorative xmlns:adec="http://schemas.microsoft.com/office/drawing/2017/decorative" xmlns="" val="1"/>
                   </a:ext>
                 </a:extLst>
               </p:cNvPr>
@@ -17515,7 +17534,7 @@
               <p:nvPr>
                 <p:extLst>
                   <p:ext uri="{386F3935-93C4-4BCD-93E2-E3B085C9AB24}">
-                    <p16:designElem xmlns:p16="http://schemas.microsoft.com/office/powerpoint/2015/main" val="1"/>
+                    <p16:designElem xmlns:p16="http://schemas.microsoft.com/office/powerpoint/2015/main" xmlns="" val="1"/>
                   </p:ext>
                 </p:extLst>
               </p:nvPr>
@@ -17566,8 +17585,8 @@
                 <a:noFill/>
               </a:ln>
               <a:extLst>
-                <a:ext uri="{91240B29-F687-4f45-9708-019B960494DF}">
-                  <a14:hiddenLine xmlns="" xmlns:a16="http://schemas.microsoft.com/office/drawing/2014/main" xmlns:a14="http://schemas.microsoft.com/office/drawing/2010/main" w="9525">
+                <a:ext uri="{91240B29-F687-4F45-9708-019B960494DF}">
+                  <a14:hiddenLine xmlns:a14="http://schemas.microsoft.com/office/drawing/2010/main" w="9525">
                     <a:solidFill>
                       <a:srgbClr val="000000"/>
                     </a:solidFill>
@@ -17584,10 +17603,10 @@
               <p:cNvPr id="43" name="Freeform 23">
                 <a:extLst>
                   <a:ext uri="{FF2B5EF4-FFF2-40B4-BE49-F238E27FC236}">
-                    <a16:creationId xmlns:a16="http://schemas.microsoft.com/office/drawing/2014/main" id="{78F0A5C5-589E-4053-A41A-FA77210C3D8A}"/>
+                    <a16:creationId xmlns:a16="http://schemas.microsoft.com/office/drawing/2014/main" xmlns="" id="{78F0A5C5-589E-4053-A41A-FA77210C3D8A}"/>
                   </a:ext>
                   <a:ext uri="{C183D7F6-B498-43B3-948B-1728B52AA6E4}">
-                    <adec:decorative xmlns:adec="http://schemas.microsoft.com/office/drawing/2017/decorative" val="1"/>
+                    <adec:decorative xmlns:adec="http://schemas.microsoft.com/office/drawing/2017/decorative" xmlns="" val="1"/>
                   </a:ext>
                 </a:extLst>
               </p:cNvPr>
@@ -17597,7 +17616,7 @@
               <p:nvPr>
                 <p:extLst>
                   <p:ext uri="{386F3935-93C4-4BCD-93E2-E3B085C9AB24}">
-                    <p16:designElem xmlns:p16="http://schemas.microsoft.com/office/powerpoint/2015/main" val="1"/>
+                    <p16:designElem xmlns:p16="http://schemas.microsoft.com/office/powerpoint/2015/main" xmlns="" val="1"/>
                   </p:ext>
                 </p:extLst>
               </p:nvPr>
@@ -17671,8 +17690,8 @@
                 <a:noFill/>
               </a:ln>
               <a:extLst>
-                <a:ext uri="{91240B29-F687-4f45-9708-019B960494DF}">
-                  <a14:hiddenLine xmlns="" xmlns:a16="http://schemas.microsoft.com/office/drawing/2014/main" xmlns:a14="http://schemas.microsoft.com/office/drawing/2010/main" w="9525">
+                <a:ext uri="{91240B29-F687-4F45-9708-019B960494DF}">
+                  <a14:hiddenLine xmlns:a14="http://schemas.microsoft.com/office/drawing/2010/main" w="9525">
                     <a:solidFill>
                       <a:srgbClr val="000000"/>
                     </a:solidFill>
@@ -17689,10 +17708,10 @@
               <p:cNvPr id="44" name="Freeform 24">
                 <a:extLst>
                   <a:ext uri="{FF2B5EF4-FFF2-40B4-BE49-F238E27FC236}">
-                    <a16:creationId xmlns:a16="http://schemas.microsoft.com/office/drawing/2014/main" id="{AC2718F8-15C5-4DAB-B194-AAEE8A205E42}"/>
+                    <a16:creationId xmlns:a16="http://schemas.microsoft.com/office/drawing/2014/main" xmlns="" id="{AC2718F8-15C5-4DAB-B194-AAEE8A205E42}"/>
                   </a:ext>
                   <a:ext uri="{C183D7F6-B498-43B3-948B-1728B52AA6E4}">
-                    <adec:decorative xmlns:adec="http://schemas.microsoft.com/office/drawing/2017/decorative" val="1"/>
+                    <adec:decorative xmlns:adec="http://schemas.microsoft.com/office/drawing/2017/decorative" xmlns="" val="1"/>
                   </a:ext>
                 </a:extLst>
               </p:cNvPr>
@@ -17700,7 +17719,7 @@
               <p:nvPr>
                 <p:extLst>
                   <p:ext uri="{386F3935-93C4-4BCD-93E2-E3B085C9AB24}">
-                    <p16:designElem xmlns:p16="http://schemas.microsoft.com/office/powerpoint/2015/main" val="1"/>
+                    <p16:designElem xmlns:p16="http://schemas.microsoft.com/office/powerpoint/2015/main" xmlns="" val="1"/>
                   </p:ext>
                 </p:extLst>
               </p:nvPr>
@@ -17748,8 +17767,8 @@
                 <a:noFill/>
               </a:ln>
               <a:extLst>
-                <a:ext uri="{91240B29-F687-4f45-9708-019B960494DF}">
-                  <a14:hiddenLine xmlns="" xmlns:a16="http://schemas.microsoft.com/office/drawing/2014/main" xmlns:a14="http://schemas.microsoft.com/office/drawing/2010/main" w="9525">
+                <a:ext uri="{91240B29-F687-4F45-9708-019B960494DF}">
+                  <a14:hiddenLine xmlns:a14="http://schemas.microsoft.com/office/drawing/2010/main" w="9525">
                     <a:solidFill>
                       <a:srgbClr val="000000"/>
                     </a:solidFill>
@@ -17766,10 +17785,10 @@
               <p:cNvPr id="45" name="Freeform 25">
                 <a:extLst>
                   <a:ext uri="{FF2B5EF4-FFF2-40B4-BE49-F238E27FC236}">
-                    <a16:creationId xmlns:a16="http://schemas.microsoft.com/office/drawing/2014/main" id="{23C6608B-EA21-4579-B33F-55E52AC28756}"/>
+                    <a16:creationId xmlns:a16="http://schemas.microsoft.com/office/drawing/2014/main" xmlns="" id="{23C6608B-EA21-4579-B33F-55E52AC28756}"/>
                   </a:ext>
                   <a:ext uri="{C183D7F6-B498-43B3-948B-1728B52AA6E4}">
-                    <adec:decorative xmlns:adec="http://schemas.microsoft.com/office/drawing/2017/decorative" val="1"/>
+                    <adec:decorative xmlns:adec="http://schemas.microsoft.com/office/drawing/2017/decorative" xmlns="" val="1"/>
                   </a:ext>
                 </a:extLst>
               </p:cNvPr>
@@ -17779,7 +17798,7 @@
               <p:nvPr>
                 <p:extLst>
                   <p:ext uri="{386F3935-93C4-4BCD-93E2-E3B085C9AB24}">
-                    <p16:designElem xmlns:p16="http://schemas.microsoft.com/office/powerpoint/2015/main" val="1"/>
+                    <p16:designElem xmlns:p16="http://schemas.microsoft.com/office/powerpoint/2015/main" xmlns="" val="1"/>
                   </p:ext>
                 </p:extLst>
               </p:nvPr>
@@ -17853,8 +17872,8 @@
                 <a:noFill/>
               </a:ln>
               <a:extLst>
-                <a:ext uri="{91240B29-F687-4f45-9708-019B960494DF}">
-                  <a14:hiddenLine xmlns="" xmlns:a16="http://schemas.microsoft.com/office/drawing/2014/main" xmlns:a14="http://schemas.microsoft.com/office/drawing/2010/main" w="9525">
+                <a:ext uri="{91240B29-F687-4F45-9708-019B960494DF}">
+                  <a14:hiddenLine xmlns:a14="http://schemas.microsoft.com/office/drawing/2010/main" w="9525">
                     <a:solidFill>
                       <a:srgbClr val="000000"/>
                     </a:solidFill>
@@ -17871,10 +17890,10 @@
               <p:cNvPr id="46" name="Freeform 26">
                 <a:extLst>
                   <a:ext uri="{FF2B5EF4-FFF2-40B4-BE49-F238E27FC236}">
-                    <a16:creationId xmlns:a16="http://schemas.microsoft.com/office/drawing/2014/main" id="{4A2FEFA2-D838-4CE1-90BA-B6C2EEB54381}"/>
+                    <a16:creationId xmlns:a16="http://schemas.microsoft.com/office/drawing/2014/main" xmlns="" id="{4A2FEFA2-D838-4CE1-90BA-B6C2EEB54381}"/>
                   </a:ext>
                   <a:ext uri="{C183D7F6-B498-43B3-948B-1728B52AA6E4}">
-                    <adec:decorative xmlns:adec="http://schemas.microsoft.com/office/drawing/2017/decorative" val="1"/>
+                    <adec:decorative xmlns:adec="http://schemas.microsoft.com/office/drawing/2017/decorative" xmlns="" val="1"/>
                   </a:ext>
                 </a:extLst>
               </p:cNvPr>
@@ -17882,7 +17901,7 @@
               <p:nvPr>
                 <p:extLst>
                   <p:ext uri="{386F3935-93C4-4BCD-93E2-E3B085C9AB24}">
-                    <p16:designElem xmlns:p16="http://schemas.microsoft.com/office/powerpoint/2015/main" val="1"/>
+                    <p16:designElem xmlns:p16="http://schemas.microsoft.com/office/powerpoint/2015/main" xmlns="" val="1"/>
                   </p:ext>
                 </p:extLst>
               </p:nvPr>
@@ -17933,8 +17952,8 @@
                 <a:noFill/>
               </a:ln>
               <a:extLst>
-                <a:ext uri="{91240B29-F687-4f45-9708-019B960494DF}">
-                  <a14:hiddenLine xmlns="" xmlns:a16="http://schemas.microsoft.com/office/drawing/2014/main" xmlns:a14="http://schemas.microsoft.com/office/drawing/2010/main" w="9525">
+                <a:ext uri="{91240B29-F687-4F45-9708-019B960494DF}">
+                  <a14:hiddenLine xmlns:a14="http://schemas.microsoft.com/office/drawing/2010/main" w="9525">
                     <a:solidFill>
                       <a:srgbClr val="000000"/>
                     </a:solidFill>
@@ -17951,10 +17970,10 @@
               <p:cNvPr id="47" name="Freeform 27">
                 <a:extLst>
                   <a:ext uri="{FF2B5EF4-FFF2-40B4-BE49-F238E27FC236}">
-                    <a16:creationId xmlns:a16="http://schemas.microsoft.com/office/drawing/2014/main" id="{1A39CA24-DF18-4FCC-8265-36FC72ED589B}"/>
+                    <a16:creationId xmlns:a16="http://schemas.microsoft.com/office/drawing/2014/main" xmlns="" id="{1A39CA24-DF18-4FCC-8265-36FC72ED589B}"/>
                   </a:ext>
                   <a:ext uri="{C183D7F6-B498-43B3-948B-1728B52AA6E4}">
-                    <adec:decorative xmlns:adec="http://schemas.microsoft.com/office/drawing/2017/decorative" val="1"/>
+                    <adec:decorative xmlns:adec="http://schemas.microsoft.com/office/drawing/2017/decorative" xmlns="" val="1"/>
                   </a:ext>
                 </a:extLst>
               </p:cNvPr>
@@ -17962,7 +17981,7 @@
               <p:nvPr>
                 <p:extLst>
                   <p:ext uri="{386F3935-93C4-4BCD-93E2-E3B085C9AB24}">
-                    <p16:designElem xmlns:p16="http://schemas.microsoft.com/office/powerpoint/2015/main" val="1"/>
+                    <p16:designElem xmlns:p16="http://schemas.microsoft.com/office/powerpoint/2015/main" xmlns="" val="1"/>
                   </p:ext>
                 </p:extLst>
               </p:nvPr>
@@ -18010,8 +18029,8 @@
                 <a:noFill/>
               </a:ln>
               <a:extLst>
-                <a:ext uri="{91240B29-F687-4f45-9708-019B960494DF}">
-                  <a14:hiddenLine xmlns="" xmlns:a16="http://schemas.microsoft.com/office/drawing/2014/main" xmlns:a14="http://schemas.microsoft.com/office/drawing/2010/main" w="9525">
+                <a:ext uri="{91240B29-F687-4F45-9708-019B960494DF}">
+                  <a14:hiddenLine xmlns:a14="http://schemas.microsoft.com/office/drawing/2010/main" w="9525">
                     <a:solidFill>
                       <a:srgbClr val="000000"/>
                     </a:solidFill>
@@ -18028,10 +18047,10 @@
               <p:cNvPr id="48" name="Freeform 28">
                 <a:extLst>
                   <a:ext uri="{FF2B5EF4-FFF2-40B4-BE49-F238E27FC236}">
-                    <a16:creationId xmlns:a16="http://schemas.microsoft.com/office/drawing/2014/main" id="{50A32DBD-9B22-49C3-A628-A98533FBF4FB}"/>
+                    <a16:creationId xmlns:a16="http://schemas.microsoft.com/office/drawing/2014/main" xmlns="" id="{50A32DBD-9B22-49C3-A628-A98533FBF4FB}"/>
                   </a:ext>
                   <a:ext uri="{C183D7F6-B498-43B3-948B-1728B52AA6E4}">
-                    <adec:decorative xmlns:adec="http://schemas.microsoft.com/office/drawing/2017/decorative" val="1"/>
+                    <adec:decorative xmlns:adec="http://schemas.microsoft.com/office/drawing/2017/decorative" xmlns="" val="1"/>
                   </a:ext>
                 </a:extLst>
               </p:cNvPr>
@@ -18041,7 +18060,7 @@
               <p:nvPr>
                 <p:extLst>
                   <p:ext uri="{386F3935-93C4-4BCD-93E2-E3B085C9AB24}">
-                    <p16:designElem xmlns:p16="http://schemas.microsoft.com/office/powerpoint/2015/main" val="1"/>
+                    <p16:designElem xmlns:p16="http://schemas.microsoft.com/office/powerpoint/2015/main" xmlns="" val="1"/>
                   </p:ext>
                 </p:extLst>
               </p:nvPr>
@@ -18115,8 +18134,8 @@
                 <a:noFill/>
               </a:ln>
               <a:extLst>
-                <a:ext uri="{91240B29-F687-4f45-9708-019B960494DF}">
-                  <a14:hiddenLine xmlns="" xmlns:a16="http://schemas.microsoft.com/office/drawing/2014/main" xmlns:a14="http://schemas.microsoft.com/office/drawing/2010/main" w="9525">
+                <a:ext uri="{91240B29-F687-4F45-9708-019B960494DF}">
+                  <a14:hiddenLine xmlns:a14="http://schemas.microsoft.com/office/drawing/2010/main" w="9525">
                     <a:solidFill>
                       <a:srgbClr val="000000"/>
                     </a:solidFill>
@@ -18133,10 +18152,10 @@
               <p:cNvPr id="49" name="Freeform 29">
                 <a:extLst>
                   <a:ext uri="{FF2B5EF4-FFF2-40B4-BE49-F238E27FC236}">
-                    <a16:creationId xmlns:a16="http://schemas.microsoft.com/office/drawing/2014/main" id="{A3C0B30D-BB1A-4B3D-A162-3EBE6267F214}"/>
+                    <a16:creationId xmlns:a16="http://schemas.microsoft.com/office/drawing/2014/main" xmlns="" id="{A3C0B30D-BB1A-4B3D-A162-3EBE6267F214}"/>
                   </a:ext>
                   <a:ext uri="{C183D7F6-B498-43B3-948B-1728B52AA6E4}">
-                    <adec:decorative xmlns:adec="http://schemas.microsoft.com/office/drawing/2017/decorative" val="1"/>
+                    <adec:decorative xmlns:adec="http://schemas.microsoft.com/office/drawing/2017/decorative" xmlns="" val="1"/>
                   </a:ext>
                 </a:extLst>
               </p:cNvPr>
@@ -18146,7 +18165,7 @@
               <p:nvPr>
                 <p:extLst>
                   <p:ext uri="{386F3935-93C4-4BCD-93E2-E3B085C9AB24}">
-                    <p16:designElem xmlns:p16="http://schemas.microsoft.com/office/powerpoint/2015/main" val="1"/>
+                    <p16:designElem xmlns:p16="http://schemas.microsoft.com/office/powerpoint/2015/main" xmlns="" val="1"/>
                   </p:ext>
                 </p:extLst>
               </p:nvPr>
@@ -18220,8 +18239,8 @@
                 <a:noFill/>
               </a:ln>
               <a:extLst>
-                <a:ext uri="{91240B29-F687-4f45-9708-019B960494DF}">
-                  <a14:hiddenLine xmlns="" xmlns:a16="http://schemas.microsoft.com/office/drawing/2014/main" xmlns:a14="http://schemas.microsoft.com/office/drawing/2010/main" w="9525">
+                <a:ext uri="{91240B29-F687-4F45-9708-019B960494DF}">
+                  <a14:hiddenLine xmlns:a14="http://schemas.microsoft.com/office/drawing/2010/main" w="9525">
                     <a:solidFill>
                       <a:srgbClr val="000000"/>
                     </a:solidFill>
@@ -18238,10 +18257,10 @@
               <p:cNvPr id="50" name="Freeform 30">
                 <a:extLst>
                   <a:ext uri="{FF2B5EF4-FFF2-40B4-BE49-F238E27FC236}">
-                    <a16:creationId xmlns:a16="http://schemas.microsoft.com/office/drawing/2014/main" id="{092B125A-1548-445E-8689-07BEEC815596}"/>
+                    <a16:creationId xmlns:a16="http://schemas.microsoft.com/office/drawing/2014/main" xmlns="" id="{092B125A-1548-445E-8689-07BEEC815596}"/>
                   </a:ext>
                   <a:ext uri="{C183D7F6-B498-43B3-948B-1728B52AA6E4}">
-                    <adec:decorative xmlns:adec="http://schemas.microsoft.com/office/drawing/2017/decorative" val="1"/>
+                    <adec:decorative xmlns:adec="http://schemas.microsoft.com/office/drawing/2017/decorative" xmlns="" val="1"/>
                   </a:ext>
                 </a:extLst>
               </p:cNvPr>
@@ -18249,7 +18268,7 @@
               <p:nvPr>
                 <p:extLst>
                   <p:ext uri="{386F3935-93C4-4BCD-93E2-E3B085C9AB24}">
-                    <p16:designElem xmlns:p16="http://schemas.microsoft.com/office/powerpoint/2015/main" val="1"/>
+                    <p16:designElem xmlns:p16="http://schemas.microsoft.com/office/powerpoint/2015/main" xmlns="" val="1"/>
                   </p:ext>
                 </p:extLst>
               </p:nvPr>
@@ -18300,8 +18319,8 @@
                 <a:noFill/>
               </a:ln>
               <a:extLst>
-                <a:ext uri="{91240B29-F687-4f45-9708-019B960494DF}">
-                  <a14:hiddenLine xmlns="" xmlns:a16="http://schemas.microsoft.com/office/drawing/2014/main" xmlns:a14="http://schemas.microsoft.com/office/drawing/2010/main" w="9525">
+                <a:ext uri="{91240B29-F687-4F45-9708-019B960494DF}">
+                  <a14:hiddenLine xmlns:a14="http://schemas.microsoft.com/office/drawing/2010/main" w="9525">
                     <a:solidFill>
                       <a:srgbClr val="000000"/>
                     </a:solidFill>
@@ -18318,10 +18337,10 @@
               <p:cNvPr id="51" name="Freeform 31">
                 <a:extLst>
                   <a:ext uri="{FF2B5EF4-FFF2-40B4-BE49-F238E27FC236}">
-                    <a16:creationId xmlns:a16="http://schemas.microsoft.com/office/drawing/2014/main" id="{D6A7D7B9-9A7E-4FD2-A1B4-1C5CFAE54989}"/>
+                    <a16:creationId xmlns:a16="http://schemas.microsoft.com/office/drawing/2014/main" xmlns="" id="{D6A7D7B9-9A7E-4FD2-A1B4-1C5CFAE54989}"/>
                   </a:ext>
                   <a:ext uri="{C183D7F6-B498-43B3-948B-1728B52AA6E4}">
-                    <adec:decorative xmlns:adec="http://schemas.microsoft.com/office/drawing/2017/decorative" val="1"/>
+                    <adec:decorative xmlns:adec="http://schemas.microsoft.com/office/drawing/2017/decorative" xmlns="" val="1"/>
                   </a:ext>
                 </a:extLst>
               </p:cNvPr>
@@ -18331,7 +18350,7 @@
               <p:nvPr>
                 <p:extLst>
                   <p:ext uri="{386F3935-93C4-4BCD-93E2-E3B085C9AB24}">
-                    <p16:designElem xmlns:p16="http://schemas.microsoft.com/office/powerpoint/2015/main" val="1"/>
+                    <p16:designElem xmlns:p16="http://schemas.microsoft.com/office/powerpoint/2015/main" xmlns="" val="1"/>
                   </p:ext>
                 </p:extLst>
               </p:nvPr>
@@ -18435,8 +18454,8 @@
                 <a:noFill/>
               </a:ln>
               <a:extLst>
-                <a:ext uri="{91240B29-F687-4f45-9708-019B960494DF}">
-                  <a14:hiddenLine xmlns="" xmlns:a16="http://schemas.microsoft.com/office/drawing/2014/main" xmlns:a14="http://schemas.microsoft.com/office/drawing/2010/main" w="9525">
+                <a:ext uri="{91240B29-F687-4F45-9708-019B960494DF}">
+                  <a14:hiddenLine xmlns:a14="http://schemas.microsoft.com/office/drawing/2010/main" w="9525">
                     <a:solidFill>
                       <a:srgbClr val="000000"/>
                     </a:solidFill>
@@ -18454,10 +18473,10 @@
             <p:cNvPr id="14" name="Group 13">
               <a:extLst>
                 <a:ext uri="{FF2B5EF4-FFF2-40B4-BE49-F238E27FC236}">
-                  <a16:creationId xmlns:a16="http://schemas.microsoft.com/office/drawing/2014/main" id="{DB1B0C3F-D935-4306-B5B1-6AA635881120}"/>
+                  <a16:creationId xmlns:a16="http://schemas.microsoft.com/office/drawing/2014/main" xmlns="" id="{DB1B0C3F-D935-4306-B5B1-6AA635881120}"/>
                 </a:ext>
                 <a:ext uri="{C183D7F6-B498-43B3-948B-1728B52AA6E4}">
-                  <adec:decorative xmlns:adec="http://schemas.microsoft.com/office/drawing/2017/decorative" val="1"/>
+                  <adec:decorative xmlns:adec="http://schemas.microsoft.com/office/drawing/2017/decorative" xmlns="" val="1"/>
                 </a:ext>
               </a:extLst>
             </p:cNvPr>
@@ -18465,7 +18484,7 @@
             <p:nvPr>
               <p:extLst>
                 <p:ext uri="{386F3935-93C4-4BCD-93E2-E3B085C9AB24}">
-                  <p16:designElem xmlns:p16="http://schemas.microsoft.com/office/powerpoint/2015/main" val="1"/>
+                  <p16:designElem xmlns:p16="http://schemas.microsoft.com/office/powerpoint/2015/main" xmlns="" val="1"/>
                 </p:ext>
               </p:extLst>
             </p:nvPr>
@@ -18501,10 +18520,10 @@
               <p:cNvPr id="15" name="Freeform 32">
                 <a:extLst>
                   <a:ext uri="{FF2B5EF4-FFF2-40B4-BE49-F238E27FC236}">
-                    <a16:creationId xmlns:a16="http://schemas.microsoft.com/office/drawing/2014/main" id="{75BC67F5-D485-467A-BCCB-D062EB6DD0E2}"/>
+                    <a16:creationId xmlns:a16="http://schemas.microsoft.com/office/drawing/2014/main" xmlns="" id="{75BC67F5-D485-467A-BCCB-D062EB6DD0E2}"/>
                   </a:ext>
                   <a:ext uri="{C183D7F6-B498-43B3-948B-1728B52AA6E4}">
-                    <adec:decorative xmlns:adec="http://schemas.microsoft.com/office/drawing/2017/decorative" val="1"/>
+                    <adec:decorative xmlns:adec="http://schemas.microsoft.com/office/drawing/2017/decorative" xmlns="" val="1"/>
                   </a:ext>
                 </a:extLst>
               </p:cNvPr>
@@ -18512,7 +18531,7 @@
               <p:nvPr>
                 <p:extLst>
                   <p:ext uri="{386F3935-93C4-4BCD-93E2-E3B085C9AB24}">
-                    <p16:designElem xmlns:p16="http://schemas.microsoft.com/office/powerpoint/2015/main" val="1"/>
+                    <p16:designElem xmlns:p16="http://schemas.microsoft.com/office/powerpoint/2015/main" xmlns="" val="1"/>
                   </p:ext>
                 </p:extLst>
               </p:nvPr>
@@ -18563,8 +18582,8 @@
                 <a:noFill/>
               </a:ln>
               <a:extLst>
-                <a:ext uri="{91240B29-F687-4f45-9708-019B960494DF}">
-                  <a14:hiddenLine xmlns="" xmlns:a16="http://schemas.microsoft.com/office/drawing/2014/main" xmlns:a14="http://schemas.microsoft.com/office/drawing/2010/main" w="9525">
+                <a:ext uri="{91240B29-F687-4F45-9708-019B960494DF}">
+                  <a14:hiddenLine xmlns:a14="http://schemas.microsoft.com/office/drawing/2010/main" w="9525">
                     <a:solidFill>
                       <a:srgbClr val="000000"/>
                     </a:solidFill>
@@ -18581,10 +18600,10 @@
               <p:cNvPr id="16" name="Freeform 33">
                 <a:extLst>
                   <a:ext uri="{FF2B5EF4-FFF2-40B4-BE49-F238E27FC236}">
-                    <a16:creationId xmlns:a16="http://schemas.microsoft.com/office/drawing/2014/main" id="{7FB0B620-AB12-4F0B-AD1C-A47A5FBC6323}"/>
+                    <a16:creationId xmlns:a16="http://schemas.microsoft.com/office/drawing/2014/main" xmlns="" id="{7FB0B620-AB12-4F0B-AD1C-A47A5FBC6323}"/>
                   </a:ext>
                   <a:ext uri="{C183D7F6-B498-43B3-948B-1728B52AA6E4}">
-                    <adec:decorative xmlns:adec="http://schemas.microsoft.com/office/drawing/2017/decorative" val="1"/>
+                    <adec:decorative xmlns:adec="http://schemas.microsoft.com/office/drawing/2017/decorative" xmlns="" val="1"/>
                   </a:ext>
                 </a:extLst>
               </p:cNvPr>
@@ -18594,7 +18613,7 @@
               <p:nvPr>
                 <p:extLst>
                   <p:ext uri="{386F3935-93C4-4BCD-93E2-E3B085C9AB24}">
-                    <p16:designElem xmlns:p16="http://schemas.microsoft.com/office/powerpoint/2015/main" val="1"/>
+                    <p16:designElem xmlns:p16="http://schemas.microsoft.com/office/powerpoint/2015/main" xmlns="" val="1"/>
                   </p:ext>
                 </p:extLst>
               </p:nvPr>
@@ -18693,8 +18712,8 @@
                 <a:noFill/>
               </a:ln>
               <a:extLst>
-                <a:ext uri="{91240B29-F687-4f45-9708-019B960494DF}">
-                  <a14:hiddenLine xmlns="" xmlns:a16="http://schemas.microsoft.com/office/drawing/2014/main" xmlns:a14="http://schemas.microsoft.com/office/drawing/2010/main" w="9525">
+                <a:ext uri="{91240B29-F687-4F45-9708-019B960494DF}">
+                  <a14:hiddenLine xmlns:a14="http://schemas.microsoft.com/office/drawing/2010/main" w="9525">
                     <a:solidFill>
                       <a:srgbClr val="000000"/>
                     </a:solidFill>
@@ -18711,10 +18730,10 @@
               <p:cNvPr id="17" name="Freeform 34">
                 <a:extLst>
                   <a:ext uri="{FF2B5EF4-FFF2-40B4-BE49-F238E27FC236}">
-                    <a16:creationId xmlns:a16="http://schemas.microsoft.com/office/drawing/2014/main" id="{6AEFA891-E591-4F7F-9DBA-FC78E9B8F1BC}"/>
+                    <a16:creationId xmlns:a16="http://schemas.microsoft.com/office/drawing/2014/main" xmlns="" id="{6AEFA891-E591-4F7F-9DBA-FC78E9B8F1BC}"/>
                   </a:ext>
                   <a:ext uri="{C183D7F6-B498-43B3-948B-1728B52AA6E4}">
-                    <adec:decorative xmlns:adec="http://schemas.microsoft.com/office/drawing/2017/decorative" val="1"/>
+                    <adec:decorative xmlns:adec="http://schemas.microsoft.com/office/drawing/2017/decorative" xmlns="" val="1"/>
                   </a:ext>
                 </a:extLst>
               </p:cNvPr>
@@ -18724,7 +18743,7 @@
               <p:nvPr>
                 <p:extLst>
                   <p:ext uri="{386F3935-93C4-4BCD-93E2-E3B085C9AB24}">
-                    <p16:designElem xmlns:p16="http://schemas.microsoft.com/office/powerpoint/2015/main" val="1"/>
+                    <p16:designElem xmlns:p16="http://schemas.microsoft.com/office/powerpoint/2015/main" xmlns="" val="1"/>
                   </p:ext>
                 </p:extLst>
               </p:nvPr>
@@ -18798,8 +18817,8 @@
                 <a:noFill/>
               </a:ln>
               <a:extLst>
-                <a:ext uri="{91240B29-F687-4f45-9708-019B960494DF}">
-                  <a14:hiddenLine xmlns="" xmlns:a16="http://schemas.microsoft.com/office/drawing/2014/main" xmlns:a14="http://schemas.microsoft.com/office/drawing/2010/main" w="9525">
+                <a:ext uri="{91240B29-F687-4F45-9708-019B960494DF}">
+                  <a14:hiddenLine xmlns:a14="http://schemas.microsoft.com/office/drawing/2010/main" w="9525">
                     <a:solidFill>
                       <a:srgbClr val="000000"/>
                     </a:solidFill>
@@ -18816,10 +18835,10 @@
               <p:cNvPr id="18" name="Freeform 35">
                 <a:extLst>
                   <a:ext uri="{FF2B5EF4-FFF2-40B4-BE49-F238E27FC236}">
-                    <a16:creationId xmlns:a16="http://schemas.microsoft.com/office/drawing/2014/main" id="{78921FFF-4B57-4E33-BE94-5A8BFC95E03D}"/>
+                    <a16:creationId xmlns:a16="http://schemas.microsoft.com/office/drawing/2014/main" xmlns="" id="{78921FFF-4B57-4E33-BE94-5A8BFC95E03D}"/>
                   </a:ext>
                   <a:ext uri="{C183D7F6-B498-43B3-948B-1728B52AA6E4}">
-                    <adec:decorative xmlns:adec="http://schemas.microsoft.com/office/drawing/2017/decorative" val="1"/>
+                    <adec:decorative xmlns:adec="http://schemas.microsoft.com/office/drawing/2017/decorative" xmlns="" val="1"/>
                   </a:ext>
                 </a:extLst>
               </p:cNvPr>
@@ -18827,7 +18846,7 @@
               <p:nvPr>
                 <p:extLst>
                   <p:ext uri="{386F3935-93C4-4BCD-93E2-E3B085C9AB24}">
-                    <p16:designElem xmlns:p16="http://schemas.microsoft.com/office/powerpoint/2015/main" val="1"/>
+                    <p16:designElem xmlns:p16="http://schemas.microsoft.com/office/powerpoint/2015/main" xmlns="" val="1"/>
                   </p:ext>
                 </p:extLst>
               </p:nvPr>
@@ -18878,8 +18897,8 @@
                 <a:noFill/>
               </a:ln>
               <a:extLst>
-                <a:ext uri="{91240B29-F687-4f45-9708-019B960494DF}">
-                  <a14:hiddenLine xmlns="" xmlns:a16="http://schemas.microsoft.com/office/drawing/2014/main" xmlns:a14="http://schemas.microsoft.com/office/drawing/2010/main" w="9525">
+                <a:ext uri="{91240B29-F687-4F45-9708-019B960494DF}">
+                  <a14:hiddenLine xmlns:a14="http://schemas.microsoft.com/office/drawing/2010/main" w="9525">
                     <a:solidFill>
                       <a:srgbClr val="000000"/>
                     </a:solidFill>
@@ -18896,10 +18915,10 @@
               <p:cNvPr id="19" name="Freeform 36">
                 <a:extLst>
                   <a:ext uri="{FF2B5EF4-FFF2-40B4-BE49-F238E27FC236}">
-                    <a16:creationId xmlns:a16="http://schemas.microsoft.com/office/drawing/2014/main" id="{0C4A1658-5AAE-4925-B106-BC0A17862E79}"/>
+                    <a16:creationId xmlns:a16="http://schemas.microsoft.com/office/drawing/2014/main" xmlns="" id="{0C4A1658-5AAE-4925-B106-BC0A17862E79}"/>
                   </a:ext>
                   <a:ext uri="{C183D7F6-B498-43B3-948B-1728B52AA6E4}">
-                    <adec:decorative xmlns:adec="http://schemas.microsoft.com/office/drawing/2017/decorative" val="1"/>
+                    <adec:decorative xmlns:adec="http://schemas.microsoft.com/office/drawing/2017/decorative" xmlns="" val="1"/>
                   </a:ext>
                 </a:extLst>
               </p:cNvPr>
@@ -18909,7 +18928,7 @@
               <p:nvPr>
                 <p:extLst>
                   <p:ext uri="{386F3935-93C4-4BCD-93E2-E3B085C9AB24}">
-                    <p16:designElem xmlns:p16="http://schemas.microsoft.com/office/powerpoint/2015/main" val="1"/>
+                    <p16:designElem xmlns:p16="http://schemas.microsoft.com/office/powerpoint/2015/main" xmlns="" val="1"/>
                   </p:ext>
                 </p:extLst>
               </p:nvPr>
@@ -18983,8 +19002,8 @@
                 <a:noFill/>
               </a:ln>
               <a:extLst>
-                <a:ext uri="{91240B29-F687-4f45-9708-019B960494DF}">
-                  <a14:hiddenLine xmlns="" xmlns:a16="http://schemas.microsoft.com/office/drawing/2014/main" xmlns:a14="http://schemas.microsoft.com/office/drawing/2010/main" w="9525">
+                <a:ext uri="{91240B29-F687-4F45-9708-019B960494DF}">
+                  <a14:hiddenLine xmlns:a14="http://schemas.microsoft.com/office/drawing/2010/main" w="9525">
                     <a:solidFill>
                       <a:srgbClr val="000000"/>
                     </a:solidFill>
@@ -19001,10 +19020,10 @@
               <p:cNvPr id="20" name="Freeform 37">
                 <a:extLst>
                   <a:ext uri="{FF2B5EF4-FFF2-40B4-BE49-F238E27FC236}">
-                    <a16:creationId xmlns:a16="http://schemas.microsoft.com/office/drawing/2014/main" id="{DE6DF3EB-099A-427A-A999-3BAF3BCA94E1}"/>
+                    <a16:creationId xmlns:a16="http://schemas.microsoft.com/office/drawing/2014/main" xmlns="" id="{DE6DF3EB-099A-427A-A999-3BAF3BCA94E1}"/>
                   </a:ext>
                   <a:ext uri="{C183D7F6-B498-43B3-948B-1728B52AA6E4}">
-                    <adec:decorative xmlns:adec="http://schemas.microsoft.com/office/drawing/2017/decorative" val="1"/>
+                    <adec:decorative xmlns:adec="http://schemas.microsoft.com/office/drawing/2017/decorative" xmlns="" val="1"/>
                   </a:ext>
                 </a:extLst>
               </p:cNvPr>
@@ -19012,7 +19031,7 @@
               <p:nvPr>
                 <p:extLst>
                   <p:ext uri="{386F3935-93C4-4BCD-93E2-E3B085C9AB24}">
-                    <p16:designElem xmlns:p16="http://schemas.microsoft.com/office/powerpoint/2015/main" val="1"/>
+                    <p16:designElem xmlns:p16="http://schemas.microsoft.com/office/powerpoint/2015/main" xmlns="" val="1"/>
                   </p:ext>
                 </p:extLst>
               </p:nvPr>
@@ -19066,8 +19085,8 @@
                 <a:noFill/>
               </a:ln>
               <a:extLst>
-                <a:ext uri="{91240B29-F687-4f45-9708-019B960494DF}">
-                  <a14:hiddenLine xmlns="" xmlns:a16="http://schemas.microsoft.com/office/drawing/2014/main" xmlns:a14="http://schemas.microsoft.com/office/drawing/2010/main" w="9525">
+                <a:ext uri="{91240B29-F687-4F45-9708-019B960494DF}">
+                  <a14:hiddenLine xmlns:a14="http://schemas.microsoft.com/office/drawing/2010/main" w="9525">
                     <a:solidFill>
                       <a:srgbClr val="000000"/>
                     </a:solidFill>
@@ -19084,10 +19103,10 @@
               <p:cNvPr id="21" name="Freeform 38">
                 <a:extLst>
                   <a:ext uri="{FF2B5EF4-FFF2-40B4-BE49-F238E27FC236}">
-                    <a16:creationId xmlns:a16="http://schemas.microsoft.com/office/drawing/2014/main" id="{CC595EFE-4690-4B81-83B1-F863B951B0E1}"/>
+                    <a16:creationId xmlns:a16="http://schemas.microsoft.com/office/drawing/2014/main" xmlns="" id="{CC595EFE-4690-4B81-83B1-F863B951B0E1}"/>
                   </a:ext>
                   <a:ext uri="{C183D7F6-B498-43B3-948B-1728B52AA6E4}">
-                    <adec:decorative xmlns:adec="http://schemas.microsoft.com/office/drawing/2017/decorative" val="1"/>
+                    <adec:decorative xmlns:adec="http://schemas.microsoft.com/office/drawing/2017/decorative" xmlns="" val="1"/>
                   </a:ext>
                 </a:extLst>
               </p:cNvPr>
@@ -19097,7 +19116,7 @@
               <p:nvPr>
                 <p:extLst>
                   <p:ext uri="{386F3935-93C4-4BCD-93E2-E3B085C9AB24}">
-                    <p16:designElem xmlns:p16="http://schemas.microsoft.com/office/powerpoint/2015/main" val="1"/>
+                    <p16:designElem xmlns:p16="http://schemas.microsoft.com/office/powerpoint/2015/main" xmlns="" val="1"/>
                   </p:ext>
                 </p:extLst>
               </p:nvPr>
@@ -19171,8 +19190,8 @@
                 <a:noFill/>
               </a:ln>
               <a:extLst>
-                <a:ext uri="{91240B29-F687-4f45-9708-019B960494DF}">
-                  <a14:hiddenLine xmlns="" xmlns:a16="http://schemas.microsoft.com/office/drawing/2014/main" xmlns:a14="http://schemas.microsoft.com/office/drawing/2010/main" w="9525">
+                <a:ext uri="{91240B29-F687-4F45-9708-019B960494DF}">
+                  <a14:hiddenLine xmlns:a14="http://schemas.microsoft.com/office/drawing/2010/main" w="9525">
                     <a:solidFill>
                       <a:srgbClr val="000000"/>
                     </a:solidFill>
@@ -19189,10 +19208,10 @@
               <p:cNvPr id="22" name="Freeform 39">
                 <a:extLst>
                   <a:ext uri="{FF2B5EF4-FFF2-40B4-BE49-F238E27FC236}">
-                    <a16:creationId xmlns:a16="http://schemas.microsoft.com/office/drawing/2014/main" id="{400FAC39-AEAC-4B54-9694-29D537C203B1}"/>
+                    <a16:creationId xmlns:a16="http://schemas.microsoft.com/office/drawing/2014/main" xmlns="" id="{400FAC39-AEAC-4B54-9694-29D537C203B1}"/>
                   </a:ext>
                   <a:ext uri="{C183D7F6-B498-43B3-948B-1728B52AA6E4}">
-                    <adec:decorative xmlns:adec="http://schemas.microsoft.com/office/drawing/2017/decorative" val="1"/>
+                    <adec:decorative xmlns:adec="http://schemas.microsoft.com/office/drawing/2017/decorative" xmlns="" val="1"/>
                   </a:ext>
                 </a:extLst>
               </p:cNvPr>
@@ -19200,7 +19219,7 @@
               <p:nvPr>
                 <p:extLst>
                   <p:ext uri="{386F3935-93C4-4BCD-93E2-E3B085C9AB24}">
-                    <p16:designElem xmlns:p16="http://schemas.microsoft.com/office/powerpoint/2015/main" val="1"/>
+                    <p16:designElem xmlns:p16="http://schemas.microsoft.com/office/powerpoint/2015/main" xmlns="" val="1"/>
                   </p:ext>
                 </p:extLst>
               </p:nvPr>
@@ -19254,8 +19273,8 @@
                 <a:noFill/>
               </a:ln>
               <a:extLst>
-                <a:ext uri="{91240B29-F687-4f45-9708-019B960494DF}">
-                  <a14:hiddenLine xmlns="" xmlns:a16="http://schemas.microsoft.com/office/drawing/2014/main" xmlns:a14="http://schemas.microsoft.com/office/drawing/2010/main" w="9525">
+                <a:ext uri="{91240B29-F687-4F45-9708-019B960494DF}">
+                  <a14:hiddenLine xmlns:a14="http://schemas.microsoft.com/office/drawing/2010/main" w="9525">
                     <a:solidFill>
                       <a:srgbClr val="000000"/>
                     </a:solidFill>
@@ -19272,10 +19291,10 @@
               <p:cNvPr id="23" name="Freeform 40">
                 <a:extLst>
                   <a:ext uri="{FF2B5EF4-FFF2-40B4-BE49-F238E27FC236}">
-                    <a16:creationId xmlns:a16="http://schemas.microsoft.com/office/drawing/2014/main" id="{C61298B0-056E-4D83-B168-1C054A17A0CB}"/>
+                    <a16:creationId xmlns:a16="http://schemas.microsoft.com/office/drawing/2014/main" xmlns="" id="{C61298B0-056E-4D83-B168-1C054A17A0CB}"/>
                   </a:ext>
                   <a:ext uri="{C183D7F6-B498-43B3-948B-1728B52AA6E4}">
-                    <adec:decorative xmlns:adec="http://schemas.microsoft.com/office/drawing/2017/decorative" val="1"/>
+                    <adec:decorative xmlns:adec="http://schemas.microsoft.com/office/drawing/2017/decorative" xmlns="" val="1"/>
                   </a:ext>
                 </a:extLst>
               </p:cNvPr>
@@ -19285,7 +19304,7 @@
               <p:nvPr>
                 <p:extLst>
                   <p:ext uri="{386F3935-93C4-4BCD-93E2-E3B085C9AB24}">
-                    <p16:designElem xmlns:p16="http://schemas.microsoft.com/office/powerpoint/2015/main" val="1"/>
+                    <p16:designElem xmlns:p16="http://schemas.microsoft.com/office/powerpoint/2015/main" xmlns="" val="1"/>
                   </p:ext>
                 </p:extLst>
               </p:nvPr>
@@ -19359,8 +19378,8 @@
                 <a:noFill/>
               </a:ln>
               <a:extLst>
-                <a:ext uri="{91240B29-F687-4f45-9708-019B960494DF}">
-                  <a14:hiddenLine xmlns="" xmlns:a16="http://schemas.microsoft.com/office/drawing/2014/main" xmlns:a14="http://schemas.microsoft.com/office/drawing/2010/main" w="9525">
+                <a:ext uri="{91240B29-F687-4F45-9708-019B960494DF}">
+                  <a14:hiddenLine xmlns:a14="http://schemas.microsoft.com/office/drawing/2010/main" w="9525">
                     <a:solidFill>
                       <a:srgbClr val="000000"/>
                     </a:solidFill>
@@ -19377,10 +19396,10 @@
               <p:cNvPr id="24" name="Rectangle 41">
                 <a:extLst>
                   <a:ext uri="{FF2B5EF4-FFF2-40B4-BE49-F238E27FC236}">
-                    <a16:creationId xmlns:a16="http://schemas.microsoft.com/office/drawing/2014/main" id="{9F9E69A2-F9B0-40C2-BDC8-143835426BEF}"/>
+                    <a16:creationId xmlns:a16="http://schemas.microsoft.com/office/drawing/2014/main" xmlns="" id="{9F9E69A2-F9B0-40C2-BDC8-143835426BEF}"/>
                   </a:ext>
                   <a:ext uri="{C183D7F6-B498-43B3-948B-1728B52AA6E4}">
-                    <adec:decorative xmlns:adec="http://schemas.microsoft.com/office/drawing/2017/decorative" val="1"/>
+                    <adec:decorative xmlns:adec="http://schemas.microsoft.com/office/drawing/2017/decorative" xmlns="" val="1"/>
                   </a:ext>
                 </a:extLst>
               </p:cNvPr>
@@ -19390,7 +19409,7 @@
               <p:nvPr>
                 <p:extLst>
                   <p:ext uri="{386F3935-93C4-4BCD-93E2-E3B085C9AB24}">
-                    <p16:designElem xmlns:p16="http://schemas.microsoft.com/office/powerpoint/2015/main" val="1"/>
+                    <p16:designElem xmlns:p16="http://schemas.microsoft.com/office/powerpoint/2015/main" xmlns="" val="1"/>
                   </p:ext>
                 </p:extLst>
               </p:nvPr>
@@ -19408,8 +19427,8 @@
                 <a:noFill/>
               </a:ln>
               <a:extLst>
-                <a:ext uri="{91240B29-F687-4f45-9708-019B960494DF}">
-                  <a14:hiddenLine xmlns="" xmlns:a16="http://schemas.microsoft.com/office/drawing/2014/main" xmlns:a14="http://schemas.microsoft.com/office/drawing/2010/main" w="9525">
+                <a:ext uri="{91240B29-F687-4F45-9708-019B960494DF}">
+                  <a14:hiddenLine xmlns:a14="http://schemas.microsoft.com/office/drawing/2010/main" w="9525">
                     <a:solidFill>
                       <a:srgbClr val="000000"/>
                     </a:solidFill>
@@ -19428,10 +19447,10 @@
           <p:cNvPr id="53" name="Rectangle 52">
             <a:extLst>
               <a:ext uri="{FF2B5EF4-FFF2-40B4-BE49-F238E27FC236}">
-                <a16:creationId xmlns:a16="http://schemas.microsoft.com/office/drawing/2014/main" id="{2EEF4763-EB4A-4A35-89EB-AD2763B48C3B}"/>
+                <a16:creationId xmlns:a16="http://schemas.microsoft.com/office/drawing/2014/main" xmlns="" id="{2EEF4763-EB4A-4A35-89EB-AD2763B48C3B}"/>
               </a:ext>
               <a:ext uri="{C183D7F6-B498-43B3-948B-1728B52AA6E4}">
-                <adec:decorative xmlns:adec="http://schemas.microsoft.com/office/drawing/2017/decorative" val="1"/>
+                <adec:decorative xmlns:adec="http://schemas.microsoft.com/office/drawing/2017/decorative" xmlns="" val="1"/>
               </a:ext>
             </a:extLst>
           </p:cNvPr>
@@ -19441,7 +19460,7 @@
           <p:nvPr>
             <p:extLst>
               <p:ext uri="{386F3935-93C4-4BCD-93E2-E3B085C9AB24}">
-                <p16:designElem xmlns:p16="http://schemas.microsoft.com/office/powerpoint/2015/main" val="1"/>
+                <p16:designElem xmlns:p16="http://schemas.microsoft.com/office/powerpoint/2015/main" xmlns="" val="1"/>
               </p:ext>
             </p:extLst>
           </p:nvPr>
@@ -19520,7 +19539,7 @@
           <p:cNvPr id="6" name="TextBox 3">
             <a:extLst>
               <a:ext uri="{FF2B5EF4-FFF2-40B4-BE49-F238E27FC236}">
-                <a16:creationId xmlns:a16="http://schemas.microsoft.com/office/drawing/2014/main" id="{F097F0EE-4218-0A65-2C96-1A986CC51855}"/>
+                <a16:creationId xmlns:a16="http://schemas.microsoft.com/office/drawing/2014/main" xmlns="" id="{F097F0EE-4218-0A65-2C96-1A986CC51855}"/>
               </a:ext>
             </a:extLst>
           </p:cNvPr>
@@ -19597,72 +19616,15 @@
           <a:chExt cx="0" cy="0"/>
         </a:xfrm>
       </p:grpSpPr>
-      <p:pic>
-        <p:nvPicPr>
-          <p:cNvPr id="157" name="Picture 2">
-            <a:extLst>
-              <a:ext uri="{FF2B5EF4-FFF2-40B4-BE49-F238E27FC236}">
-                <a16:creationId xmlns:a16="http://schemas.microsoft.com/office/drawing/2014/main" id="{5ACD94DE-DE21-4A9D-8875-A1539BE216E8}"/>
-              </a:ext>
-              <a:ext uri="{C183D7F6-B498-43B3-948B-1728B52AA6E4}">
-                <adec:decorative xmlns:adec="http://schemas.microsoft.com/office/drawing/2017/decorative" val="1"/>
-              </a:ext>
-            </a:extLst>
-          </p:cNvPr>
-          <p:cNvPicPr>
-            <a:picLocks noGrp="1" noRot="1" noChangeAspect="1" noMove="1" noResize="1" noEditPoints="1" noAdjustHandles="1" noChangeArrowheads="1" noChangeShapeType="1" noCrop="1"/>
-          </p:cNvPicPr>
-          <p:nvPr>
-            <p:extLst>
-              <p:ext uri="{386F3935-93C4-4BCD-93E2-E3B085C9AB24}">
-                <p16:designElem xmlns:p16="http://schemas.microsoft.com/office/powerpoint/2015/main" val="1"/>
-              </p:ext>
-            </p:extLst>
-          </p:nvPr>
-        </p:nvPicPr>
-        <p:blipFill>
-          <a:blip r:embed="rId3">
-            <a:alphaModFix amt="30000"/>
-            <a:extLst>
-              <a:ext uri="{28A0092B-C50C-407E-A947-70E740481C1C}">
-                <a14:useLocalDpi xmlns:a14="http://schemas.microsoft.com/office/drawing/2010/main" val="0"/>
-              </a:ext>
-            </a:extLst>
-          </a:blip>
-          <a:srcRect/>
-          <a:stretch>
-            <a:fillRect/>
-          </a:stretch>
-        </p:blipFill>
-        <p:spPr bwMode="auto">
-          <a:xfrm>
-            <a:off x="0" y="-1"/>
-            <a:ext cx="12192003" cy="6858001"/>
-          </a:xfrm>
-          <a:prstGeom prst="rect">
-            <a:avLst/>
-          </a:prstGeom>
-          <a:noFill/>
-          <a:extLst>
-            <a:ext uri="{909E8E84-426E-40dd-AFC4-6F175D3DCCD1}">
-              <a14:hiddenFill xmlns="" xmlns:a16="http://schemas.microsoft.com/office/drawing/2014/main" xmlns:p14="http://schemas.microsoft.com/office/powerpoint/2010/main" xmlns:a14="http://schemas.microsoft.com/office/drawing/2010/main">
-                <a:solidFill>
-                  <a:srgbClr val="FFFFFF"/>
-                </a:solidFill>
-              </a14:hiddenFill>
-            </a:ext>
-          </a:extLst>
-        </p:spPr>
-      </p:pic>
       <p:grpSp>
         <p:nvGrpSpPr>
           <p:cNvPr id="159" name="Group 158">
             <a:extLst>
               <a:ext uri="{FF2B5EF4-FFF2-40B4-BE49-F238E27FC236}">
-                <a16:creationId xmlns:a16="http://schemas.microsoft.com/office/drawing/2014/main" id="{A8F3053C-AA2D-43E7-9127-59111DE0E06D}"/>
+                <a16:creationId xmlns:a16="http://schemas.microsoft.com/office/drawing/2014/main" xmlns="" id="{A8F3053C-AA2D-43E7-9127-59111DE0E06D}"/>
               </a:ext>
               <a:ext uri="{C183D7F6-B498-43B3-948B-1728B52AA6E4}">
-                <adec:decorative xmlns:adec="http://schemas.microsoft.com/office/drawing/2017/decorative" val="1"/>
+                <adec:decorative xmlns:adec="http://schemas.microsoft.com/office/drawing/2017/decorative" xmlns="" val="1"/>
               </a:ext>
             </a:extLst>
           </p:cNvPr>
@@ -19672,7 +19634,7 @@
           <p:nvPr>
             <p:extLst>
               <p:ext uri="{386F3935-93C4-4BCD-93E2-E3B085C9AB24}">
-                <p16:designElem xmlns:p16="http://schemas.microsoft.com/office/powerpoint/2015/main" val="1"/>
+                <p16:designElem xmlns:p16="http://schemas.microsoft.com/office/powerpoint/2015/main" xmlns="" val="1"/>
               </p:ext>
             </p:extLst>
           </p:nvPr>
@@ -19690,10 +19652,10 @@
             <p:cNvPr id="160" name="Group 159">
               <a:extLst>
                 <a:ext uri="{FF2B5EF4-FFF2-40B4-BE49-F238E27FC236}">
-                  <a16:creationId xmlns:a16="http://schemas.microsoft.com/office/drawing/2014/main" id="{159025B1-E34F-4772-B2CC-DA9B705D403C}"/>
+                  <a16:creationId xmlns:a16="http://schemas.microsoft.com/office/drawing/2014/main" xmlns="" id="{159025B1-E34F-4772-B2CC-DA9B705D403C}"/>
                 </a:ext>
                 <a:ext uri="{C183D7F6-B498-43B3-948B-1728B52AA6E4}">
-                  <adec:decorative xmlns:adec="http://schemas.microsoft.com/office/drawing/2017/decorative" val="1"/>
+                  <adec:decorative xmlns:adec="http://schemas.microsoft.com/office/drawing/2017/decorative" xmlns="" val="1"/>
                 </a:ext>
               </a:extLst>
             </p:cNvPr>
@@ -19701,7 +19663,7 @@
             <p:nvPr>
               <p:extLst>
                 <p:ext uri="{386F3935-93C4-4BCD-93E2-E3B085C9AB24}">
-                  <p16:designElem xmlns:p16="http://schemas.microsoft.com/office/powerpoint/2015/main" val="1"/>
+                  <p16:designElem xmlns:p16="http://schemas.microsoft.com/office/powerpoint/2015/main" xmlns="" val="1"/>
                 </p:ext>
               </p:extLst>
             </p:nvPr>
@@ -19734,10 +19696,10 @@
               <p:cNvPr id="172" name="Rectangle 5">
                 <a:extLst>
                   <a:ext uri="{FF2B5EF4-FFF2-40B4-BE49-F238E27FC236}">
-                    <a16:creationId xmlns:a16="http://schemas.microsoft.com/office/drawing/2014/main" id="{85E8FDD9-55D5-48E9-BD0F-41FA02C5AD19}"/>
+                    <a16:creationId xmlns:a16="http://schemas.microsoft.com/office/drawing/2014/main" xmlns="" id="{85E8FDD9-55D5-48E9-BD0F-41FA02C5AD19}"/>
                   </a:ext>
                   <a:ext uri="{C183D7F6-B498-43B3-948B-1728B52AA6E4}">
-                    <adec:decorative xmlns:adec="http://schemas.microsoft.com/office/drawing/2017/decorative" val="1"/>
+                    <adec:decorative xmlns:adec="http://schemas.microsoft.com/office/drawing/2017/decorative" xmlns="" val="1"/>
                   </a:ext>
                 </a:extLst>
               </p:cNvPr>
@@ -19747,7 +19709,7 @@
               <p:nvPr>
                 <p:extLst>
                   <p:ext uri="{386F3935-93C4-4BCD-93E2-E3B085C9AB24}">
-                    <p16:designElem xmlns:p16="http://schemas.microsoft.com/office/powerpoint/2015/main" val="1"/>
+                    <p16:designElem xmlns:p16="http://schemas.microsoft.com/office/powerpoint/2015/main" xmlns="" val="1"/>
                   </p:ext>
                 </p:extLst>
               </p:nvPr>
@@ -19765,8 +19727,8 @@
                 <a:noFill/>
               </a:ln>
               <a:extLst>
-                <a:ext uri="{91240B29-F687-4f45-9708-019B960494DF}">
-                  <a14:hiddenLine xmlns="" xmlns:a16="http://schemas.microsoft.com/office/drawing/2014/main" xmlns:p14="http://schemas.microsoft.com/office/powerpoint/2010/main" xmlns:a14="http://schemas.microsoft.com/office/drawing/2010/main" w="9525">
+                <a:ext uri="{91240B29-F687-4F45-9708-019B960494DF}">
+                  <a14:hiddenLine xmlns:a14="http://schemas.microsoft.com/office/drawing/2010/main" w="9525">
                     <a:solidFill>
                       <a:srgbClr val="000000"/>
                     </a:solidFill>
@@ -19783,10 +19745,10 @@
               <p:cNvPr id="173" name="Freeform 6">
                 <a:extLst>
                   <a:ext uri="{FF2B5EF4-FFF2-40B4-BE49-F238E27FC236}">
-                    <a16:creationId xmlns:a16="http://schemas.microsoft.com/office/drawing/2014/main" id="{2C147D99-21B5-462F-B3D9-2D04FC67D8E0}"/>
+                    <a16:creationId xmlns:a16="http://schemas.microsoft.com/office/drawing/2014/main" xmlns="" id="{2C147D99-21B5-462F-B3D9-2D04FC67D8E0}"/>
                   </a:ext>
                   <a:ext uri="{C183D7F6-B498-43B3-948B-1728B52AA6E4}">
-                    <adec:decorative xmlns:adec="http://schemas.microsoft.com/office/drawing/2017/decorative" val="1"/>
+                    <adec:decorative xmlns:adec="http://schemas.microsoft.com/office/drawing/2017/decorative" xmlns="" val="1"/>
                   </a:ext>
                 </a:extLst>
               </p:cNvPr>
@@ -19796,7 +19758,7 @@
               <p:nvPr>
                 <p:extLst>
                   <p:ext uri="{386F3935-93C4-4BCD-93E2-E3B085C9AB24}">
-                    <p16:designElem xmlns:p16="http://schemas.microsoft.com/office/powerpoint/2015/main" val="1"/>
+                    <p16:designElem xmlns:p16="http://schemas.microsoft.com/office/powerpoint/2015/main" xmlns="" val="1"/>
                   </p:ext>
                 </p:extLst>
               </p:nvPr>
@@ -19870,8 +19832,8 @@
                 <a:noFill/>
               </a:ln>
               <a:extLst>
-                <a:ext uri="{91240B29-F687-4f45-9708-019B960494DF}">
-                  <a14:hiddenLine xmlns="" xmlns:a16="http://schemas.microsoft.com/office/drawing/2014/main" xmlns:p14="http://schemas.microsoft.com/office/powerpoint/2010/main" xmlns:a14="http://schemas.microsoft.com/office/drawing/2010/main" w="9525">
+                <a:ext uri="{91240B29-F687-4F45-9708-019B960494DF}">
+                  <a14:hiddenLine xmlns:a14="http://schemas.microsoft.com/office/drawing/2010/main" w="9525">
                     <a:solidFill>
                       <a:srgbClr val="000000"/>
                     </a:solidFill>
@@ -19888,10 +19850,10 @@
               <p:cNvPr id="174" name="Freeform 7">
                 <a:extLst>
                   <a:ext uri="{FF2B5EF4-FFF2-40B4-BE49-F238E27FC236}">
-                    <a16:creationId xmlns:a16="http://schemas.microsoft.com/office/drawing/2014/main" id="{3A84E48A-5D81-47C8-9B35-7891B51623C7}"/>
+                    <a16:creationId xmlns:a16="http://schemas.microsoft.com/office/drawing/2014/main" xmlns="" id="{3A84E48A-5D81-47C8-9B35-7891B51623C7}"/>
                   </a:ext>
                   <a:ext uri="{C183D7F6-B498-43B3-948B-1728B52AA6E4}">
-                    <adec:decorative xmlns:adec="http://schemas.microsoft.com/office/drawing/2017/decorative" val="1"/>
+                    <adec:decorative xmlns:adec="http://schemas.microsoft.com/office/drawing/2017/decorative" xmlns="" val="1"/>
                   </a:ext>
                 </a:extLst>
               </p:cNvPr>
@@ -19901,7 +19863,7 @@
               <p:nvPr>
                 <p:extLst>
                   <p:ext uri="{386F3935-93C4-4BCD-93E2-E3B085C9AB24}">
-                    <p16:designElem xmlns:p16="http://schemas.microsoft.com/office/powerpoint/2015/main" val="1"/>
+                    <p16:designElem xmlns:p16="http://schemas.microsoft.com/office/powerpoint/2015/main" xmlns="" val="1"/>
                   </p:ext>
                 </p:extLst>
               </p:nvPr>
@@ -19975,8 +19937,8 @@
                 <a:noFill/>
               </a:ln>
               <a:extLst>
-                <a:ext uri="{91240B29-F687-4f45-9708-019B960494DF}">
-                  <a14:hiddenLine xmlns="" xmlns:a16="http://schemas.microsoft.com/office/drawing/2014/main" xmlns:p14="http://schemas.microsoft.com/office/powerpoint/2010/main" xmlns:a14="http://schemas.microsoft.com/office/drawing/2010/main" w="9525">
+                <a:ext uri="{91240B29-F687-4F45-9708-019B960494DF}">
+                  <a14:hiddenLine xmlns:a14="http://schemas.microsoft.com/office/drawing/2010/main" w="9525">
                     <a:solidFill>
                       <a:srgbClr val="000000"/>
                     </a:solidFill>
@@ -19993,10 +19955,10 @@
               <p:cNvPr id="175" name="Freeform 8">
                 <a:extLst>
                   <a:ext uri="{FF2B5EF4-FFF2-40B4-BE49-F238E27FC236}">
-                    <a16:creationId xmlns:a16="http://schemas.microsoft.com/office/drawing/2014/main" id="{A7C08433-35BE-4A5A-9C1F-B37DEB48278A}"/>
+                    <a16:creationId xmlns:a16="http://schemas.microsoft.com/office/drawing/2014/main" xmlns="" id="{A7C08433-35BE-4A5A-9C1F-B37DEB48278A}"/>
                   </a:ext>
                   <a:ext uri="{C183D7F6-B498-43B3-948B-1728B52AA6E4}">
-                    <adec:decorative xmlns:adec="http://schemas.microsoft.com/office/drawing/2017/decorative" val="1"/>
+                    <adec:decorative xmlns:adec="http://schemas.microsoft.com/office/drawing/2017/decorative" xmlns="" val="1"/>
                   </a:ext>
                 </a:extLst>
               </p:cNvPr>
@@ -20004,7 +19966,7 @@
               <p:nvPr>
                 <p:extLst>
                   <p:ext uri="{386F3935-93C4-4BCD-93E2-E3B085C9AB24}">
-                    <p16:designElem xmlns:p16="http://schemas.microsoft.com/office/powerpoint/2015/main" val="1"/>
+                    <p16:designElem xmlns:p16="http://schemas.microsoft.com/office/powerpoint/2015/main" xmlns="" val="1"/>
                   </p:ext>
                 </p:extLst>
               </p:nvPr>
@@ -20052,8 +20014,8 @@
                 <a:noFill/>
               </a:ln>
               <a:extLst>
-                <a:ext uri="{91240B29-F687-4f45-9708-019B960494DF}">
-                  <a14:hiddenLine xmlns="" xmlns:a16="http://schemas.microsoft.com/office/drawing/2014/main" xmlns:p14="http://schemas.microsoft.com/office/powerpoint/2010/main" xmlns:a14="http://schemas.microsoft.com/office/drawing/2010/main" w="9525">
+                <a:ext uri="{91240B29-F687-4F45-9708-019B960494DF}">
+                  <a14:hiddenLine xmlns:a14="http://schemas.microsoft.com/office/drawing/2010/main" w="9525">
                     <a:solidFill>
                       <a:srgbClr val="000000"/>
                     </a:solidFill>
@@ -20070,10 +20032,10 @@
               <p:cNvPr id="176" name="Freeform 9">
                 <a:extLst>
                   <a:ext uri="{FF2B5EF4-FFF2-40B4-BE49-F238E27FC236}">
-                    <a16:creationId xmlns:a16="http://schemas.microsoft.com/office/drawing/2014/main" id="{D0B8201B-0CB0-4F9E-ACB0-DD75292348FC}"/>
+                    <a16:creationId xmlns:a16="http://schemas.microsoft.com/office/drawing/2014/main" xmlns="" id="{D0B8201B-0CB0-4F9E-ACB0-DD75292348FC}"/>
                   </a:ext>
                   <a:ext uri="{C183D7F6-B498-43B3-948B-1728B52AA6E4}">
-                    <adec:decorative xmlns:adec="http://schemas.microsoft.com/office/drawing/2017/decorative" val="1"/>
+                    <adec:decorative xmlns:adec="http://schemas.microsoft.com/office/drawing/2017/decorative" xmlns="" val="1"/>
                   </a:ext>
                 </a:extLst>
               </p:cNvPr>
@@ -20083,7 +20045,7 @@
               <p:nvPr>
                 <p:extLst>
                   <p:ext uri="{386F3935-93C4-4BCD-93E2-E3B085C9AB24}">
-                    <p16:designElem xmlns:p16="http://schemas.microsoft.com/office/powerpoint/2015/main" val="1"/>
+                    <p16:designElem xmlns:p16="http://schemas.microsoft.com/office/powerpoint/2015/main" xmlns="" val="1"/>
                   </p:ext>
                 </p:extLst>
               </p:nvPr>
@@ -20157,8 +20119,8 @@
                 <a:noFill/>
               </a:ln>
               <a:extLst>
-                <a:ext uri="{91240B29-F687-4f45-9708-019B960494DF}">
-                  <a14:hiddenLine xmlns="" xmlns:a16="http://schemas.microsoft.com/office/drawing/2014/main" xmlns:p14="http://schemas.microsoft.com/office/powerpoint/2010/main" xmlns:a14="http://schemas.microsoft.com/office/drawing/2010/main" w="9525">
+                <a:ext uri="{91240B29-F687-4F45-9708-019B960494DF}">
+                  <a14:hiddenLine xmlns:a14="http://schemas.microsoft.com/office/drawing/2010/main" w="9525">
                     <a:solidFill>
                       <a:srgbClr val="000000"/>
                     </a:solidFill>
@@ -20175,10 +20137,10 @@
               <p:cNvPr id="177" name="Freeform 10">
                 <a:extLst>
                   <a:ext uri="{FF2B5EF4-FFF2-40B4-BE49-F238E27FC236}">
-                    <a16:creationId xmlns:a16="http://schemas.microsoft.com/office/drawing/2014/main" id="{888D2777-7FAE-47C4-9E1A-3C4D015CFB2B}"/>
+                    <a16:creationId xmlns:a16="http://schemas.microsoft.com/office/drawing/2014/main" xmlns="" id="{888D2777-7FAE-47C4-9E1A-3C4D015CFB2B}"/>
                   </a:ext>
                   <a:ext uri="{C183D7F6-B498-43B3-948B-1728B52AA6E4}">
-                    <adec:decorative xmlns:adec="http://schemas.microsoft.com/office/drawing/2017/decorative" val="1"/>
+                    <adec:decorative xmlns:adec="http://schemas.microsoft.com/office/drawing/2017/decorative" xmlns="" val="1"/>
                   </a:ext>
                 </a:extLst>
               </p:cNvPr>
@@ -20186,7 +20148,7 @@
               <p:nvPr>
                 <p:extLst>
                   <p:ext uri="{386F3935-93C4-4BCD-93E2-E3B085C9AB24}">
-                    <p16:designElem xmlns:p16="http://schemas.microsoft.com/office/powerpoint/2015/main" val="1"/>
+                    <p16:designElem xmlns:p16="http://schemas.microsoft.com/office/powerpoint/2015/main" xmlns="" val="1"/>
                   </p:ext>
                 </p:extLst>
               </p:nvPr>
@@ -20234,8 +20196,8 @@
                 <a:noFill/>
               </a:ln>
               <a:extLst>
-                <a:ext uri="{91240B29-F687-4f45-9708-019B960494DF}">
-                  <a14:hiddenLine xmlns="" xmlns:a16="http://schemas.microsoft.com/office/drawing/2014/main" xmlns:p14="http://schemas.microsoft.com/office/powerpoint/2010/main" xmlns:a14="http://schemas.microsoft.com/office/drawing/2010/main" w="9525">
+                <a:ext uri="{91240B29-F687-4F45-9708-019B960494DF}">
+                  <a14:hiddenLine xmlns:a14="http://schemas.microsoft.com/office/drawing/2010/main" w="9525">
                     <a:solidFill>
                       <a:srgbClr val="000000"/>
                     </a:solidFill>
@@ -20252,10 +20214,10 @@
               <p:cNvPr id="178" name="Freeform 11">
                 <a:extLst>
                   <a:ext uri="{FF2B5EF4-FFF2-40B4-BE49-F238E27FC236}">
-                    <a16:creationId xmlns:a16="http://schemas.microsoft.com/office/drawing/2014/main" id="{CE168F44-CB11-4900-AC9E-3EBEC8016003}"/>
+                    <a16:creationId xmlns:a16="http://schemas.microsoft.com/office/drawing/2014/main" xmlns="" id="{CE168F44-CB11-4900-AC9E-3EBEC8016003}"/>
                   </a:ext>
                   <a:ext uri="{C183D7F6-B498-43B3-948B-1728B52AA6E4}">
-                    <adec:decorative xmlns:adec="http://schemas.microsoft.com/office/drawing/2017/decorative" val="1"/>
+                    <adec:decorative xmlns:adec="http://schemas.microsoft.com/office/drawing/2017/decorative" xmlns="" val="1"/>
                   </a:ext>
                 </a:extLst>
               </p:cNvPr>
@@ -20263,7 +20225,7 @@
               <p:nvPr>
                 <p:extLst>
                   <p:ext uri="{386F3935-93C4-4BCD-93E2-E3B085C9AB24}">
-                    <p16:designElem xmlns:p16="http://schemas.microsoft.com/office/powerpoint/2015/main" val="1"/>
+                    <p16:designElem xmlns:p16="http://schemas.microsoft.com/office/powerpoint/2015/main" xmlns="" val="1"/>
                   </p:ext>
                 </p:extLst>
               </p:nvPr>
@@ -20311,8 +20273,8 @@
                 <a:noFill/>
               </a:ln>
               <a:extLst>
-                <a:ext uri="{91240B29-F687-4f45-9708-019B960494DF}">
-                  <a14:hiddenLine xmlns="" xmlns:a16="http://schemas.microsoft.com/office/drawing/2014/main" xmlns:p14="http://schemas.microsoft.com/office/powerpoint/2010/main" xmlns:a14="http://schemas.microsoft.com/office/drawing/2010/main" w="9525">
+                <a:ext uri="{91240B29-F687-4F45-9708-019B960494DF}">
+                  <a14:hiddenLine xmlns:a14="http://schemas.microsoft.com/office/drawing/2010/main" w="9525">
                     <a:solidFill>
                       <a:srgbClr val="000000"/>
                     </a:solidFill>
@@ -20329,10 +20291,10 @@
               <p:cNvPr id="179" name="Freeform 12">
                 <a:extLst>
                   <a:ext uri="{FF2B5EF4-FFF2-40B4-BE49-F238E27FC236}">
-                    <a16:creationId xmlns:a16="http://schemas.microsoft.com/office/drawing/2014/main" id="{A0F39381-D3B3-4EBE-80AB-F3AA4D188956}"/>
+                    <a16:creationId xmlns:a16="http://schemas.microsoft.com/office/drawing/2014/main" xmlns="" id="{A0F39381-D3B3-4EBE-80AB-F3AA4D188956}"/>
                   </a:ext>
                   <a:ext uri="{C183D7F6-B498-43B3-948B-1728B52AA6E4}">
-                    <adec:decorative xmlns:adec="http://schemas.microsoft.com/office/drawing/2017/decorative" val="1"/>
+                    <adec:decorative xmlns:adec="http://schemas.microsoft.com/office/drawing/2017/decorative" xmlns="" val="1"/>
                   </a:ext>
                 </a:extLst>
               </p:cNvPr>
@@ -20342,7 +20304,7 @@
               <p:nvPr>
                 <p:extLst>
                   <p:ext uri="{386F3935-93C4-4BCD-93E2-E3B085C9AB24}">
-                    <p16:designElem xmlns:p16="http://schemas.microsoft.com/office/powerpoint/2015/main" val="1"/>
+                    <p16:designElem xmlns:p16="http://schemas.microsoft.com/office/powerpoint/2015/main" xmlns="" val="1"/>
                   </p:ext>
                 </p:extLst>
               </p:nvPr>
@@ -20416,8 +20378,8 @@
                 <a:noFill/>
               </a:ln>
               <a:extLst>
-                <a:ext uri="{91240B29-F687-4f45-9708-019B960494DF}">
-                  <a14:hiddenLine xmlns="" xmlns:a16="http://schemas.microsoft.com/office/drawing/2014/main" xmlns:p14="http://schemas.microsoft.com/office/powerpoint/2010/main" xmlns:a14="http://schemas.microsoft.com/office/drawing/2010/main" w="9525">
+                <a:ext uri="{91240B29-F687-4F45-9708-019B960494DF}">
+                  <a14:hiddenLine xmlns:a14="http://schemas.microsoft.com/office/drawing/2010/main" w="9525">
                     <a:solidFill>
                       <a:srgbClr val="000000"/>
                     </a:solidFill>
@@ -20434,10 +20396,10 @@
               <p:cNvPr id="180" name="Freeform 13">
                 <a:extLst>
                   <a:ext uri="{FF2B5EF4-FFF2-40B4-BE49-F238E27FC236}">
-                    <a16:creationId xmlns:a16="http://schemas.microsoft.com/office/drawing/2014/main" id="{F8B41A7C-3B6F-4BEF-B1FA-4869947AE74E}"/>
+                    <a16:creationId xmlns:a16="http://schemas.microsoft.com/office/drawing/2014/main" xmlns="" id="{F8B41A7C-3B6F-4BEF-B1FA-4869947AE74E}"/>
                   </a:ext>
                   <a:ext uri="{C183D7F6-B498-43B3-948B-1728B52AA6E4}">
-                    <adec:decorative xmlns:adec="http://schemas.microsoft.com/office/drawing/2017/decorative" val="1"/>
+                    <adec:decorative xmlns:adec="http://schemas.microsoft.com/office/drawing/2017/decorative" xmlns="" val="1"/>
                   </a:ext>
                 </a:extLst>
               </p:cNvPr>
@@ -20447,7 +20409,7 @@
               <p:nvPr>
                 <p:extLst>
                   <p:ext uri="{386F3935-93C4-4BCD-93E2-E3B085C9AB24}">
-                    <p16:designElem xmlns:p16="http://schemas.microsoft.com/office/powerpoint/2015/main" val="1"/>
+                    <p16:designElem xmlns:p16="http://schemas.microsoft.com/office/powerpoint/2015/main" xmlns="" val="1"/>
                   </p:ext>
                 </p:extLst>
               </p:nvPr>
@@ -20521,8 +20483,8 @@
                 <a:noFill/>
               </a:ln>
               <a:extLst>
-                <a:ext uri="{91240B29-F687-4f45-9708-019B960494DF}">
-                  <a14:hiddenLine xmlns="" xmlns:a16="http://schemas.microsoft.com/office/drawing/2014/main" xmlns:p14="http://schemas.microsoft.com/office/powerpoint/2010/main" xmlns:a14="http://schemas.microsoft.com/office/drawing/2010/main" w="9525">
+                <a:ext uri="{91240B29-F687-4F45-9708-019B960494DF}">
+                  <a14:hiddenLine xmlns:a14="http://schemas.microsoft.com/office/drawing/2010/main" w="9525">
                     <a:solidFill>
                       <a:srgbClr val="000000"/>
                     </a:solidFill>
@@ -20539,10 +20501,10 @@
               <p:cNvPr id="181" name="Freeform 14">
                 <a:extLst>
                   <a:ext uri="{FF2B5EF4-FFF2-40B4-BE49-F238E27FC236}">
-                    <a16:creationId xmlns:a16="http://schemas.microsoft.com/office/drawing/2014/main" id="{9A08FB39-6EFB-4948-88F2-6EB113F1051B}"/>
+                    <a16:creationId xmlns:a16="http://schemas.microsoft.com/office/drawing/2014/main" xmlns="" id="{9A08FB39-6EFB-4948-88F2-6EB113F1051B}"/>
                   </a:ext>
                   <a:ext uri="{C183D7F6-B498-43B3-948B-1728B52AA6E4}">
-                    <adec:decorative xmlns:adec="http://schemas.microsoft.com/office/drawing/2017/decorative" val="1"/>
+                    <adec:decorative xmlns:adec="http://schemas.microsoft.com/office/drawing/2017/decorative" xmlns="" val="1"/>
                   </a:ext>
                 </a:extLst>
               </p:cNvPr>
@@ -20550,7 +20512,7 @@
               <p:nvPr>
                 <p:extLst>
                   <p:ext uri="{386F3935-93C4-4BCD-93E2-E3B085C9AB24}">
-                    <p16:designElem xmlns:p16="http://schemas.microsoft.com/office/powerpoint/2015/main" val="1"/>
+                    <p16:designElem xmlns:p16="http://schemas.microsoft.com/office/powerpoint/2015/main" xmlns="" val="1"/>
                   </p:ext>
                 </p:extLst>
               </p:nvPr>
@@ -20598,8 +20560,8 @@
                 <a:noFill/>
               </a:ln>
               <a:extLst>
-                <a:ext uri="{91240B29-F687-4f45-9708-019B960494DF}">
-                  <a14:hiddenLine xmlns="" xmlns:a16="http://schemas.microsoft.com/office/drawing/2014/main" xmlns:p14="http://schemas.microsoft.com/office/powerpoint/2010/main" xmlns:a14="http://schemas.microsoft.com/office/drawing/2010/main" w="9525">
+                <a:ext uri="{91240B29-F687-4F45-9708-019B960494DF}">
+                  <a14:hiddenLine xmlns:a14="http://schemas.microsoft.com/office/drawing/2010/main" w="9525">
                     <a:solidFill>
                       <a:srgbClr val="000000"/>
                     </a:solidFill>
@@ -20616,10 +20578,10 @@
               <p:cNvPr id="182" name="Freeform 15">
                 <a:extLst>
                   <a:ext uri="{FF2B5EF4-FFF2-40B4-BE49-F238E27FC236}">
-                    <a16:creationId xmlns:a16="http://schemas.microsoft.com/office/drawing/2014/main" id="{32489CF5-34F9-4676-8FC8-EA47623A9F5F}"/>
+                    <a16:creationId xmlns:a16="http://schemas.microsoft.com/office/drawing/2014/main" xmlns="" id="{32489CF5-34F9-4676-8FC8-EA47623A9F5F}"/>
                   </a:ext>
                   <a:ext uri="{C183D7F6-B498-43B3-948B-1728B52AA6E4}">
-                    <adec:decorative xmlns:adec="http://schemas.microsoft.com/office/drawing/2017/decorative" val="1"/>
+                    <adec:decorative xmlns:adec="http://schemas.microsoft.com/office/drawing/2017/decorative" xmlns="" val="1"/>
                   </a:ext>
                 </a:extLst>
               </p:cNvPr>
@@ -20629,7 +20591,7 @@
               <p:nvPr>
                 <p:extLst>
                   <p:ext uri="{386F3935-93C4-4BCD-93E2-E3B085C9AB24}">
-                    <p16:designElem xmlns:p16="http://schemas.microsoft.com/office/powerpoint/2015/main" val="1"/>
+                    <p16:designElem xmlns:p16="http://schemas.microsoft.com/office/powerpoint/2015/main" xmlns="" val="1"/>
                   </p:ext>
                 </p:extLst>
               </p:nvPr>
@@ -20723,8 +20685,8 @@
                 <a:noFill/>
               </a:ln>
               <a:extLst>
-                <a:ext uri="{91240B29-F687-4f45-9708-019B960494DF}">
-                  <a14:hiddenLine xmlns="" xmlns:a16="http://schemas.microsoft.com/office/drawing/2014/main" xmlns:p14="http://schemas.microsoft.com/office/powerpoint/2010/main" xmlns:a14="http://schemas.microsoft.com/office/drawing/2010/main" w="9525">
+                <a:ext uri="{91240B29-F687-4F45-9708-019B960494DF}">
+                  <a14:hiddenLine xmlns:a14="http://schemas.microsoft.com/office/drawing/2010/main" w="9525">
                     <a:solidFill>
                       <a:srgbClr val="000000"/>
                     </a:solidFill>
@@ -20741,10 +20703,10 @@
               <p:cNvPr id="183" name="Line 16">
                 <a:extLst>
                   <a:ext uri="{FF2B5EF4-FFF2-40B4-BE49-F238E27FC236}">
-                    <a16:creationId xmlns:a16="http://schemas.microsoft.com/office/drawing/2014/main" id="{6E6A81FE-6687-4E45-86EE-506158CFC01C}"/>
+                    <a16:creationId xmlns:a16="http://schemas.microsoft.com/office/drawing/2014/main" xmlns="" id="{6E6A81FE-6687-4E45-86EE-506158CFC01C}"/>
                   </a:ext>
                   <a:ext uri="{C183D7F6-B498-43B3-948B-1728B52AA6E4}">
-                    <adec:decorative xmlns:adec="http://schemas.microsoft.com/office/drawing/2017/decorative" val="1"/>
+                    <adec:decorative xmlns:adec="http://schemas.microsoft.com/office/drawing/2017/decorative" xmlns="" val="1"/>
                   </a:ext>
                 </a:extLst>
               </p:cNvPr>
@@ -20754,7 +20716,7 @@
               <p:nvPr>
                 <p:extLst>
                   <p:ext uri="{386F3935-93C4-4BCD-93E2-E3B085C9AB24}">
-                    <p16:designElem xmlns:p16="http://schemas.microsoft.com/office/powerpoint/2015/main" val="1"/>
+                    <p16:designElem xmlns:p16="http://schemas.microsoft.com/office/powerpoint/2015/main" xmlns="" val="1"/>
                   </p:ext>
                 </p:extLst>
               </p:nvPr>
@@ -20784,10 +20746,10 @@
               <p:cNvPr id="184" name="Freeform 17">
                 <a:extLst>
                   <a:ext uri="{FF2B5EF4-FFF2-40B4-BE49-F238E27FC236}">
-                    <a16:creationId xmlns:a16="http://schemas.microsoft.com/office/drawing/2014/main" id="{085F56DC-138C-4970-A499-1F8C4FBADFEF}"/>
+                    <a16:creationId xmlns:a16="http://schemas.microsoft.com/office/drawing/2014/main" xmlns="" id="{085F56DC-138C-4970-A499-1F8C4FBADFEF}"/>
                   </a:ext>
                   <a:ext uri="{C183D7F6-B498-43B3-948B-1728B52AA6E4}">
-                    <adec:decorative xmlns:adec="http://schemas.microsoft.com/office/drawing/2017/decorative" val="1"/>
+                    <adec:decorative xmlns:adec="http://schemas.microsoft.com/office/drawing/2017/decorative" xmlns="" val="1"/>
                   </a:ext>
                 </a:extLst>
               </p:cNvPr>
@@ -20795,7 +20757,7 @@
               <p:nvPr>
                 <p:extLst>
                   <p:ext uri="{386F3935-93C4-4BCD-93E2-E3B085C9AB24}">
-                    <p16:designElem xmlns:p16="http://schemas.microsoft.com/office/powerpoint/2015/main" val="1"/>
+                    <p16:designElem xmlns:p16="http://schemas.microsoft.com/office/powerpoint/2015/main" xmlns="" val="1"/>
                   </p:ext>
                 </p:extLst>
               </p:nvPr>
@@ -20837,8 +20799,8 @@
                 <a:noFill/>
               </a:ln>
               <a:extLst>
-                <a:ext uri="{91240B29-F687-4f45-9708-019B960494DF}">
-                  <a14:hiddenLine xmlns="" xmlns:a16="http://schemas.microsoft.com/office/drawing/2014/main" xmlns:p14="http://schemas.microsoft.com/office/powerpoint/2010/main" xmlns:a14="http://schemas.microsoft.com/office/drawing/2010/main" w="9525">
+                <a:ext uri="{91240B29-F687-4F45-9708-019B960494DF}">
+                  <a14:hiddenLine xmlns:a14="http://schemas.microsoft.com/office/drawing/2010/main" w="9525">
                     <a:solidFill>
                       <a:srgbClr val="000000"/>
                     </a:solidFill>
@@ -20855,10 +20817,10 @@
               <p:cNvPr id="185" name="Freeform 18">
                 <a:extLst>
                   <a:ext uri="{FF2B5EF4-FFF2-40B4-BE49-F238E27FC236}">
-                    <a16:creationId xmlns:a16="http://schemas.microsoft.com/office/drawing/2014/main" id="{2241CFC6-2DD5-4908-95FF-C76F3F432770}"/>
+                    <a16:creationId xmlns:a16="http://schemas.microsoft.com/office/drawing/2014/main" xmlns="" id="{2241CFC6-2DD5-4908-95FF-C76F3F432770}"/>
                   </a:ext>
                   <a:ext uri="{C183D7F6-B498-43B3-948B-1728B52AA6E4}">
-                    <adec:decorative xmlns:adec="http://schemas.microsoft.com/office/drawing/2017/decorative" val="1"/>
+                    <adec:decorative xmlns:adec="http://schemas.microsoft.com/office/drawing/2017/decorative" xmlns="" val="1"/>
                   </a:ext>
                 </a:extLst>
               </p:cNvPr>
@@ -20866,7 +20828,7 @@
               <p:nvPr>
                 <p:extLst>
                   <p:ext uri="{386F3935-93C4-4BCD-93E2-E3B085C9AB24}">
-                    <p16:designElem xmlns:p16="http://schemas.microsoft.com/office/powerpoint/2015/main" val="1"/>
+                    <p16:designElem xmlns:p16="http://schemas.microsoft.com/office/powerpoint/2015/main" xmlns="" val="1"/>
                   </p:ext>
                 </p:extLst>
               </p:nvPr>
@@ -20914,8 +20876,8 @@
                 <a:noFill/>
               </a:ln>
               <a:extLst>
-                <a:ext uri="{91240B29-F687-4f45-9708-019B960494DF}">
-                  <a14:hiddenLine xmlns="" xmlns:a16="http://schemas.microsoft.com/office/drawing/2014/main" xmlns:p14="http://schemas.microsoft.com/office/powerpoint/2010/main" xmlns:a14="http://schemas.microsoft.com/office/drawing/2010/main" w="9525">
+                <a:ext uri="{91240B29-F687-4F45-9708-019B960494DF}">
+                  <a14:hiddenLine xmlns:a14="http://schemas.microsoft.com/office/drawing/2010/main" w="9525">
                     <a:solidFill>
                       <a:srgbClr val="000000"/>
                     </a:solidFill>
@@ -20932,10 +20894,10 @@
               <p:cNvPr id="186" name="Freeform 19">
                 <a:extLst>
                   <a:ext uri="{FF2B5EF4-FFF2-40B4-BE49-F238E27FC236}">
-                    <a16:creationId xmlns:a16="http://schemas.microsoft.com/office/drawing/2014/main" id="{EAE9ABAC-3BE1-44E6-A764-8B7884E839AF}"/>
+                    <a16:creationId xmlns:a16="http://schemas.microsoft.com/office/drawing/2014/main" xmlns="" id="{EAE9ABAC-3BE1-44E6-A764-8B7884E839AF}"/>
                   </a:ext>
                   <a:ext uri="{C183D7F6-B498-43B3-948B-1728B52AA6E4}">
-                    <adec:decorative xmlns:adec="http://schemas.microsoft.com/office/drawing/2017/decorative" val="1"/>
+                    <adec:decorative xmlns:adec="http://schemas.microsoft.com/office/drawing/2017/decorative" xmlns="" val="1"/>
                   </a:ext>
                 </a:extLst>
               </p:cNvPr>
@@ -20943,7 +20905,7 @@
               <p:nvPr>
                 <p:extLst>
                   <p:ext uri="{386F3935-93C4-4BCD-93E2-E3B085C9AB24}">
-                    <p16:designElem xmlns:p16="http://schemas.microsoft.com/office/powerpoint/2015/main" val="1"/>
+                    <p16:designElem xmlns:p16="http://schemas.microsoft.com/office/powerpoint/2015/main" xmlns="" val="1"/>
                   </p:ext>
                 </p:extLst>
               </p:nvPr>
@@ -20991,8 +20953,8 @@
                 <a:noFill/>
               </a:ln>
               <a:extLst>
-                <a:ext uri="{91240B29-F687-4f45-9708-019B960494DF}">
-                  <a14:hiddenLine xmlns="" xmlns:a16="http://schemas.microsoft.com/office/drawing/2014/main" xmlns:p14="http://schemas.microsoft.com/office/powerpoint/2010/main" xmlns:a14="http://schemas.microsoft.com/office/drawing/2010/main" w="9525">
+                <a:ext uri="{91240B29-F687-4F45-9708-019B960494DF}">
+                  <a14:hiddenLine xmlns:a14="http://schemas.microsoft.com/office/drawing/2010/main" w="9525">
                     <a:solidFill>
                       <a:srgbClr val="000000"/>
                     </a:solidFill>
@@ -21009,10 +20971,10 @@
               <p:cNvPr id="187" name="Freeform 20">
                 <a:extLst>
                   <a:ext uri="{FF2B5EF4-FFF2-40B4-BE49-F238E27FC236}">
-                    <a16:creationId xmlns:a16="http://schemas.microsoft.com/office/drawing/2014/main" id="{39874D11-3018-499B-BD78-11BB954BDF56}"/>
+                    <a16:creationId xmlns:a16="http://schemas.microsoft.com/office/drawing/2014/main" xmlns="" id="{39874D11-3018-499B-BD78-11BB954BDF56}"/>
                   </a:ext>
                   <a:ext uri="{C183D7F6-B498-43B3-948B-1728B52AA6E4}">
-                    <adec:decorative xmlns:adec="http://schemas.microsoft.com/office/drawing/2017/decorative" val="1"/>
+                    <adec:decorative xmlns:adec="http://schemas.microsoft.com/office/drawing/2017/decorative" xmlns="" val="1"/>
                   </a:ext>
                 </a:extLst>
               </p:cNvPr>
@@ -21022,7 +20984,7 @@
               <p:nvPr>
                 <p:extLst>
                   <p:ext uri="{386F3935-93C4-4BCD-93E2-E3B085C9AB24}">
-                    <p16:designElem xmlns:p16="http://schemas.microsoft.com/office/powerpoint/2015/main" val="1"/>
+                    <p16:designElem xmlns:p16="http://schemas.microsoft.com/office/powerpoint/2015/main" xmlns="" val="1"/>
                   </p:ext>
                 </p:extLst>
               </p:nvPr>
@@ -21096,8 +21058,8 @@
                 <a:noFill/>
               </a:ln>
               <a:extLst>
-                <a:ext uri="{91240B29-F687-4f45-9708-019B960494DF}">
-                  <a14:hiddenLine xmlns="" xmlns:a16="http://schemas.microsoft.com/office/drawing/2014/main" xmlns:p14="http://schemas.microsoft.com/office/powerpoint/2010/main" xmlns:a14="http://schemas.microsoft.com/office/drawing/2010/main" w="9525">
+                <a:ext uri="{91240B29-F687-4F45-9708-019B960494DF}">
+                  <a14:hiddenLine xmlns:a14="http://schemas.microsoft.com/office/drawing/2010/main" w="9525">
                     <a:solidFill>
                       <a:srgbClr val="000000"/>
                     </a:solidFill>
@@ -21114,10 +21076,10 @@
               <p:cNvPr id="188" name="Rectangle 21">
                 <a:extLst>
                   <a:ext uri="{FF2B5EF4-FFF2-40B4-BE49-F238E27FC236}">
-                    <a16:creationId xmlns:a16="http://schemas.microsoft.com/office/drawing/2014/main" id="{9D4461D3-04C7-495D-BA09-8D5311E9DA70}"/>
+                    <a16:creationId xmlns:a16="http://schemas.microsoft.com/office/drawing/2014/main" xmlns="" id="{9D4461D3-04C7-495D-BA09-8D5311E9DA70}"/>
                   </a:ext>
                   <a:ext uri="{C183D7F6-B498-43B3-948B-1728B52AA6E4}">
-                    <adec:decorative xmlns:adec="http://schemas.microsoft.com/office/drawing/2017/decorative" val="1"/>
+                    <adec:decorative xmlns:adec="http://schemas.microsoft.com/office/drawing/2017/decorative" xmlns="" val="1"/>
                   </a:ext>
                 </a:extLst>
               </p:cNvPr>
@@ -21127,7 +21089,7 @@
               <p:nvPr>
                 <p:extLst>
                   <p:ext uri="{386F3935-93C4-4BCD-93E2-E3B085C9AB24}">
-                    <p16:designElem xmlns:p16="http://schemas.microsoft.com/office/powerpoint/2015/main" val="1"/>
+                    <p16:designElem xmlns:p16="http://schemas.microsoft.com/office/powerpoint/2015/main" xmlns="" val="1"/>
                   </p:ext>
                 </p:extLst>
               </p:nvPr>
@@ -21145,8 +21107,8 @@
                 <a:noFill/>
               </a:ln>
               <a:extLst>
-                <a:ext uri="{91240B29-F687-4f45-9708-019B960494DF}">
-                  <a14:hiddenLine xmlns="" xmlns:a16="http://schemas.microsoft.com/office/drawing/2014/main" xmlns:p14="http://schemas.microsoft.com/office/powerpoint/2010/main" xmlns:a14="http://schemas.microsoft.com/office/drawing/2010/main" w="9525">
+                <a:ext uri="{91240B29-F687-4F45-9708-019B960494DF}">
+                  <a14:hiddenLine xmlns:a14="http://schemas.microsoft.com/office/drawing/2010/main" w="9525">
                     <a:solidFill>
                       <a:srgbClr val="000000"/>
                     </a:solidFill>
@@ -21163,10 +21125,10 @@
               <p:cNvPr id="189" name="Freeform 22">
                 <a:extLst>
                   <a:ext uri="{FF2B5EF4-FFF2-40B4-BE49-F238E27FC236}">
-                    <a16:creationId xmlns:a16="http://schemas.microsoft.com/office/drawing/2014/main" id="{BF405972-B14C-45E8-9F0C-E2F11F1CF089}"/>
+                    <a16:creationId xmlns:a16="http://schemas.microsoft.com/office/drawing/2014/main" xmlns="" id="{BF405972-B14C-45E8-9F0C-E2F11F1CF089}"/>
                   </a:ext>
                   <a:ext uri="{C183D7F6-B498-43B3-948B-1728B52AA6E4}">
-                    <adec:decorative xmlns:adec="http://schemas.microsoft.com/office/drawing/2017/decorative" val="1"/>
+                    <adec:decorative xmlns:adec="http://schemas.microsoft.com/office/drawing/2017/decorative" xmlns="" val="1"/>
                   </a:ext>
                 </a:extLst>
               </p:cNvPr>
@@ -21174,7 +21136,7 @@
               <p:nvPr>
                 <p:extLst>
                   <p:ext uri="{386F3935-93C4-4BCD-93E2-E3B085C9AB24}">
-                    <p16:designElem xmlns:p16="http://schemas.microsoft.com/office/powerpoint/2015/main" val="1"/>
+                    <p16:designElem xmlns:p16="http://schemas.microsoft.com/office/powerpoint/2015/main" xmlns="" val="1"/>
                   </p:ext>
                 </p:extLst>
               </p:nvPr>
@@ -21225,8 +21187,8 @@
                 <a:noFill/>
               </a:ln>
               <a:extLst>
-                <a:ext uri="{91240B29-F687-4f45-9708-019B960494DF}">
-                  <a14:hiddenLine xmlns="" xmlns:a16="http://schemas.microsoft.com/office/drawing/2014/main" xmlns:p14="http://schemas.microsoft.com/office/powerpoint/2010/main" xmlns:a14="http://schemas.microsoft.com/office/drawing/2010/main" w="9525">
+                <a:ext uri="{91240B29-F687-4F45-9708-019B960494DF}">
+                  <a14:hiddenLine xmlns:a14="http://schemas.microsoft.com/office/drawing/2010/main" w="9525">
                     <a:solidFill>
                       <a:srgbClr val="000000"/>
                     </a:solidFill>
@@ -21243,10 +21205,10 @@
               <p:cNvPr id="190" name="Freeform 23">
                 <a:extLst>
                   <a:ext uri="{FF2B5EF4-FFF2-40B4-BE49-F238E27FC236}">
-                    <a16:creationId xmlns:a16="http://schemas.microsoft.com/office/drawing/2014/main" id="{D7939026-A689-46F4-97AC-5F68665D7DF9}"/>
+                    <a16:creationId xmlns:a16="http://schemas.microsoft.com/office/drawing/2014/main" xmlns="" id="{D7939026-A689-46F4-97AC-5F68665D7DF9}"/>
                   </a:ext>
                   <a:ext uri="{C183D7F6-B498-43B3-948B-1728B52AA6E4}">
-                    <adec:decorative xmlns:adec="http://schemas.microsoft.com/office/drawing/2017/decorative" val="1"/>
+                    <adec:decorative xmlns:adec="http://schemas.microsoft.com/office/drawing/2017/decorative" xmlns="" val="1"/>
                   </a:ext>
                 </a:extLst>
               </p:cNvPr>
@@ -21256,7 +21218,7 @@
               <p:nvPr>
                 <p:extLst>
                   <p:ext uri="{386F3935-93C4-4BCD-93E2-E3B085C9AB24}">
-                    <p16:designElem xmlns:p16="http://schemas.microsoft.com/office/powerpoint/2015/main" val="1"/>
+                    <p16:designElem xmlns:p16="http://schemas.microsoft.com/office/powerpoint/2015/main" xmlns="" val="1"/>
                   </p:ext>
                 </p:extLst>
               </p:nvPr>
@@ -21330,8 +21292,8 @@
                 <a:noFill/>
               </a:ln>
               <a:extLst>
-                <a:ext uri="{91240B29-F687-4f45-9708-019B960494DF}">
-                  <a14:hiddenLine xmlns="" xmlns:a16="http://schemas.microsoft.com/office/drawing/2014/main" xmlns:p14="http://schemas.microsoft.com/office/powerpoint/2010/main" xmlns:a14="http://schemas.microsoft.com/office/drawing/2010/main" w="9525">
+                <a:ext uri="{91240B29-F687-4F45-9708-019B960494DF}">
+                  <a14:hiddenLine xmlns:a14="http://schemas.microsoft.com/office/drawing/2010/main" w="9525">
                     <a:solidFill>
                       <a:srgbClr val="000000"/>
                     </a:solidFill>
@@ -21348,10 +21310,10 @@
               <p:cNvPr id="191" name="Freeform 24">
                 <a:extLst>
                   <a:ext uri="{FF2B5EF4-FFF2-40B4-BE49-F238E27FC236}">
-                    <a16:creationId xmlns:a16="http://schemas.microsoft.com/office/drawing/2014/main" id="{8AD9F31C-5CF7-45EE-907A-3074488127B1}"/>
+                    <a16:creationId xmlns:a16="http://schemas.microsoft.com/office/drawing/2014/main" xmlns="" id="{8AD9F31C-5CF7-45EE-907A-3074488127B1}"/>
                   </a:ext>
                   <a:ext uri="{C183D7F6-B498-43B3-948B-1728B52AA6E4}">
-                    <adec:decorative xmlns:adec="http://schemas.microsoft.com/office/drawing/2017/decorative" val="1"/>
+                    <adec:decorative xmlns:adec="http://schemas.microsoft.com/office/drawing/2017/decorative" xmlns="" val="1"/>
                   </a:ext>
                 </a:extLst>
               </p:cNvPr>
@@ -21359,7 +21321,7 @@
               <p:nvPr>
                 <p:extLst>
                   <p:ext uri="{386F3935-93C4-4BCD-93E2-E3B085C9AB24}">
-                    <p16:designElem xmlns:p16="http://schemas.microsoft.com/office/powerpoint/2015/main" val="1"/>
+                    <p16:designElem xmlns:p16="http://schemas.microsoft.com/office/powerpoint/2015/main" xmlns="" val="1"/>
                   </p:ext>
                 </p:extLst>
               </p:nvPr>
@@ -21407,8 +21369,8 @@
                 <a:noFill/>
               </a:ln>
               <a:extLst>
-                <a:ext uri="{91240B29-F687-4f45-9708-019B960494DF}">
-                  <a14:hiddenLine xmlns="" xmlns:a16="http://schemas.microsoft.com/office/drawing/2014/main" xmlns:p14="http://schemas.microsoft.com/office/powerpoint/2010/main" xmlns:a14="http://schemas.microsoft.com/office/drawing/2010/main" w="9525">
+                <a:ext uri="{91240B29-F687-4F45-9708-019B960494DF}">
+                  <a14:hiddenLine xmlns:a14="http://schemas.microsoft.com/office/drawing/2010/main" w="9525">
                     <a:solidFill>
                       <a:srgbClr val="000000"/>
                     </a:solidFill>
@@ -21425,10 +21387,10 @@
               <p:cNvPr id="192" name="Freeform 25">
                 <a:extLst>
                   <a:ext uri="{FF2B5EF4-FFF2-40B4-BE49-F238E27FC236}">
-                    <a16:creationId xmlns:a16="http://schemas.microsoft.com/office/drawing/2014/main" id="{93412351-62FA-4EF3-8FE2-4CDD8397B994}"/>
+                    <a16:creationId xmlns:a16="http://schemas.microsoft.com/office/drawing/2014/main" xmlns="" id="{93412351-62FA-4EF3-8FE2-4CDD8397B994}"/>
                   </a:ext>
                   <a:ext uri="{C183D7F6-B498-43B3-948B-1728B52AA6E4}">
-                    <adec:decorative xmlns:adec="http://schemas.microsoft.com/office/drawing/2017/decorative" val="1"/>
+                    <adec:decorative xmlns:adec="http://schemas.microsoft.com/office/drawing/2017/decorative" xmlns="" val="1"/>
                   </a:ext>
                 </a:extLst>
               </p:cNvPr>
@@ -21438,7 +21400,7 @@
               <p:nvPr>
                 <p:extLst>
                   <p:ext uri="{386F3935-93C4-4BCD-93E2-E3B085C9AB24}">
-                    <p16:designElem xmlns:p16="http://schemas.microsoft.com/office/powerpoint/2015/main" val="1"/>
+                    <p16:designElem xmlns:p16="http://schemas.microsoft.com/office/powerpoint/2015/main" xmlns="" val="1"/>
                   </p:ext>
                 </p:extLst>
               </p:nvPr>
@@ -21512,8 +21474,8 @@
                 <a:noFill/>
               </a:ln>
               <a:extLst>
-                <a:ext uri="{91240B29-F687-4f45-9708-019B960494DF}">
-                  <a14:hiddenLine xmlns="" xmlns:a16="http://schemas.microsoft.com/office/drawing/2014/main" xmlns:p14="http://schemas.microsoft.com/office/powerpoint/2010/main" xmlns:a14="http://schemas.microsoft.com/office/drawing/2010/main" w="9525">
+                <a:ext uri="{91240B29-F687-4F45-9708-019B960494DF}">
+                  <a14:hiddenLine xmlns:a14="http://schemas.microsoft.com/office/drawing/2010/main" w="9525">
                     <a:solidFill>
                       <a:srgbClr val="000000"/>
                     </a:solidFill>
@@ -21530,10 +21492,10 @@
               <p:cNvPr id="193" name="Freeform 26">
                 <a:extLst>
                   <a:ext uri="{FF2B5EF4-FFF2-40B4-BE49-F238E27FC236}">
-                    <a16:creationId xmlns:a16="http://schemas.microsoft.com/office/drawing/2014/main" id="{84A81491-A1EB-46E3-9E73-11B93428CD1F}"/>
+                    <a16:creationId xmlns:a16="http://schemas.microsoft.com/office/drawing/2014/main" xmlns="" id="{84A81491-A1EB-46E3-9E73-11B93428CD1F}"/>
                   </a:ext>
                   <a:ext uri="{C183D7F6-B498-43B3-948B-1728B52AA6E4}">
-                    <adec:decorative xmlns:adec="http://schemas.microsoft.com/office/drawing/2017/decorative" val="1"/>
+                    <adec:decorative xmlns:adec="http://schemas.microsoft.com/office/drawing/2017/decorative" xmlns="" val="1"/>
                   </a:ext>
                 </a:extLst>
               </p:cNvPr>
@@ -21541,7 +21503,7 @@
               <p:nvPr>
                 <p:extLst>
                   <p:ext uri="{386F3935-93C4-4BCD-93E2-E3B085C9AB24}">
-                    <p16:designElem xmlns:p16="http://schemas.microsoft.com/office/powerpoint/2015/main" val="1"/>
+                    <p16:designElem xmlns:p16="http://schemas.microsoft.com/office/powerpoint/2015/main" xmlns="" val="1"/>
                   </p:ext>
                 </p:extLst>
               </p:nvPr>
@@ -21592,8 +21554,8 @@
                 <a:noFill/>
               </a:ln>
               <a:extLst>
-                <a:ext uri="{91240B29-F687-4f45-9708-019B960494DF}">
-                  <a14:hiddenLine xmlns="" xmlns:a16="http://schemas.microsoft.com/office/drawing/2014/main" xmlns:p14="http://schemas.microsoft.com/office/powerpoint/2010/main" xmlns:a14="http://schemas.microsoft.com/office/drawing/2010/main" w="9525">
+                <a:ext uri="{91240B29-F687-4F45-9708-019B960494DF}">
+                  <a14:hiddenLine xmlns:a14="http://schemas.microsoft.com/office/drawing/2010/main" w="9525">
                     <a:solidFill>
                       <a:srgbClr val="000000"/>
                     </a:solidFill>
@@ -21610,10 +21572,10 @@
               <p:cNvPr id="194" name="Freeform 27">
                 <a:extLst>
                   <a:ext uri="{FF2B5EF4-FFF2-40B4-BE49-F238E27FC236}">
-                    <a16:creationId xmlns:a16="http://schemas.microsoft.com/office/drawing/2014/main" id="{E7727744-4F0E-4AA2-97BC-0C44AB354A35}"/>
+                    <a16:creationId xmlns:a16="http://schemas.microsoft.com/office/drawing/2014/main" xmlns="" id="{E7727744-4F0E-4AA2-97BC-0C44AB354A35}"/>
                   </a:ext>
                   <a:ext uri="{C183D7F6-B498-43B3-948B-1728B52AA6E4}">
-                    <adec:decorative xmlns:adec="http://schemas.microsoft.com/office/drawing/2017/decorative" val="1"/>
+                    <adec:decorative xmlns:adec="http://schemas.microsoft.com/office/drawing/2017/decorative" xmlns="" val="1"/>
                   </a:ext>
                 </a:extLst>
               </p:cNvPr>
@@ -21621,7 +21583,7 @@
               <p:nvPr>
                 <p:extLst>
                   <p:ext uri="{386F3935-93C4-4BCD-93E2-E3B085C9AB24}">
-                    <p16:designElem xmlns:p16="http://schemas.microsoft.com/office/powerpoint/2015/main" val="1"/>
+                    <p16:designElem xmlns:p16="http://schemas.microsoft.com/office/powerpoint/2015/main" xmlns="" val="1"/>
                   </p:ext>
                 </p:extLst>
               </p:nvPr>
@@ -21669,8 +21631,8 @@
                 <a:noFill/>
               </a:ln>
               <a:extLst>
-                <a:ext uri="{91240B29-F687-4f45-9708-019B960494DF}">
-                  <a14:hiddenLine xmlns="" xmlns:a16="http://schemas.microsoft.com/office/drawing/2014/main" xmlns:p14="http://schemas.microsoft.com/office/powerpoint/2010/main" xmlns:a14="http://schemas.microsoft.com/office/drawing/2010/main" w="9525">
+                <a:ext uri="{91240B29-F687-4F45-9708-019B960494DF}">
+                  <a14:hiddenLine xmlns:a14="http://schemas.microsoft.com/office/drawing/2010/main" w="9525">
                     <a:solidFill>
                       <a:srgbClr val="000000"/>
                     </a:solidFill>
@@ -21687,10 +21649,10 @@
               <p:cNvPr id="195" name="Freeform 28">
                 <a:extLst>
                   <a:ext uri="{FF2B5EF4-FFF2-40B4-BE49-F238E27FC236}">
-                    <a16:creationId xmlns:a16="http://schemas.microsoft.com/office/drawing/2014/main" id="{4575AD90-731F-4996-AA04-86E5EC8CBE01}"/>
+                    <a16:creationId xmlns:a16="http://schemas.microsoft.com/office/drawing/2014/main" xmlns="" id="{4575AD90-731F-4996-AA04-86E5EC8CBE01}"/>
                   </a:ext>
                   <a:ext uri="{C183D7F6-B498-43B3-948B-1728B52AA6E4}">
-                    <adec:decorative xmlns:adec="http://schemas.microsoft.com/office/drawing/2017/decorative" val="1"/>
+                    <adec:decorative xmlns:adec="http://schemas.microsoft.com/office/drawing/2017/decorative" xmlns="" val="1"/>
                   </a:ext>
                 </a:extLst>
               </p:cNvPr>
@@ -21700,7 +21662,7 @@
               <p:nvPr>
                 <p:extLst>
                   <p:ext uri="{386F3935-93C4-4BCD-93E2-E3B085C9AB24}">
-                    <p16:designElem xmlns:p16="http://schemas.microsoft.com/office/powerpoint/2015/main" val="1"/>
+                    <p16:designElem xmlns:p16="http://schemas.microsoft.com/office/powerpoint/2015/main" xmlns="" val="1"/>
                   </p:ext>
                 </p:extLst>
               </p:nvPr>
@@ -21774,8 +21736,8 @@
                 <a:noFill/>
               </a:ln>
               <a:extLst>
-                <a:ext uri="{91240B29-F687-4f45-9708-019B960494DF}">
-                  <a14:hiddenLine xmlns="" xmlns:a16="http://schemas.microsoft.com/office/drawing/2014/main" xmlns:p14="http://schemas.microsoft.com/office/powerpoint/2010/main" xmlns:a14="http://schemas.microsoft.com/office/drawing/2010/main" w="9525">
+                <a:ext uri="{91240B29-F687-4F45-9708-019B960494DF}">
+                  <a14:hiddenLine xmlns:a14="http://schemas.microsoft.com/office/drawing/2010/main" w="9525">
                     <a:solidFill>
                       <a:srgbClr val="000000"/>
                     </a:solidFill>
@@ -21792,10 +21754,10 @@
               <p:cNvPr id="196" name="Freeform 29">
                 <a:extLst>
                   <a:ext uri="{FF2B5EF4-FFF2-40B4-BE49-F238E27FC236}">
-                    <a16:creationId xmlns:a16="http://schemas.microsoft.com/office/drawing/2014/main" id="{231A78D3-96D9-4A22-BC29-8274B016C0C2}"/>
+                    <a16:creationId xmlns:a16="http://schemas.microsoft.com/office/drawing/2014/main" xmlns="" id="{231A78D3-96D9-4A22-BC29-8274B016C0C2}"/>
                   </a:ext>
                   <a:ext uri="{C183D7F6-B498-43B3-948B-1728B52AA6E4}">
-                    <adec:decorative xmlns:adec="http://schemas.microsoft.com/office/drawing/2017/decorative" val="1"/>
+                    <adec:decorative xmlns:adec="http://schemas.microsoft.com/office/drawing/2017/decorative" xmlns="" val="1"/>
                   </a:ext>
                 </a:extLst>
               </p:cNvPr>
@@ -21805,7 +21767,7 @@
               <p:nvPr>
                 <p:extLst>
                   <p:ext uri="{386F3935-93C4-4BCD-93E2-E3B085C9AB24}">
-                    <p16:designElem xmlns:p16="http://schemas.microsoft.com/office/powerpoint/2015/main" val="1"/>
+                    <p16:designElem xmlns:p16="http://schemas.microsoft.com/office/powerpoint/2015/main" xmlns="" val="1"/>
                   </p:ext>
                 </p:extLst>
               </p:nvPr>
@@ -21879,8 +21841,8 @@
                 <a:noFill/>
               </a:ln>
               <a:extLst>
-                <a:ext uri="{91240B29-F687-4f45-9708-019B960494DF}">
-                  <a14:hiddenLine xmlns="" xmlns:a16="http://schemas.microsoft.com/office/drawing/2014/main" xmlns:p14="http://schemas.microsoft.com/office/powerpoint/2010/main" xmlns:a14="http://schemas.microsoft.com/office/drawing/2010/main" w="9525">
+                <a:ext uri="{91240B29-F687-4F45-9708-019B960494DF}">
+                  <a14:hiddenLine xmlns:a14="http://schemas.microsoft.com/office/drawing/2010/main" w="9525">
                     <a:solidFill>
                       <a:srgbClr val="000000"/>
                     </a:solidFill>
@@ -21897,10 +21859,10 @@
               <p:cNvPr id="197" name="Freeform 30">
                 <a:extLst>
                   <a:ext uri="{FF2B5EF4-FFF2-40B4-BE49-F238E27FC236}">
-                    <a16:creationId xmlns:a16="http://schemas.microsoft.com/office/drawing/2014/main" id="{DFF31CA2-144E-493E-A135-83B83452ABC7}"/>
+                    <a16:creationId xmlns:a16="http://schemas.microsoft.com/office/drawing/2014/main" xmlns="" id="{DFF31CA2-144E-493E-A135-83B83452ABC7}"/>
                   </a:ext>
                   <a:ext uri="{C183D7F6-B498-43B3-948B-1728B52AA6E4}">
-                    <adec:decorative xmlns:adec="http://schemas.microsoft.com/office/drawing/2017/decorative" val="1"/>
+                    <adec:decorative xmlns:adec="http://schemas.microsoft.com/office/drawing/2017/decorative" xmlns="" val="1"/>
                   </a:ext>
                 </a:extLst>
               </p:cNvPr>
@@ -21908,7 +21870,7 @@
               <p:nvPr>
                 <p:extLst>
                   <p:ext uri="{386F3935-93C4-4BCD-93E2-E3B085C9AB24}">
-                    <p16:designElem xmlns:p16="http://schemas.microsoft.com/office/powerpoint/2015/main" val="1"/>
+                    <p16:designElem xmlns:p16="http://schemas.microsoft.com/office/powerpoint/2015/main" xmlns="" val="1"/>
                   </p:ext>
                 </p:extLst>
               </p:nvPr>
@@ -21959,8 +21921,8 @@
                 <a:noFill/>
               </a:ln>
               <a:extLst>
-                <a:ext uri="{91240B29-F687-4f45-9708-019B960494DF}">
-                  <a14:hiddenLine xmlns="" xmlns:a16="http://schemas.microsoft.com/office/drawing/2014/main" xmlns:p14="http://schemas.microsoft.com/office/powerpoint/2010/main" xmlns:a14="http://schemas.microsoft.com/office/drawing/2010/main" w="9525">
+                <a:ext uri="{91240B29-F687-4F45-9708-019B960494DF}">
+                  <a14:hiddenLine xmlns:a14="http://schemas.microsoft.com/office/drawing/2010/main" w="9525">
                     <a:solidFill>
                       <a:srgbClr val="000000"/>
                     </a:solidFill>
@@ -21977,10 +21939,10 @@
               <p:cNvPr id="198" name="Freeform 31">
                 <a:extLst>
                   <a:ext uri="{FF2B5EF4-FFF2-40B4-BE49-F238E27FC236}">
-                    <a16:creationId xmlns:a16="http://schemas.microsoft.com/office/drawing/2014/main" id="{C1ED7F8F-8F7D-4634-8EF1-3DC871518A42}"/>
+                    <a16:creationId xmlns:a16="http://schemas.microsoft.com/office/drawing/2014/main" xmlns="" id="{C1ED7F8F-8F7D-4634-8EF1-3DC871518A42}"/>
                   </a:ext>
                   <a:ext uri="{C183D7F6-B498-43B3-948B-1728B52AA6E4}">
-                    <adec:decorative xmlns:adec="http://schemas.microsoft.com/office/drawing/2017/decorative" val="1"/>
+                    <adec:decorative xmlns:adec="http://schemas.microsoft.com/office/drawing/2017/decorative" xmlns="" val="1"/>
                   </a:ext>
                 </a:extLst>
               </p:cNvPr>
@@ -21990,7 +21952,7 @@
               <p:nvPr>
                 <p:extLst>
                   <p:ext uri="{386F3935-93C4-4BCD-93E2-E3B085C9AB24}">
-                    <p16:designElem xmlns:p16="http://schemas.microsoft.com/office/powerpoint/2015/main" val="1"/>
+                    <p16:designElem xmlns:p16="http://schemas.microsoft.com/office/powerpoint/2015/main" xmlns="" val="1"/>
                   </p:ext>
                 </p:extLst>
               </p:nvPr>
@@ -22094,8 +22056,8 @@
                 <a:noFill/>
               </a:ln>
               <a:extLst>
-                <a:ext uri="{91240B29-F687-4f45-9708-019B960494DF}">
-                  <a14:hiddenLine xmlns="" xmlns:a16="http://schemas.microsoft.com/office/drawing/2014/main" xmlns:p14="http://schemas.microsoft.com/office/powerpoint/2010/main" xmlns:a14="http://schemas.microsoft.com/office/drawing/2010/main" w="9525">
+                <a:ext uri="{91240B29-F687-4F45-9708-019B960494DF}">
+                  <a14:hiddenLine xmlns:a14="http://schemas.microsoft.com/office/drawing/2010/main" w="9525">
                     <a:solidFill>
                       <a:srgbClr val="000000"/>
                     </a:solidFill>
@@ -22113,10 +22075,10 @@
             <p:cNvPr id="161" name="Group 160">
               <a:extLst>
                 <a:ext uri="{FF2B5EF4-FFF2-40B4-BE49-F238E27FC236}">
-                  <a16:creationId xmlns:a16="http://schemas.microsoft.com/office/drawing/2014/main" id="{C51DBAB3-1986-470D-B778-24F7953C79C0}"/>
+                  <a16:creationId xmlns:a16="http://schemas.microsoft.com/office/drawing/2014/main" xmlns="" id="{C51DBAB3-1986-470D-B778-24F7953C79C0}"/>
                 </a:ext>
                 <a:ext uri="{C183D7F6-B498-43B3-948B-1728B52AA6E4}">
-                  <adec:decorative xmlns:adec="http://schemas.microsoft.com/office/drawing/2017/decorative" val="1"/>
+                  <adec:decorative xmlns:adec="http://schemas.microsoft.com/office/drawing/2017/decorative" xmlns="" val="1"/>
                 </a:ext>
               </a:extLst>
             </p:cNvPr>
@@ -22124,7 +22086,7 @@
             <p:nvPr>
               <p:extLst>
                 <p:ext uri="{386F3935-93C4-4BCD-93E2-E3B085C9AB24}">
-                  <p16:designElem xmlns:p16="http://schemas.microsoft.com/office/powerpoint/2015/main" val="1"/>
+                  <p16:designElem xmlns:p16="http://schemas.microsoft.com/office/powerpoint/2015/main" xmlns="" val="1"/>
                 </p:ext>
               </p:extLst>
             </p:nvPr>
@@ -22160,10 +22122,10 @@
               <p:cNvPr id="162" name="Freeform 32">
                 <a:extLst>
                   <a:ext uri="{FF2B5EF4-FFF2-40B4-BE49-F238E27FC236}">
-                    <a16:creationId xmlns:a16="http://schemas.microsoft.com/office/drawing/2014/main" id="{921E27E2-FB87-421E-898F-0AD31CBC4931}"/>
+                    <a16:creationId xmlns:a16="http://schemas.microsoft.com/office/drawing/2014/main" xmlns="" id="{921E27E2-FB87-421E-898F-0AD31CBC4931}"/>
                   </a:ext>
                   <a:ext uri="{C183D7F6-B498-43B3-948B-1728B52AA6E4}">
-                    <adec:decorative xmlns:adec="http://schemas.microsoft.com/office/drawing/2017/decorative" val="1"/>
+                    <adec:decorative xmlns:adec="http://schemas.microsoft.com/office/drawing/2017/decorative" xmlns="" val="1"/>
                   </a:ext>
                 </a:extLst>
               </p:cNvPr>
@@ -22171,7 +22133,7 @@
               <p:nvPr>
                 <p:extLst>
                   <p:ext uri="{386F3935-93C4-4BCD-93E2-E3B085C9AB24}">
-                    <p16:designElem xmlns:p16="http://schemas.microsoft.com/office/powerpoint/2015/main" val="1"/>
+                    <p16:designElem xmlns:p16="http://schemas.microsoft.com/office/powerpoint/2015/main" xmlns="" val="1"/>
                   </p:ext>
                 </p:extLst>
               </p:nvPr>
@@ -22222,8 +22184,8 @@
                 <a:noFill/>
               </a:ln>
               <a:extLst>
-                <a:ext uri="{91240B29-F687-4f45-9708-019B960494DF}">
-                  <a14:hiddenLine xmlns="" xmlns:a16="http://schemas.microsoft.com/office/drawing/2014/main" xmlns:p14="http://schemas.microsoft.com/office/powerpoint/2010/main" xmlns:a14="http://schemas.microsoft.com/office/drawing/2010/main" w="9525">
+                <a:ext uri="{91240B29-F687-4F45-9708-019B960494DF}">
+                  <a14:hiddenLine xmlns:a14="http://schemas.microsoft.com/office/drawing/2010/main" w="9525">
                     <a:solidFill>
                       <a:srgbClr val="000000"/>
                     </a:solidFill>
@@ -22240,10 +22202,10 @@
               <p:cNvPr id="163" name="Freeform 33">
                 <a:extLst>
                   <a:ext uri="{FF2B5EF4-FFF2-40B4-BE49-F238E27FC236}">
-                    <a16:creationId xmlns:a16="http://schemas.microsoft.com/office/drawing/2014/main" id="{C9479707-E515-4B3C-9493-72190DDB2E65}"/>
+                    <a16:creationId xmlns:a16="http://schemas.microsoft.com/office/drawing/2014/main" xmlns="" id="{C9479707-E515-4B3C-9493-72190DDB2E65}"/>
                   </a:ext>
                   <a:ext uri="{C183D7F6-B498-43B3-948B-1728B52AA6E4}">
-                    <adec:decorative xmlns:adec="http://schemas.microsoft.com/office/drawing/2017/decorative" val="1"/>
+                    <adec:decorative xmlns:adec="http://schemas.microsoft.com/office/drawing/2017/decorative" xmlns="" val="1"/>
                   </a:ext>
                 </a:extLst>
               </p:cNvPr>
@@ -22253,7 +22215,7 @@
               <p:nvPr>
                 <p:extLst>
                   <p:ext uri="{386F3935-93C4-4BCD-93E2-E3B085C9AB24}">
-                    <p16:designElem xmlns:p16="http://schemas.microsoft.com/office/powerpoint/2015/main" val="1"/>
+                    <p16:designElem xmlns:p16="http://schemas.microsoft.com/office/powerpoint/2015/main" xmlns="" val="1"/>
                   </p:ext>
                 </p:extLst>
               </p:nvPr>
@@ -22352,8 +22314,8 @@
                 <a:noFill/>
               </a:ln>
               <a:extLst>
-                <a:ext uri="{91240B29-F687-4f45-9708-019B960494DF}">
-                  <a14:hiddenLine xmlns="" xmlns:a16="http://schemas.microsoft.com/office/drawing/2014/main" xmlns:p14="http://schemas.microsoft.com/office/powerpoint/2010/main" xmlns:a14="http://schemas.microsoft.com/office/drawing/2010/main" w="9525">
+                <a:ext uri="{91240B29-F687-4F45-9708-019B960494DF}">
+                  <a14:hiddenLine xmlns:a14="http://schemas.microsoft.com/office/drawing/2010/main" w="9525">
                     <a:solidFill>
                       <a:srgbClr val="000000"/>
                     </a:solidFill>
@@ -22370,10 +22332,10 @@
               <p:cNvPr id="164" name="Freeform 34">
                 <a:extLst>
                   <a:ext uri="{FF2B5EF4-FFF2-40B4-BE49-F238E27FC236}">
-                    <a16:creationId xmlns:a16="http://schemas.microsoft.com/office/drawing/2014/main" id="{9FF90DFA-7702-4558-8B3D-756D81D85A01}"/>
+                    <a16:creationId xmlns:a16="http://schemas.microsoft.com/office/drawing/2014/main" xmlns="" id="{9FF90DFA-7702-4558-8B3D-756D81D85A01}"/>
                   </a:ext>
                   <a:ext uri="{C183D7F6-B498-43B3-948B-1728B52AA6E4}">
-                    <adec:decorative xmlns:adec="http://schemas.microsoft.com/office/drawing/2017/decorative" val="1"/>
+                    <adec:decorative xmlns:adec="http://schemas.microsoft.com/office/drawing/2017/decorative" xmlns="" val="1"/>
                   </a:ext>
                 </a:extLst>
               </p:cNvPr>
@@ -22383,7 +22345,7 @@
               <p:nvPr>
                 <p:extLst>
                   <p:ext uri="{386F3935-93C4-4BCD-93E2-E3B085C9AB24}">
-                    <p16:designElem xmlns:p16="http://schemas.microsoft.com/office/powerpoint/2015/main" val="1"/>
+                    <p16:designElem xmlns:p16="http://schemas.microsoft.com/office/powerpoint/2015/main" xmlns="" val="1"/>
                   </p:ext>
                 </p:extLst>
               </p:nvPr>
@@ -22457,8 +22419,8 @@
                 <a:noFill/>
               </a:ln>
               <a:extLst>
-                <a:ext uri="{91240B29-F687-4f45-9708-019B960494DF}">
-                  <a14:hiddenLine xmlns="" xmlns:a16="http://schemas.microsoft.com/office/drawing/2014/main" xmlns:p14="http://schemas.microsoft.com/office/powerpoint/2010/main" xmlns:a14="http://schemas.microsoft.com/office/drawing/2010/main" w="9525">
+                <a:ext uri="{91240B29-F687-4F45-9708-019B960494DF}">
+                  <a14:hiddenLine xmlns:a14="http://schemas.microsoft.com/office/drawing/2010/main" w="9525">
                     <a:solidFill>
                       <a:srgbClr val="000000"/>
                     </a:solidFill>
@@ -22475,10 +22437,10 @@
               <p:cNvPr id="165" name="Freeform 35">
                 <a:extLst>
                   <a:ext uri="{FF2B5EF4-FFF2-40B4-BE49-F238E27FC236}">
-                    <a16:creationId xmlns:a16="http://schemas.microsoft.com/office/drawing/2014/main" id="{558A4777-3BE1-4000-9CB4-73048552F58F}"/>
+                    <a16:creationId xmlns:a16="http://schemas.microsoft.com/office/drawing/2014/main" xmlns="" id="{558A4777-3BE1-4000-9CB4-73048552F58F}"/>
                   </a:ext>
                   <a:ext uri="{C183D7F6-B498-43B3-948B-1728B52AA6E4}">
-                    <adec:decorative xmlns:adec="http://schemas.microsoft.com/office/drawing/2017/decorative" val="1"/>
+                    <adec:decorative xmlns:adec="http://schemas.microsoft.com/office/drawing/2017/decorative" xmlns="" val="1"/>
                   </a:ext>
                 </a:extLst>
               </p:cNvPr>
@@ -22486,7 +22448,7 @@
               <p:nvPr>
                 <p:extLst>
                   <p:ext uri="{386F3935-93C4-4BCD-93E2-E3B085C9AB24}">
-                    <p16:designElem xmlns:p16="http://schemas.microsoft.com/office/powerpoint/2015/main" val="1"/>
+                    <p16:designElem xmlns:p16="http://schemas.microsoft.com/office/powerpoint/2015/main" xmlns="" val="1"/>
                   </p:ext>
                 </p:extLst>
               </p:nvPr>
@@ -22537,8 +22499,8 @@
                 <a:noFill/>
               </a:ln>
               <a:extLst>
-                <a:ext uri="{91240B29-F687-4f45-9708-019B960494DF}">
-                  <a14:hiddenLine xmlns="" xmlns:a16="http://schemas.microsoft.com/office/drawing/2014/main" xmlns:p14="http://schemas.microsoft.com/office/powerpoint/2010/main" xmlns:a14="http://schemas.microsoft.com/office/drawing/2010/main" w="9525">
+                <a:ext uri="{91240B29-F687-4F45-9708-019B960494DF}">
+                  <a14:hiddenLine xmlns:a14="http://schemas.microsoft.com/office/drawing/2010/main" w="9525">
                     <a:solidFill>
                       <a:srgbClr val="000000"/>
                     </a:solidFill>
@@ -22555,10 +22517,10 @@
               <p:cNvPr id="166" name="Freeform 36">
                 <a:extLst>
                   <a:ext uri="{FF2B5EF4-FFF2-40B4-BE49-F238E27FC236}">
-                    <a16:creationId xmlns:a16="http://schemas.microsoft.com/office/drawing/2014/main" id="{2A041A71-3C90-472C-AC37-21EFE0786D2B}"/>
+                    <a16:creationId xmlns:a16="http://schemas.microsoft.com/office/drawing/2014/main" xmlns="" id="{2A041A71-3C90-472C-AC37-21EFE0786D2B}"/>
                   </a:ext>
                   <a:ext uri="{C183D7F6-B498-43B3-948B-1728B52AA6E4}">
-                    <adec:decorative xmlns:adec="http://schemas.microsoft.com/office/drawing/2017/decorative" val="1"/>
+                    <adec:decorative xmlns:adec="http://schemas.microsoft.com/office/drawing/2017/decorative" xmlns="" val="1"/>
                   </a:ext>
                 </a:extLst>
               </p:cNvPr>
@@ -22568,7 +22530,7 @@
               <p:nvPr>
                 <p:extLst>
                   <p:ext uri="{386F3935-93C4-4BCD-93E2-E3B085C9AB24}">
-                    <p16:designElem xmlns:p16="http://schemas.microsoft.com/office/powerpoint/2015/main" val="1"/>
+                    <p16:designElem xmlns:p16="http://schemas.microsoft.com/office/powerpoint/2015/main" xmlns="" val="1"/>
                   </p:ext>
                 </p:extLst>
               </p:nvPr>
@@ -22642,8 +22604,8 @@
                 <a:noFill/>
               </a:ln>
               <a:extLst>
-                <a:ext uri="{91240B29-F687-4f45-9708-019B960494DF}">
-                  <a14:hiddenLine xmlns="" xmlns:a16="http://schemas.microsoft.com/office/drawing/2014/main" xmlns:p14="http://schemas.microsoft.com/office/powerpoint/2010/main" xmlns:a14="http://schemas.microsoft.com/office/drawing/2010/main" w="9525">
+                <a:ext uri="{91240B29-F687-4F45-9708-019B960494DF}">
+                  <a14:hiddenLine xmlns:a14="http://schemas.microsoft.com/office/drawing/2010/main" w="9525">
                     <a:solidFill>
                       <a:srgbClr val="000000"/>
                     </a:solidFill>
@@ -22660,10 +22622,10 @@
               <p:cNvPr id="167" name="Freeform 37">
                 <a:extLst>
                   <a:ext uri="{FF2B5EF4-FFF2-40B4-BE49-F238E27FC236}">
-                    <a16:creationId xmlns:a16="http://schemas.microsoft.com/office/drawing/2014/main" id="{8FC1DCF1-A0C3-4803-9B5B-29A6C245A4EC}"/>
+                    <a16:creationId xmlns:a16="http://schemas.microsoft.com/office/drawing/2014/main" xmlns="" id="{8FC1DCF1-A0C3-4803-9B5B-29A6C245A4EC}"/>
                   </a:ext>
                   <a:ext uri="{C183D7F6-B498-43B3-948B-1728B52AA6E4}">
-                    <adec:decorative xmlns:adec="http://schemas.microsoft.com/office/drawing/2017/decorative" val="1"/>
+                    <adec:decorative xmlns:adec="http://schemas.microsoft.com/office/drawing/2017/decorative" xmlns="" val="1"/>
                   </a:ext>
                 </a:extLst>
               </p:cNvPr>
@@ -22671,7 +22633,7 @@
               <p:nvPr>
                 <p:extLst>
                   <p:ext uri="{386F3935-93C4-4BCD-93E2-E3B085C9AB24}">
-                    <p16:designElem xmlns:p16="http://schemas.microsoft.com/office/powerpoint/2015/main" val="1"/>
+                    <p16:designElem xmlns:p16="http://schemas.microsoft.com/office/powerpoint/2015/main" xmlns="" val="1"/>
                   </p:ext>
                 </p:extLst>
               </p:nvPr>
@@ -22725,8 +22687,8 @@
                 <a:noFill/>
               </a:ln>
               <a:extLst>
-                <a:ext uri="{91240B29-F687-4f45-9708-019B960494DF}">
-                  <a14:hiddenLine xmlns="" xmlns:a16="http://schemas.microsoft.com/office/drawing/2014/main" xmlns:p14="http://schemas.microsoft.com/office/powerpoint/2010/main" xmlns:a14="http://schemas.microsoft.com/office/drawing/2010/main" w="9525">
+                <a:ext uri="{91240B29-F687-4F45-9708-019B960494DF}">
+                  <a14:hiddenLine xmlns:a14="http://schemas.microsoft.com/office/drawing/2010/main" w="9525">
                     <a:solidFill>
                       <a:srgbClr val="000000"/>
                     </a:solidFill>
@@ -22743,10 +22705,10 @@
               <p:cNvPr id="168" name="Freeform 38">
                 <a:extLst>
                   <a:ext uri="{FF2B5EF4-FFF2-40B4-BE49-F238E27FC236}">
-                    <a16:creationId xmlns:a16="http://schemas.microsoft.com/office/drawing/2014/main" id="{71612D3E-4DBC-49B9-86B5-FCD82B1B1E12}"/>
+                    <a16:creationId xmlns:a16="http://schemas.microsoft.com/office/drawing/2014/main" xmlns="" id="{71612D3E-4DBC-49B9-86B5-FCD82B1B1E12}"/>
                   </a:ext>
                   <a:ext uri="{C183D7F6-B498-43B3-948B-1728B52AA6E4}">
-                    <adec:decorative xmlns:adec="http://schemas.microsoft.com/office/drawing/2017/decorative" val="1"/>
+                    <adec:decorative xmlns:adec="http://schemas.microsoft.com/office/drawing/2017/decorative" xmlns="" val="1"/>
                   </a:ext>
                 </a:extLst>
               </p:cNvPr>
@@ -22756,7 +22718,7 @@
               <p:nvPr>
                 <p:extLst>
                   <p:ext uri="{386F3935-93C4-4BCD-93E2-E3B085C9AB24}">
-                    <p16:designElem xmlns:p16="http://schemas.microsoft.com/office/powerpoint/2015/main" val="1"/>
+                    <p16:designElem xmlns:p16="http://schemas.microsoft.com/office/powerpoint/2015/main" xmlns="" val="1"/>
                   </p:ext>
                 </p:extLst>
               </p:nvPr>
@@ -22830,8 +22792,8 @@
                 <a:noFill/>
               </a:ln>
               <a:extLst>
-                <a:ext uri="{91240B29-F687-4f45-9708-019B960494DF}">
-                  <a14:hiddenLine xmlns="" xmlns:a16="http://schemas.microsoft.com/office/drawing/2014/main" xmlns:p14="http://schemas.microsoft.com/office/powerpoint/2010/main" xmlns:a14="http://schemas.microsoft.com/office/drawing/2010/main" w="9525">
+                <a:ext uri="{91240B29-F687-4F45-9708-019B960494DF}">
+                  <a14:hiddenLine xmlns:a14="http://schemas.microsoft.com/office/drawing/2010/main" w="9525">
                     <a:solidFill>
                       <a:srgbClr val="000000"/>
                     </a:solidFill>
@@ -22848,10 +22810,10 @@
               <p:cNvPr id="169" name="Freeform 39">
                 <a:extLst>
                   <a:ext uri="{FF2B5EF4-FFF2-40B4-BE49-F238E27FC236}">
-                    <a16:creationId xmlns:a16="http://schemas.microsoft.com/office/drawing/2014/main" id="{CB1CF104-08B0-46F6-ABBF-649AC5A702DD}"/>
+                    <a16:creationId xmlns:a16="http://schemas.microsoft.com/office/drawing/2014/main" xmlns="" id="{CB1CF104-08B0-46F6-ABBF-649AC5A702DD}"/>
                   </a:ext>
                   <a:ext uri="{C183D7F6-B498-43B3-948B-1728B52AA6E4}">
-                    <adec:decorative xmlns:adec="http://schemas.microsoft.com/office/drawing/2017/decorative" val="1"/>
+                    <adec:decorative xmlns:adec="http://schemas.microsoft.com/office/drawing/2017/decorative" xmlns="" val="1"/>
                   </a:ext>
                 </a:extLst>
               </p:cNvPr>
@@ -22859,7 +22821,7 @@
               <p:nvPr>
                 <p:extLst>
                   <p:ext uri="{386F3935-93C4-4BCD-93E2-E3B085C9AB24}">
-                    <p16:designElem xmlns:p16="http://schemas.microsoft.com/office/powerpoint/2015/main" val="1"/>
+                    <p16:designElem xmlns:p16="http://schemas.microsoft.com/office/powerpoint/2015/main" xmlns="" val="1"/>
                   </p:ext>
                 </p:extLst>
               </p:nvPr>
@@ -22913,8 +22875,8 @@
                 <a:noFill/>
               </a:ln>
               <a:extLst>
-                <a:ext uri="{91240B29-F687-4f45-9708-019B960494DF}">
-                  <a14:hiddenLine xmlns="" xmlns:a16="http://schemas.microsoft.com/office/drawing/2014/main" xmlns:p14="http://schemas.microsoft.com/office/powerpoint/2010/main" xmlns:a14="http://schemas.microsoft.com/office/drawing/2010/main" w="9525">
+                <a:ext uri="{91240B29-F687-4F45-9708-019B960494DF}">
+                  <a14:hiddenLine xmlns:a14="http://schemas.microsoft.com/office/drawing/2010/main" w="9525">
                     <a:solidFill>
                       <a:srgbClr val="000000"/>
                     </a:solidFill>
@@ -22931,10 +22893,10 @@
               <p:cNvPr id="170" name="Freeform 40">
                 <a:extLst>
                   <a:ext uri="{FF2B5EF4-FFF2-40B4-BE49-F238E27FC236}">
-                    <a16:creationId xmlns:a16="http://schemas.microsoft.com/office/drawing/2014/main" id="{FCE7D9F8-F405-4677-A45F-EDBB7F168560}"/>
+                    <a16:creationId xmlns:a16="http://schemas.microsoft.com/office/drawing/2014/main" xmlns="" id="{FCE7D9F8-F405-4677-A45F-EDBB7F168560}"/>
                   </a:ext>
                   <a:ext uri="{C183D7F6-B498-43B3-948B-1728B52AA6E4}">
-                    <adec:decorative xmlns:adec="http://schemas.microsoft.com/office/drawing/2017/decorative" val="1"/>
+                    <adec:decorative xmlns:adec="http://schemas.microsoft.com/office/drawing/2017/decorative" xmlns="" val="1"/>
                   </a:ext>
                 </a:extLst>
               </p:cNvPr>
@@ -22944,7 +22906,7 @@
               <p:nvPr>
                 <p:extLst>
                   <p:ext uri="{386F3935-93C4-4BCD-93E2-E3B085C9AB24}">
-                    <p16:designElem xmlns:p16="http://schemas.microsoft.com/office/powerpoint/2015/main" val="1"/>
+                    <p16:designElem xmlns:p16="http://schemas.microsoft.com/office/powerpoint/2015/main" xmlns="" val="1"/>
                   </p:ext>
                 </p:extLst>
               </p:nvPr>
@@ -23018,8 +22980,8 @@
                 <a:noFill/>
               </a:ln>
               <a:extLst>
-                <a:ext uri="{91240B29-F687-4f45-9708-019B960494DF}">
-                  <a14:hiddenLine xmlns="" xmlns:a16="http://schemas.microsoft.com/office/drawing/2014/main" xmlns:p14="http://schemas.microsoft.com/office/powerpoint/2010/main" xmlns:a14="http://schemas.microsoft.com/office/drawing/2010/main" w="9525">
+                <a:ext uri="{91240B29-F687-4F45-9708-019B960494DF}">
+                  <a14:hiddenLine xmlns:a14="http://schemas.microsoft.com/office/drawing/2010/main" w="9525">
                     <a:solidFill>
                       <a:srgbClr val="000000"/>
                     </a:solidFill>
@@ -23036,10 +22998,10 @@
               <p:cNvPr id="171" name="Rectangle 41">
                 <a:extLst>
                   <a:ext uri="{FF2B5EF4-FFF2-40B4-BE49-F238E27FC236}">
-                    <a16:creationId xmlns:a16="http://schemas.microsoft.com/office/drawing/2014/main" id="{7347872F-3F7B-4ADF-BC95-429727E82D1E}"/>
+                    <a16:creationId xmlns:a16="http://schemas.microsoft.com/office/drawing/2014/main" xmlns="" id="{7347872F-3F7B-4ADF-BC95-429727E82D1E}"/>
                   </a:ext>
                   <a:ext uri="{C183D7F6-B498-43B3-948B-1728B52AA6E4}">
-                    <adec:decorative xmlns:adec="http://schemas.microsoft.com/office/drawing/2017/decorative" val="1"/>
+                    <adec:decorative xmlns:adec="http://schemas.microsoft.com/office/drawing/2017/decorative" xmlns="" val="1"/>
                   </a:ext>
                 </a:extLst>
               </p:cNvPr>
@@ -23049,7 +23011,7 @@
               <p:nvPr>
                 <p:extLst>
                   <p:ext uri="{386F3935-93C4-4BCD-93E2-E3B085C9AB24}">
-                    <p16:designElem xmlns:p16="http://schemas.microsoft.com/office/powerpoint/2015/main" val="1"/>
+                    <p16:designElem xmlns:p16="http://schemas.microsoft.com/office/powerpoint/2015/main" xmlns="" val="1"/>
                   </p:ext>
                 </p:extLst>
               </p:nvPr>
@@ -23067,8 +23029,8 @@
                 <a:noFill/>
               </a:ln>
               <a:extLst>
-                <a:ext uri="{91240B29-F687-4f45-9708-019B960494DF}">
-                  <a14:hiddenLine xmlns="" xmlns:a16="http://schemas.microsoft.com/office/drawing/2014/main" xmlns:p14="http://schemas.microsoft.com/office/powerpoint/2010/main" xmlns:a14="http://schemas.microsoft.com/office/drawing/2010/main" w="9525">
+                <a:ext uri="{91240B29-F687-4F45-9708-019B960494DF}">
+                  <a14:hiddenLine xmlns:a14="http://schemas.microsoft.com/office/drawing/2010/main" w="9525">
                     <a:solidFill>
                       <a:srgbClr val="000000"/>
                     </a:solidFill>
@@ -23082,920 +23044,12 @@
           </p:sp>
         </p:grpSp>
       </p:grpSp>
-      <p:sp>
-        <p:nvSpPr>
-          <p:cNvPr id="4" name="Текст 3">
-            <a:extLst>
-              <a:ext uri="{FF2B5EF4-FFF2-40B4-BE49-F238E27FC236}">
-                <a16:creationId xmlns:a16="http://schemas.microsoft.com/office/drawing/2014/main" id="{F4E57CDE-E248-90B2-F344-7F0CB9FCFDF6}"/>
-              </a:ext>
-            </a:extLst>
-          </p:cNvPr>
-          <p:cNvSpPr>
-            <a:spLocks noGrp="1"/>
-          </p:cNvSpPr>
-          <p:nvPr>
-            <p:ph type="body" sz="half" idx="2"/>
-          </p:nvPr>
-        </p:nvSpPr>
-        <p:spPr>
-          <a:xfrm>
-            <a:off x="1151850" y="1717131"/>
-            <a:ext cx="5883950" cy="4074070"/>
-          </a:xfrm>
-        </p:spPr>
-        <p:txBody>
-          <a:bodyPr vert="horz" lIns="91440" tIns="45720" rIns="91440" bIns="45720" rtlCol="0" anchor="t">
-            <a:normAutofit/>
-          </a:bodyPr>
-          <a:lstStyle/>
-          <a:p>
-            <a:br>
-              <a:rPr lang="en-US" sz="1800" dirty="0">
-                <a:latin typeface="+mn-lt"/>
-                <a:cs typeface="+mn-cs"/>
-              </a:rPr>
-            </a:br>
-            <a:r>
-              <a:rPr lang="en-US" sz="1800" b="1" err="1">
-                <a:solidFill>
-                  <a:srgbClr val="212529"/>
-                </a:solidFill>
-                <a:latin typeface="Calibri"/>
-                <a:ea typeface="Calibri"/>
-                <a:cs typeface="Calibri"/>
-              </a:rPr>
-              <a:t>Пошаговый</a:t>
-            </a:r>
-            <a:r>
-              <a:rPr lang="en-US" sz="1800" b="1" dirty="0">
-                <a:solidFill>
-                  <a:srgbClr val="212529"/>
-                </a:solidFill>
-                <a:latin typeface="Calibri"/>
-                <a:ea typeface="Calibri"/>
-                <a:cs typeface="Calibri"/>
-              </a:rPr>
-              <a:t> </a:t>
-            </a:r>
-            <a:r>
-              <a:rPr lang="en-US" sz="1800" b="1" err="1">
-                <a:solidFill>
-                  <a:srgbClr val="212529"/>
-                </a:solidFill>
-                <a:latin typeface="Calibri"/>
-                <a:ea typeface="Calibri"/>
-                <a:cs typeface="Calibri"/>
-              </a:rPr>
-              <a:t>геймплей</a:t>
-            </a:r>
-            <a:r>
-              <a:rPr lang="en-US" sz="1800" b="1" dirty="0">
-                <a:solidFill>
-                  <a:srgbClr val="212529"/>
-                </a:solidFill>
-                <a:latin typeface="Calibri"/>
-                <a:ea typeface="Calibri"/>
-                <a:cs typeface="Calibri"/>
-              </a:rPr>
-              <a:t>:</a:t>
-            </a:r>
-            <a:r>
-              <a:rPr lang="en-US" sz="1800" dirty="0">
-                <a:solidFill>
-                  <a:srgbClr val="212529"/>
-                </a:solidFill>
-                <a:latin typeface="Calibri"/>
-                <a:ea typeface="Calibri"/>
-                <a:cs typeface="Calibri"/>
-              </a:rPr>
-              <a:t> </a:t>
-            </a:r>
-            <a:r>
-              <a:rPr lang="en-US" sz="1800" err="1">
-                <a:solidFill>
-                  <a:srgbClr val="212529"/>
-                </a:solidFill>
-                <a:latin typeface="Calibri"/>
-                <a:ea typeface="Calibri"/>
-                <a:cs typeface="Calibri"/>
-              </a:rPr>
-              <a:t>Игроки</a:t>
-            </a:r>
-            <a:r>
-              <a:rPr lang="en-US" sz="1800" dirty="0">
-                <a:solidFill>
-                  <a:srgbClr val="212529"/>
-                </a:solidFill>
-                <a:latin typeface="Calibri"/>
-                <a:ea typeface="Calibri"/>
-                <a:cs typeface="Calibri"/>
-              </a:rPr>
-              <a:t> </a:t>
-            </a:r>
-            <a:r>
-              <a:rPr lang="en-US" sz="1800" err="1">
-                <a:solidFill>
-                  <a:srgbClr val="212529"/>
-                </a:solidFill>
-                <a:latin typeface="Calibri"/>
-                <a:ea typeface="Calibri"/>
-                <a:cs typeface="Calibri"/>
-              </a:rPr>
-              <a:t>делают</a:t>
-            </a:r>
-            <a:r>
-              <a:rPr lang="en-US" sz="1800" dirty="0">
-                <a:solidFill>
-                  <a:srgbClr val="212529"/>
-                </a:solidFill>
-                <a:latin typeface="Calibri"/>
-                <a:ea typeface="Calibri"/>
-                <a:cs typeface="Calibri"/>
-              </a:rPr>
-              <a:t> </a:t>
-            </a:r>
-            <a:r>
-              <a:rPr lang="en-US" sz="1800" err="1">
-                <a:solidFill>
-                  <a:srgbClr val="212529"/>
-                </a:solidFill>
-                <a:latin typeface="Calibri"/>
-                <a:ea typeface="Calibri"/>
-                <a:cs typeface="Calibri"/>
-              </a:rPr>
-              <a:t>ходы</a:t>
-            </a:r>
-            <a:r>
-              <a:rPr lang="en-US" sz="1800" dirty="0">
-                <a:solidFill>
-                  <a:srgbClr val="212529"/>
-                </a:solidFill>
-                <a:latin typeface="Calibri"/>
-                <a:ea typeface="Calibri"/>
-                <a:cs typeface="Calibri"/>
-              </a:rPr>
-              <a:t> </a:t>
-            </a:r>
-            <a:r>
-              <a:rPr lang="en-US" sz="1800" err="1">
-                <a:solidFill>
-                  <a:srgbClr val="212529"/>
-                </a:solidFill>
-                <a:latin typeface="Calibri"/>
-                <a:ea typeface="Calibri"/>
-                <a:cs typeface="Calibri"/>
-              </a:rPr>
-              <a:t>поочередно</a:t>
-            </a:r>
-            <a:r>
-              <a:rPr lang="en-US" sz="1800" dirty="0">
-                <a:solidFill>
-                  <a:srgbClr val="212529"/>
-                </a:solidFill>
-                <a:latin typeface="Calibri"/>
-                <a:ea typeface="Calibri"/>
-                <a:cs typeface="Calibri"/>
-              </a:rPr>
-              <a:t>, </a:t>
-            </a:r>
-            <a:r>
-              <a:rPr lang="en-US" sz="1800" err="1">
-                <a:solidFill>
-                  <a:srgbClr val="212529"/>
-                </a:solidFill>
-                <a:latin typeface="Calibri"/>
-                <a:ea typeface="Calibri"/>
-                <a:cs typeface="Calibri"/>
-              </a:rPr>
-              <a:t>планируя</a:t>
-            </a:r>
-            <a:r>
-              <a:rPr lang="en-US" sz="1800" dirty="0">
-                <a:solidFill>
-                  <a:srgbClr val="212529"/>
-                </a:solidFill>
-                <a:latin typeface="Calibri"/>
-                <a:ea typeface="Calibri"/>
-                <a:cs typeface="Calibri"/>
-              </a:rPr>
-              <a:t> </a:t>
-            </a:r>
-            <a:r>
-              <a:rPr lang="en-US" sz="1800" err="1">
-                <a:solidFill>
-                  <a:srgbClr val="212529"/>
-                </a:solidFill>
-                <a:latin typeface="Calibri"/>
-                <a:ea typeface="Calibri"/>
-                <a:cs typeface="Calibri"/>
-              </a:rPr>
-              <a:t>свои</a:t>
-            </a:r>
-            <a:r>
-              <a:rPr lang="en-US" sz="1800" dirty="0">
-                <a:solidFill>
-                  <a:srgbClr val="212529"/>
-                </a:solidFill>
-                <a:latin typeface="Calibri"/>
-                <a:ea typeface="Calibri"/>
-                <a:cs typeface="Calibri"/>
-              </a:rPr>
-              <a:t> </a:t>
-            </a:r>
-            <a:r>
-              <a:rPr lang="en-US" sz="1800" err="1">
-                <a:solidFill>
-                  <a:srgbClr val="212529"/>
-                </a:solidFill>
-                <a:latin typeface="Calibri"/>
-                <a:ea typeface="Calibri"/>
-                <a:cs typeface="Calibri"/>
-              </a:rPr>
-              <a:t>действия</a:t>
-            </a:r>
-            <a:r>
-              <a:rPr lang="en-US" sz="1800" dirty="0">
-                <a:solidFill>
-                  <a:srgbClr val="212529"/>
-                </a:solidFill>
-                <a:latin typeface="Calibri"/>
-                <a:ea typeface="Calibri"/>
-                <a:cs typeface="Calibri"/>
-              </a:rPr>
-              <a:t>.</a:t>
-            </a:r>
-            <a:endParaRPr lang="en-US" sz="1800">
-              <a:latin typeface="Tw Cen MT" panose="020B0602020104020603"/>
-              <a:ea typeface="Calibri"/>
-              <a:cs typeface="Calibri"/>
-            </a:endParaRPr>
-          </a:p>
-          <a:p>
-            <a:pPr>
-              <a:buFont typeface="Arial" panose="020B0604020202020204" pitchFamily="34" charset="0"/>
-              <a:buChar char="•"/>
-            </a:pPr>
-            <a:r>
-              <a:rPr lang="en-US" sz="1800" b="1" err="1">
-                <a:solidFill>
-                  <a:srgbClr val="212529"/>
-                </a:solidFill>
-                <a:latin typeface="Calibri"/>
-                <a:ea typeface="Calibri"/>
-                <a:cs typeface="Calibri"/>
-              </a:rPr>
-              <a:t>Тактические</a:t>
-            </a:r>
-            <a:r>
-              <a:rPr lang="en-US" sz="1800" b="1" dirty="0">
-                <a:solidFill>
-                  <a:srgbClr val="212529"/>
-                </a:solidFill>
-                <a:latin typeface="Calibri"/>
-                <a:ea typeface="Calibri"/>
-                <a:cs typeface="Calibri"/>
-              </a:rPr>
-              <a:t> </a:t>
-            </a:r>
-            <a:r>
-              <a:rPr lang="en-US" sz="1800" b="1" err="1">
-                <a:solidFill>
-                  <a:srgbClr val="212529"/>
-                </a:solidFill>
-                <a:latin typeface="Calibri"/>
-                <a:ea typeface="Calibri"/>
-                <a:cs typeface="Calibri"/>
-              </a:rPr>
-              <a:t>бои</a:t>
-            </a:r>
-            <a:r>
-              <a:rPr lang="en-US" sz="1800" b="1" dirty="0">
-                <a:solidFill>
-                  <a:srgbClr val="212529"/>
-                </a:solidFill>
-                <a:latin typeface="Calibri"/>
-                <a:ea typeface="Calibri"/>
-                <a:cs typeface="Calibri"/>
-              </a:rPr>
-              <a:t> </a:t>
-            </a:r>
-            <a:r>
-              <a:rPr lang="en-US" sz="1800" b="1" err="1">
-                <a:solidFill>
-                  <a:srgbClr val="212529"/>
-                </a:solidFill>
-                <a:latin typeface="Calibri"/>
-                <a:ea typeface="Calibri"/>
-                <a:cs typeface="Calibri"/>
-              </a:rPr>
-              <a:t>на</a:t>
-            </a:r>
-            <a:r>
-              <a:rPr lang="en-US" sz="1800" b="1" dirty="0">
-                <a:solidFill>
-                  <a:srgbClr val="212529"/>
-                </a:solidFill>
-                <a:latin typeface="Calibri"/>
-                <a:ea typeface="Calibri"/>
-                <a:cs typeface="Calibri"/>
-              </a:rPr>
-              <a:t> </a:t>
-            </a:r>
-            <a:r>
-              <a:rPr lang="en-US" sz="1800" b="1" err="1">
-                <a:solidFill>
-                  <a:srgbClr val="212529"/>
-                </a:solidFill>
-                <a:latin typeface="Calibri"/>
-                <a:ea typeface="Calibri"/>
-                <a:cs typeface="Calibri"/>
-              </a:rPr>
-              <a:t>гексагональной</a:t>
-            </a:r>
-            <a:r>
-              <a:rPr lang="en-US" sz="1800" b="1" dirty="0">
-                <a:solidFill>
-                  <a:srgbClr val="212529"/>
-                </a:solidFill>
-                <a:latin typeface="Calibri"/>
-                <a:ea typeface="Calibri"/>
-                <a:cs typeface="Calibri"/>
-              </a:rPr>
-              <a:t> </a:t>
-            </a:r>
-            <a:r>
-              <a:rPr lang="en-US" sz="1800" b="1" err="1">
-                <a:solidFill>
-                  <a:srgbClr val="212529"/>
-                </a:solidFill>
-                <a:latin typeface="Calibri"/>
-                <a:ea typeface="Calibri"/>
-                <a:cs typeface="Calibri"/>
-              </a:rPr>
-              <a:t>карте</a:t>
-            </a:r>
-            <a:r>
-              <a:rPr lang="en-US" sz="1800" b="1" dirty="0">
-                <a:solidFill>
-                  <a:srgbClr val="212529"/>
-                </a:solidFill>
-                <a:latin typeface="Calibri"/>
-                <a:ea typeface="Calibri"/>
-                <a:cs typeface="Calibri"/>
-              </a:rPr>
-              <a:t>:</a:t>
-            </a:r>
-            <a:r>
-              <a:rPr lang="en-US" sz="1800" dirty="0">
-                <a:solidFill>
-                  <a:srgbClr val="212529"/>
-                </a:solidFill>
-                <a:latin typeface="Calibri"/>
-                <a:ea typeface="Calibri"/>
-                <a:cs typeface="Calibri"/>
-              </a:rPr>
-              <a:t> </a:t>
-            </a:r>
-            <a:r>
-              <a:rPr lang="en-US" sz="1800" err="1">
-                <a:solidFill>
-                  <a:srgbClr val="212529"/>
-                </a:solidFill>
-                <a:latin typeface="Calibri"/>
-                <a:ea typeface="Calibri"/>
-                <a:cs typeface="Calibri"/>
-              </a:rPr>
-              <a:t>Многообразие</a:t>
-            </a:r>
-            <a:r>
-              <a:rPr lang="en-US" sz="1800" dirty="0">
-                <a:solidFill>
-                  <a:srgbClr val="212529"/>
-                </a:solidFill>
-                <a:latin typeface="Calibri"/>
-                <a:ea typeface="Calibri"/>
-                <a:cs typeface="Calibri"/>
-              </a:rPr>
-              <a:t> </a:t>
-            </a:r>
-            <a:r>
-              <a:rPr lang="en-US" sz="1800" err="1">
-                <a:solidFill>
-                  <a:srgbClr val="212529"/>
-                </a:solidFill>
-                <a:latin typeface="Calibri"/>
-                <a:ea typeface="Calibri"/>
-                <a:cs typeface="Calibri"/>
-              </a:rPr>
-              <a:t>позиций</a:t>
-            </a:r>
-            <a:r>
-              <a:rPr lang="en-US" sz="1800" dirty="0">
-                <a:solidFill>
-                  <a:srgbClr val="212529"/>
-                </a:solidFill>
-                <a:latin typeface="Calibri"/>
-                <a:ea typeface="Calibri"/>
-                <a:cs typeface="Calibri"/>
-              </a:rPr>
-              <a:t> и </a:t>
-            </a:r>
-            <a:r>
-              <a:rPr lang="en-US" sz="1800" err="1">
-                <a:solidFill>
-                  <a:srgbClr val="212529"/>
-                </a:solidFill>
-                <a:latin typeface="Calibri"/>
-                <a:ea typeface="Calibri"/>
-                <a:cs typeface="Calibri"/>
-              </a:rPr>
-              <a:t>юнитов</a:t>
-            </a:r>
-            <a:r>
-              <a:rPr lang="en-US" sz="1800" dirty="0">
-                <a:solidFill>
-                  <a:srgbClr val="212529"/>
-                </a:solidFill>
-                <a:latin typeface="Calibri"/>
-                <a:ea typeface="Calibri"/>
-                <a:cs typeface="Calibri"/>
-              </a:rPr>
-              <a:t> </a:t>
-            </a:r>
-            <a:r>
-              <a:rPr lang="en-US" sz="1800" err="1">
-                <a:solidFill>
-                  <a:srgbClr val="212529"/>
-                </a:solidFill>
-                <a:latin typeface="Calibri"/>
-                <a:ea typeface="Calibri"/>
-                <a:cs typeface="Calibri"/>
-              </a:rPr>
-              <a:t>делают</a:t>
-            </a:r>
-            <a:r>
-              <a:rPr lang="en-US" sz="1800" dirty="0">
-                <a:solidFill>
-                  <a:srgbClr val="212529"/>
-                </a:solidFill>
-                <a:latin typeface="Calibri"/>
-                <a:ea typeface="Calibri"/>
-                <a:cs typeface="Calibri"/>
-              </a:rPr>
-              <a:t> </a:t>
-            </a:r>
-            <a:r>
-              <a:rPr lang="en-US" sz="1800" err="1">
-                <a:solidFill>
-                  <a:srgbClr val="212529"/>
-                </a:solidFill>
-                <a:latin typeface="Calibri"/>
-                <a:ea typeface="Calibri"/>
-                <a:cs typeface="Calibri"/>
-              </a:rPr>
-              <a:t>игру</a:t>
-            </a:r>
-            <a:r>
-              <a:rPr lang="en-US" sz="1800" dirty="0">
-                <a:solidFill>
-                  <a:srgbClr val="212529"/>
-                </a:solidFill>
-                <a:latin typeface="Calibri"/>
-                <a:ea typeface="Calibri"/>
-                <a:cs typeface="Calibri"/>
-              </a:rPr>
-              <a:t> </a:t>
-            </a:r>
-            <a:r>
-              <a:rPr lang="en-US" sz="1800" err="1">
-                <a:solidFill>
-                  <a:srgbClr val="212529"/>
-                </a:solidFill>
-                <a:latin typeface="Calibri"/>
-                <a:ea typeface="Calibri"/>
-                <a:cs typeface="Calibri"/>
-              </a:rPr>
-              <a:t>интересней</a:t>
-            </a:r>
-            <a:r>
-              <a:rPr lang="en-US" sz="1800" dirty="0">
-                <a:solidFill>
-                  <a:srgbClr val="212529"/>
-                </a:solidFill>
-                <a:latin typeface="Calibri"/>
-                <a:ea typeface="Calibri"/>
-                <a:cs typeface="Calibri"/>
-              </a:rPr>
-              <a:t>.</a:t>
-            </a:r>
-            <a:endParaRPr lang="en-US" sz="1800">
-              <a:ea typeface="Calibri"/>
-            </a:endParaRPr>
-          </a:p>
-          <a:p>
-            <a:pPr>
-              <a:buFont typeface="Arial" panose="020B0604020202020204" pitchFamily="34" charset="0"/>
-              <a:buChar char="•"/>
-            </a:pPr>
-            <a:r>
-              <a:rPr lang="en-US" sz="1800" b="1" dirty="0" err="1">
-                <a:solidFill>
-                  <a:srgbClr val="212529"/>
-                </a:solidFill>
-                <a:latin typeface="Calibri"/>
-                <a:ea typeface="Calibri"/>
-                <a:cs typeface="Calibri"/>
-              </a:rPr>
-              <a:t>Цель</a:t>
-            </a:r>
-            <a:r>
-              <a:rPr lang="en-US" sz="1800" b="1" dirty="0">
-                <a:solidFill>
-                  <a:srgbClr val="212529"/>
-                </a:solidFill>
-                <a:latin typeface="Calibri"/>
-                <a:ea typeface="Calibri"/>
-                <a:cs typeface="Calibri"/>
-              </a:rPr>
-              <a:t> - </a:t>
-            </a:r>
-            <a:r>
-              <a:rPr lang="en-US" sz="1800" b="1" dirty="0" err="1">
-                <a:solidFill>
-                  <a:srgbClr val="212529"/>
-                </a:solidFill>
-                <a:latin typeface="Calibri"/>
-                <a:ea typeface="Calibri"/>
-                <a:cs typeface="Calibri"/>
-              </a:rPr>
-              <a:t>военное</a:t>
-            </a:r>
-            <a:r>
-              <a:rPr lang="en-US" sz="1800" b="1" dirty="0">
-                <a:solidFill>
-                  <a:srgbClr val="212529"/>
-                </a:solidFill>
-                <a:latin typeface="Calibri"/>
-                <a:ea typeface="Calibri"/>
-                <a:cs typeface="Calibri"/>
-              </a:rPr>
-              <a:t> </a:t>
-            </a:r>
-            <a:r>
-              <a:rPr lang="en-US" sz="1800" b="1" dirty="0" err="1">
-                <a:solidFill>
-                  <a:srgbClr val="212529"/>
-                </a:solidFill>
-                <a:latin typeface="Calibri"/>
-                <a:ea typeface="Calibri"/>
-                <a:cs typeface="Calibri"/>
-              </a:rPr>
-              <a:t>превосходство</a:t>
-            </a:r>
-            <a:r>
-              <a:rPr lang="en-US" sz="1800" b="1" dirty="0">
-                <a:solidFill>
-                  <a:srgbClr val="212529"/>
-                </a:solidFill>
-                <a:latin typeface="Calibri"/>
-                <a:ea typeface="Calibri"/>
-                <a:cs typeface="Calibri"/>
-              </a:rPr>
-              <a:t>:</a:t>
-            </a:r>
-            <a:r>
-              <a:rPr lang="en-US" sz="1800" dirty="0">
-                <a:solidFill>
-                  <a:srgbClr val="212529"/>
-                </a:solidFill>
-                <a:latin typeface="Calibri"/>
-                <a:ea typeface="Calibri"/>
-                <a:cs typeface="Calibri"/>
-              </a:rPr>
-              <a:t> </a:t>
-            </a:r>
-            <a:r>
-              <a:rPr lang="en-US" sz="1800" dirty="0" err="1">
-                <a:solidFill>
-                  <a:srgbClr val="212529"/>
-                </a:solidFill>
-                <a:latin typeface="Calibri"/>
-                <a:ea typeface="Calibri"/>
-                <a:cs typeface="Calibri"/>
-              </a:rPr>
-              <a:t>Победа</a:t>
-            </a:r>
-            <a:r>
-              <a:rPr lang="en-US" sz="1800" dirty="0">
-                <a:solidFill>
-                  <a:srgbClr val="212529"/>
-                </a:solidFill>
-                <a:latin typeface="Calibri"/>
-                <a:ea typeface="Calibri"/>
-                <a:cs typeface="Calibri"/>
-              </a:rPr>
-              <a:t> </a:t>
-            </a:r>
-            <a:r>
-              <a:rPr lang="en-US" sz="1800" dirty="0" err="1">
-                <a:solidFill>
-                  <a:srgbClr val="212529"/>
-                </a:solidFill>
-                <a:latin typeface="Calibri"/>
-                <a:ea typeface="Calibri"/>
-                <a:cs typeface="Calibri"/>
-              </a:rPr>
-              <a:t>достигается</a:t>
-            </a:r>
-            <a:r>
-              <a:rPr lang="en-US" sz="1800" dirty="0">
-                <a:solidFill>
-                  <a:srgbClr val="212529"/>
-                </a:solidFill>
-                <a:latin typeface="Calibri"/>
-                <a:ea typeface="Calibri"/>
-                <a:cs typeface="Calibri"/>
-              </a:rPr>
-              <a:t> </a:t>
-            </a:r>
-            <a:r>
-              <a:rPr lang="en-US" sz="1800" dirty="0" err="1">
-                <a:solidFill>
-                  <a:srgbClr val="212529"/>
-                </a:solidFill>
-                <a:latin typeface="Calibri"/>
-                <a:ea typeface="Calibri"/>
-                <a:cs typeface="Calibri"/>
-              </a:rPr>
-              <a:t>путем</a:t>
-            </a:r>
-            <a:r>
-              <a:rPr lang="en-US" sz="1800" dirty="0">
-                <a:solidFill>
-                  <a:srgbClr val="212529"/>
-                </a:solidFill>
-                <a:latin typeface="Calibri"/>
-                <a:ea typeface="Calibri"/>
-                <a:cs typeface="Calibri"/>
-              </a:rPr>
-              <a:t> </a:t>
-            </a:r>
-            <a:r>
-              <a:rPr lang="en-US" sz="1800" dirty="0" err="1">
-                <a:solidFill>
-                  <a:srgbClr val="212529"/>
-                </a:solidFill>
-                <a:latin typeface="Calibri"/>
-                <a:ea typeface="Calibri"/>
-                <a:cs typeface="Calibri"/>
-              </a:rPr>
-              <a:t>тактического</a:t>
-            </a:r>
-            <a:r>
-              <a:rPr lang="en-US" sz="1800" dirty="0">
-                <a:solidFill>
-                  <a:srgbClr val="212529"/>
-                </a:solidFill>
-                <a:latin typeface="Calibri"/>
-                <a:ea typeface="Calibri"/>
-                <a:cs typeface="Calibri"/>
-              </a:rPr>
-              <a:t> </a:t>
-            </a:r>
-            <a:r>
-              <a:rPr lang="en-US" sz="1800" dirty="0" err="1">
-                <a:solidFill>
-                  <a:srgbClr val="212529"/>
-                </a:solidFill>
-                <a:latin typeface="Calibri"/>
-                <a:ea typeface="Calibri"/>
-                <a:cs typeface="Calibri"/>
-              </a:rPr>
-              <a:t>уничтожения</a:t>
-            </a:r>
-            <a:r>
-              <a:rPr lang="en-US" sz="1800" dirty="0">
-                <a:solidFill>
-                  <a:srgbClr val="212529"/>
-                </a:solidFill>
-                <a:latin typeface="Calibri"/>
-                <a:ea typeface="Calibri"/>
-                <a:cs typeface="Calibri"/>
-              </a:rPr>
-              <a:t> </a:t>
-            </a:r>
-            <a:r>
-              <a:rPr lang="en-US" sz="1800" dirty="0" err="1">
-                <a:solidFill>
-                  <a:srgbClr val="212529"/>
-                </a:solidFill>
-                <a:latin typeface="Calibri"/>
-                <a:ea typeface="Calibri"/>
-                <a:cs typeface="Calibri"/>
-              </a:rPr>
-              <a:t>армии</a:t>
-            </a:r>
-            <a:r>
-              <a:rPr lang="en-US" sz="1800" dirty="0">
-                <a:solidFill>
-                  <a:srgbClr val="212529"/>
-                </a:solidFill>
-                <a:latin typeface="Calibri"/>
-                <a:ea typeface="Calibri"/>
-                <a:cs typeface="Calibri"/>
-              </a:rPr>
-              <a:t> </a:t>
-            </a:r>
-            <a:r>
-              <a:rPr lang="en-US" sz="1800" dirty="0" err="1">
-                <a:solidFill>
-                  <a:srgbClr val="212529"/>
-                </a:solidFill>
-                <a:latin typeface="Calibri"/>
-                <a:ea typeface="Calibri"/>
-                <a:cs typeface="Calibri"/>
-              </a:rPr>
-              <a:t>противника</a:t>
-            </a:r>
-            <a:r>
-              <a:rPr lang="en-US" sz="1800" dirty="0">
-                <a:solidFill>
-                  <a:srgbClr val="212529"/>
-                </a:solidFill>
-                <a:latin typeface="Calibri"/>
-                <a:ea typeface="Calibri"/>
-                <a:cs typeface="Calibri"/>
-              </a:rPr>
-              <a:t> и, </a:t>
-            </a:r>
-            <a:r>
-              <a:rPr lang="en-US" sz="1800" dirty="0" err="1">
-                <a:solidFill>
-                  <a:srgbClr val="212529"/>
-                </a:solidFill>
-                <a:latin typeface="Calibri"/>
-                <a:ea typeface="Calibri"/>
-                <a:cs typeface="Calibri"/>
-              </a:rPr>
-              <a:t>возможно</a:t>
-            </a:r>
-            <a:r>
-              <a:rPr lang="en-US" sz="1800" dirty="0">
-                <a:solidFill>
-                  <a:srgbClr val="212529"/>
-                </a:solidFill>
-                <a:latin typeface="Calibri"/>
-                <a:ea typeface="Calibri"/>
-                <a:cs typeface="Calibri"/>
-              </a:rPr>
-              <a:t>, </a:t>
-            </a:r>
-            <a:r>
-              <a:rPr lang="en-US" sz="1800" dirty="0" err="1">
-                <a:solidFill>
-                  <a:srgbClr val="212529"/>
-                </a:solidFill>
-                <a:latin typeface="Calibri"/>
-                <a:ea typeface="Calibri"/>
-                <a:cs typeface="Calibri"/>
-              </a:rPr>
-              <a:t>захвата</a:t>
-            </a:r>
-            <a:r>
-              <a:rPr lang="en-US" sz="1800" dirty="0">
-                <a:solidFill>
-                  <a:srgbClr val="212529"/>
-                </a:solidFill>
-                <a:latin typeface="Calibri"/>
-                <a:ea typeface="Calibri"/>
-                <a:cs typeface="Calibri"/>
-              </a:rPr>
-              <a:t> </a:t>
-            </a:r>
-            <a:r>
-              <a:rPr lang="en-US" sz="1800" dirty="0" err="1">
-                <a:solidFill>
-                  <a:srgbClr val="212529"/>
-                </a:solidFill>
-                <a:latin typeface="Calibri"/>
-                <a:ea typeface="Calibri"/>
-                <a:cs typeface="Calibri"/>
-              </a:rPr>
-              <a:t>ключевых</a:t>
-            </a:r>
-            <a:r>
-              <a:rPr lang="en-US" sz="1800" dirty="0">
-                <a:solidFill>
-                  <a:srgbClr val="212529"/>
-                </a:solidFill>
-                <a:latin typeface="Calibri"/>
-                <a:ea typeface="Calibri"/>
-                <a:cs typeface="Calibri"/>
-              </a:rPr>
-              <a:t> </a:t>
-            </a:r>
-            <a:r>
-              <a:rPr lang="en-US" sz="1800" dirty="0" err="1">
-                <a:solidFill>
-                  <a:srgbClr val="212529"/>
-                </a:solidFill>
-                <a:latin typeface="Calibri"/>
-                <a:ea typeface="Calibri"/>
-                <a:cs typeface="Calibri"/>
-              </a:rPr>
-              <a:t>точек</a:t>
-            </a:r>
-            <a:r>
-              <a:rPr lang="en-US" sz="1800" dirty="0">
-                <a:solidFill>
-                  <a:srgbClr val="212529"/>
-                </a:solidFill>
-                <a:latin typeface="Calibri"/>
-                <a:ea typeface="Calibri"/>
-                <a:cs typeface="Calibri"/>
-              </a:rPr>
-              <a:t> </a:t>
-            </a:r>
-            <a:r>
-              <a:rPr lang="en-US" sz="1800" dirty="0" err="1">
-                <a:solidFill>
-                  <a:srgbClr val="212529"/>
-                </a:solidFill>
-                <a:latin typeface="Calibri"/>
-                <a:ea typeface="Calibri"/>
-                <a:cs typeface="Calibri"/>
-              </a:rPr>
-              <a:t>на</a:t>
-            </a:r>
-            <a:r>
-              <a:rPr lang="en-US" sz="1800" dirty="0">
-                <a:solidFill>
-                  <a:srgbClr val="212529"/>
-                </a:solidFill>
-                <a:latin typeface="Calibri"/>
-                <a:ea typeface="Calibri"/>
-                <a:cs typeface="Calibri"/>
-              </a:rPr>
-              <a:t> </a:t>
-            </a:r>
-            <a:r>
-              <a:rPr lang="en-US" sz="1800" dirty="0" err="1">
-                <a:solidFill>
-                  <a:srgbClr val="212529"/>
-                </a:solidFill>
-                <a:latin typeface="Calibri"/>
-                <a:ea typeface="Calibri"/>
-                <a:cs typeface="Calibri"/>
-              </a:rPr>
-              <a:t>карте</a:t>
-            </a:r>
-            <a:r>
-              <a:rPr lang="en-US" sz="1800" dirty="0">
-                <a:solidFill>
-                  <a:srgbClr val="212529"/>
-                </a:solidFill>
-                <a:latin typeface="Calibri"/>
-                <a:ea typeface="Calibri"/>
-                <a:cs typeface="Calibri"/>
-              </a:rPr>
-              <a:t>.</a:t>
-            </a:r>
-            <a:br>
-              <a:rPr lang="en-US" sz="2000" dirty="0">
-                <a:latin typeface="+mn-lt"/>
-                <a:cs typeface="+mn-cs"/>
-              </a:rPr>
-            </a:br>
-            <a:br>
-              <a:rPr lang="en-US" dirty="0">
-                <a:latin typeface="+mn-lt"/>
-                <a:cs typeface="+mn-cs"/>
-              </a:rPr>
-            </a:br>
-            <a:endParaRPr lang="en-US">
-              <a:latin typeface="+mn-lt"/>
-              <a:cs typeface="+mn-cs"/>
-            </a:endParaRPr>
-          </a:p>
-          <a:p>
-            <a:pPr marL="57150" indent="-285750">
-              <a:buFont typeface="Arial" panose="020B0604020202020204" pitchFamily="34" charset="0"/>
-              <a:buChar char="•"/>
-            </a:pPr>
-            <a:endParaRPr lang="en-US">
-              <a:latin typeface="+mn-lt"/>
-              <a:cs typeface="+mn-cs"/>
-            </a:endParaRPr>
-          </a:p>
-        </p:txBody>
-      </p:sp>
       <p:pic>
         <p:nvPicPr>
           <p:cNvPr id="13" name="Рисунок 12" descr="Изображение выглядит как мультфильм, снимок экрана, пиксель&#10;&#10;Содержимое, созданное ИИ, может быть неверным.">
             <a:extLst>
               <a:ext uri="{FF2B5EF4-FFF2-40B4-BE49-F238E27FC236}">
-                <a16:creationId xmlns:a16="http://schemas.microsoft.com/office/drawing/2014/main" id="{2FB38E68-214C-BFF5-86A8-88A58F761851}"/>
+                <a16:creationId xmlns:a16="http://schemas.microsoft.com/office/drawing/2014/main" xmlns="" id="{2FB38E68-214C-BFF5-86A8-88A58F761851}"/>
               </a:ext>
             </a:extLst>
           </p:cNvPr>
@@ -24005,14 +23059,14 @@
           <p:nvPr/>
         </p:nvPicPr>
         <p:blipFill>
-          <a:blip r:embed="rId4"/>
+          <a:blip r:embed="rId3"/>
           <a:srcRect l="13447" r="6522" b="1"/>
           <a:stretch/>
         </p:blipFill>
         <p:spPr>
           <a:xfrm>
-            <a:off x="7619998" y="780235"/>
-            <a:ext cx="3425199" cy="2337870"/>
+            <a:off x="6739464" y="213778"/>
+            <a:ext cx="3275753" cy="2235866"/>
           </a:xfrm>
           <a:custGeom>
             <a:avLst/>
@@ -24065,12 +23119,459 @@
           </a:effectLst>
         </p:spPr>
       </p:pic>
+      <p:sp>
+        <p:nvSpPr>
+          <p:cNvPr id="47" name="Текст 3">
+            <a:extLst>
+              <a:ext uri="{FF2B5EF4-FFF2-40B4-BE49-F238E27FC236}">
+                <a16:creationId xmlns="" xmlns:a16="http://schemas.microsoft.com/office/drawing/2014/main" xmlns:lc="http://schemas.openxmlformats.org/drawingml/2006/lockedCanvas" id="{E5EE694F-3AC9-88C5-4C84-87A342C254CD}"/>
+              </a:ext>
+            </a:extLst>
+          </p:cNvPr>
+          <p:cNvSpPr>
+            <a:spLocks noGrp="1"/>
+          </p:cNvSpPr>
+          <p:nvPr>
+            <p:ph type="body" sz="half" idx="2"/>
+          </p:nvPr>
+        </p:nvSpPr>
+        <p:spPr>
+          <a:xfrm>
+            <a:off x="779462" y="704849"/>
+            <a:ext cx="5934511" cy="5002213"/>
+          </a:xfrm>
+          <a:prstGeom prst="rect">
+            <a:avLst/>
+          </a:prstGeom>
+        </p:spPr>
+        <p:txBody>
+          <a:bodyPr vert="horz" lIns="91440" tIns="45720" rIns="91440" bIns="45720" rtlCol="0" anchor="t">
+            <a:noAutofit/>
+          </a:bodyPr>
+          <a:lstStyle>
+            <a:lvl1pPr marL="0" indent="0" algn="l" defTabSz="914400" rtl="0" eaLnBrk="1" latinLnBrk="0" hangingPunct="1">
+              <a:lnSpc>
+                <a:spcPct val="120000"/>
+              </a:lnSpc>
+              <a:spcBef>
+                <a:spcPts val="1000"/>
+              </a:spcBef>
+              <a:buSzPct val="125000"/>
+              <a:buFont typeface="Arial" panose="020B0604020202020204" pitchFamily="34" charset="0"/>
+              <a:buNone/>
+              <a:defRPr sz="1600" kern="1200">
+                <a:solidFill>
+                  <a:schemeClr val="tx1"/>
+                </a:solidFill>
+                <a:latin typeface="Calibri" panose="020F0502020204030204" pitchFamily="34" charset="0"/>
+                <a:ea typeface="+mn-ea"/>
+                <a:cs typeface="Calibri" panose="020F0502020204030204" pitchFamily="34" charset="0"/>
+              </a:defRPr>
+            </a:lvl1pPr>
+            <a:lvl2pPr marL="457200" indent="0" algn="l" defTabSz="914400" rtl="0" eaLnBrk="1" latinLnBrk="0" hangingPunct="1">
+              <a:lnSpc>
+                <a:spcPct val="120000"/>
+              </a:lnSpc>
+              <a:spcBef>
+                <a:spcPts val="500"/>
+              </a:spcBef>
+              <a:buSzPct val="125000"/>
+              <a:buFont typeface="Arial" panose="020B0604020202020204" pitchFamily="34" charset="0"/>
+              <a:buNone/>
+              <a:defRPr sz="1400" kern="1200">
+                <a:solidFill>
+                  <a:schemeClr val="tx1"/>
+                </a:solidFill>
+                <a:latin typeface="Calibri" panose="020F0502020204030204" pitchFamily="34" charset="0"/>
+                <a:ea typeface="+mn-ea"/>
+                <a:cs typeface="Calibri" panose="020F0502020204030204" pitchFamily="34" charset="0"/>
+              </a:defRPr>
+            </a:lvl2pPr>
+            <a:lvl3pPr marL="914400" indent="0" algn="l" defTabSz="914400" rtl="0" eaLnBrk="1" latinLnBrk="0" hangingPunct="1">
+              <a:lnSpc>
+                <a:spcPct val="120000"/>
+              </a:lnSpc>
+              <a:spcBef>
+                <a:spcPts val="500"/>
+              </a:spcBef>
+              <a:buSzPct val="125000"/>
+              <a:buFont typeface="Arial" panose="020B0604020202020204" pitchFamily="34" charset="0"/>
+              <a:buNone/>
+              <a:defRPr sz="1200" kern="1200">
+                <a:solidFill>
+                  <a:schemeClr val="tx1"/>
+                </a:solidFill>
+                <a:latin typeface="Calibri" panose="020F0502020204030204" pitchFamily="34" charset="0"/>
+                <a:ea typeface="+mn-ea"/>
+                <a:cs typeface="Calibri" panose="020F0502020204030204" pitchFamily="34" charset="0"/>
+              </a:defRPr>
+            </a:lvl3pPr>
+            <a:lvl4pPr marL="1371600" indent="0" algn="l" defTabSz="914400" rtl="0" eaLnBrk="1" latinLnBrk="0" hangingPunct="1">
+              <a:lnSpc>
+                <a:spcPct val="120000"/>
+              </a:lnSpc>
+              <a:spcBef>
+                <a:spcPts val="500"/>
+              </a:spcBef>
+              <a:buSzPct val="125000"/>
+              <a:buFont typeface="Arial" panose="020B0604020202020204" pitchFamily="34" charset="0"/>
+              <a:buNone/>
+              <a:defRPr sz="1000" kern="1200">
+                <a:solidFill>
+                  <a:schemeClr val="tx1"/>
+                </a:solidFill>
+                <a:latin typeface="Calibri" panose="020F0502020204030204" pitchFamily="34" charset="0"/>
+                <a:ea typeface="+mn-ea"/>
+                <a:cs typeface="Calibri" panose="020F0502020204030204" pitchFamily="34" charset="0"/>
+              </a:defRPr>
+            </a:lvl4pPr>
+            <a:lvl5pPr marL="1828800" indent="0" algn="l" defTabSz="914400" rtl="0" eaLnBrk="1" latinLnBrk="0" hangingPunct="1">
+              <a:lnSpc>
+                <a:spcPct val="120000"/>
+              </a:lnSpc>
+              <a:spcBef>
+                <a:spcPts val="500"/>
+              </a:spcBef>
+              <a:buSzPct val="125000"/>
+              <a:buFont typeface="Arial" panose="020B0604020202020204" pitchFamily="34" charset="0"/>
+              <a:buNone/>
+              <a:defRPr sz="1000" kern="1200">
+                <a:solidFill>
+                  <a:schemeClr val="tx1"/>
+                </a:solidFill>
+                <a:latin typeface="Calibri" panose="020F0502020204030204" pitchFamily="34" charset="0"/>
+                <a:ea typeface="+mn-ea"/>
+                <a:cs typeface="Calibri" panose="020F0502020204030204" pitchFamily="34" charset="0"/>
+              </a:defRPr>
+            </a:lvl5pPr>
+            <a:lvl6pPr marL="2286000" indent="0" algn="l" defTabSz="914400" rtl="0" eaLnBrk="1" latinLnBrk="0" hangingPunct="1">
+              <a:lnSpc>
+                <a:spcPct val="120000"/>
+              </a:lnSpc>
+              <a:spcBef>
+                <a:spcPts val="500"/>
+              </a:spcBef>
+              <a:buSzPct val="125000"/>
+              <a:buFont typeface="Arial" panose="020B0604020202020204" pitchFamily="34" charset="0"/>
+              <a:buNone/>
+              <a:defRPr sz="1000" kern="1200">
+                <a:solidFill>
+                  <a:schemeClr val="tx1"/>
+                </a:solidFill>
+                <a:latin typeface="+mn-lt"/>
+                <a:ea typeface="+mn-ea"/>
+                <a:cs typeface="+mn-cs"/>
+              </a:defRPr>
+            </a:lvl6pPr>
+            <a:lvl7pPr marL="2743200" indent="0" algn="l" defTabSz="914400" rtl="0" eaLnBrk="1" latinLnBrk="0" hangingPunct="1">
+              <a:lnSpc>
+                <a:spcPct val="120000"/>
+              </a:lnSpc>
+              <a:spcBef>
+                <a:spcPts val="500"/>
+              </a:spcBef>
+              <a:buSzPct val="125000"/>
+              <a:buFont typeface="Arial" panose="020B0604020202020204" pitchFamily="34" charset="0"/>
+              <a:buNone/>
+              <a:defRPr sz="1000" kern="1200">
+                <a:solidFill>
+                  <a:schemeClr val="tx1"/>
+                </a:solidFill>
+                <a:latin typeface="+mn-lt"/>
+                <a:ea typeface="+mn-ea"/>
+                <a:cs typeface="+mn-cs"/>
+              </a:defRPr>
+            </a:lvl7pPr>
+            <a:lvl8pPr marL="3200400" indent="0" algn="l" defTabSz="914400" rtl="0" eaLnBrk="1" latinLnBrk="0" hangingPunct="1">
+              <a:lnSpc>
+                <a:spcPct val="120000"/>
+              </a:lnSpc>
+              <a:spcBef>
+                <a:spcPts val="500"/>
+              </a:spcBef>
+              <a:buSzPct val="125000"/>
+              <a:buFont typeface="Arial" panose="020B0604020202020204" pitchFamily="34" charset="0"/>
+              <a:buNone/>
+              <a:defRPr sz="1000" kern="1200">
+                <a:solidFill>
+                  <a:schemeClr val="tx1"/>
+                </a:solidFill>
+                <a:latin typeface="+mn-lt"/>
+                <a:ea typeface="+mn-ea"/>
+                <a:cs typeface="+mn-cs"/>
+              </a:defRPr>
+            </a:lvl8pPr>
+            <a:lvl9pPr marL="3657600" indent="0" algn="l" defTabSz="914400" rtl="0" eaLnBrk="1" latinLnBrk="0" hangingPunct="1">
+              <a:lnSpc>
+                <a:spcPct val="120000"/>
+              </a:lnSpc>
+              <a:spcBef>
+                <a:spcPts val="500"/>
+              </a:spcBef>
+              <a:buSzPct val="125000"/>
+              <a:buFont typeface="Arial" panose="020B0604020202020204" pitchFamily="34" charset="0"/>
+              <a:buNone/>
+              <a:defRPr sz="1000" kern="1200">
+                <a:solidFill>
+                  <a:schemeClr val="tx1"/>
+                </a:solidFill>
+                <a:latin typeface="+mn-lt"/>
+                <a:ea typeface="+mn-ea"/>
+                <a:cs typeface="+mn-cs"/>
+              </a:defRPr>
+            </a:lvl9pPr>
+          </a:lstStyle>
+          <a:p>
+            <a:pPr marL="285750" indent="-285750">
+              <a:buFont typeface="Arial" pitchFamily="34" charset="0"/>
+              <a:buChar char="•"/>
+            </a:pPr>
+            <a:r>
+              <a:rPr lang="ru-RU" sz="1400" dirty="0" smtClean="0">
+                <a:solidFill>
+                  <a:schemeClr val="bg1"/>
+                </a:solidFill>
+                <a:ea typeface="Calibri"/>
+              </a:rPr>
+              <a:t>Пошаговая </a:t>
+            </a:r>
+            <a:r>
+              <a:rPr lang="ru-RU" sz="1400" dirty="0">
+                <a:solidFill>
+                  <a:schemeClr val="bg1"/>
+                </a:solidFill>
+                <a:ea typeface="Calibri"/>
+              </a:rPr>
+              <a:t>стратегия: </a:t>
+            </a:r>
+            <a:r>
+              <a:rPr lang="ru-RU" sz="1400" dirty="0" err="1">
+                <a:solidFill>
+                  <a:schemeClr val="bg1"/>
+                </a:solidFill>
+                <a:ea typeface="Calibri"/>
+              </a:rPr>
+              <a:t>Геймплей</a:t>
+            </a:r>
+            <a:r>
+              <a:rPr lang="ru-RU" sz="1400" dirty="0">
+                <a:solidFill>
+                  <a:schemeClr val="bg1"/>
+                </a:solidFill>
+                <a:ea typeface="Calibri"/>
+              </a:rPr>
+              <a:t> основан на пошаговых кругах, где игроки планируют стратегические действия юнитов и городов</a:t>
+            </a:r>
+            <a:r>
+              <a:rPr lang="ru-RU" sz="1400" dirty="0" smtClean="0">
+                <a:solidFill>
+                  <a:schemeClr val="bg1"/>
+                </a:solidFill>
+                <a:ea typeface="Calibri"/>
+              </a:rPr>
+              <a:t>.</a:t>
+            </a:r>
+            <a:endParaRPr lang="ru-RU" sz="1400" dirty="0">
+              <a:solidFill>
+                <a:schemeClr val="bg1"/>
+              </a:solidFill>
+              <a:ea typeface="Calibri"/>
+            </a:endParaRPr>
+          </a:p>
+          <a:p>
+            <a:pPr marL="285750" indent="-285750">
+              <a:buFont typeface="Arial" pitchFamily="34" charset="0"/>
+              <a:buChar char="•"/>
+            </a:pPr>
+            <a:r>
+              <a:rPr lang="ru-RU" sz="1400" dirty="0" smtClean="0">
+                <a:solidFill>
+                  <a:schemeClr val="bg1"/>
+                </a:solidFill>
+                <a:ea typeface="Calibri"/>
+              </a:rPr>
+              <a:t>Исследование </a:t>
+            </a:r>
+            <a:r>
+              <a:rPr lang="ru-RU" sz="1400" dirty="0">
+                <a:solidFill>
+                  <a:schemeClr val="bg1"/>
+                </a:solidFill>
+                <a:ea typeface="Calibri"/>
+              </a:rPr>
+              <a:t>и передвижение: Игроки исследуют карту, используя юнитов. Доступные клетки и враги подсвечиваются для навигации и планирования</a:t>
+            </a:r>
+            <a:r>
+              <a:rPr lang="ru-RU" sz="1400" dirty="0" smtClean="0">
+                <a:solidFill>
+                  <a:schemeClr val="bg1"/>
+                </a:solidFill>
+                <a:ea typeface="Calibri"/>
+              </a:rPr>
+              <a:t>.</a:t>
+            </a:r>
+            <a:endParaRPr lang="ru-RU" sz="1400" dirty="0">
+              <a:solidFill>
+                <a:schemeClr val="bg1"/>
+              </a:solidFill>
+              <a:ea typeface="Calibri"/>
+            </a:endParaRPr>
+          </a:p>
+          <a:p>
+            <a:pPr marL="285750" indent="-285750">
+              <a:buFont typeface="Arial" pitchFamily="34" charset="0"/>
+              <a:buChar char="•"/>
+            </a:pPr>
+            <a:r>
+              <a:rPr lang="ru-RU" sz="1400" dirty="0" smtClean="0">
+                <a:solidFill>
+                  <a:schemeClr val="bg1"/>
+                </a:solidFill>
+                <a:ea typeface="Calibri"/>
+              </a:rPr>
+              <a:t>Боевая </a:t>
+            </a:r>
+            <a:r>
+              <a:rPr lang="ru-RU" sz="1400" dirty="0">
+                <a:solidFill>
+                  <a:schemeClr val="bg1"/>
+                </a:solidFill>
+                <a:ea typeface="Calibri"/>
+              </a:rPr>
+              <a:t>система: Юниты и города участвуют в боях, атакуя противников. Действует ограничение в одну атаку за круг для каждого боевого элемента</a:t>
+            </a:r>
+            <a:r>
+              <a:rPr lang="ru-RU" sz="1400" dirty="0" smtClean="0">
+                <a:solidFill>
+                  <a:schemeClr val="bg1"/>
+                </a:solidFill>
+                <a:ea typeface="Calibri"/>
+              </a:rPr>
+              <a:t>.</a:t>
+            </a:r>
+            <a:endParaRPr lang="ru-RU" sz="1400" dirty="0">
+              <a:solidFill>
+                <a:schemeClr val="bg1"/>
+              </a:solidFill>
+              <a:ea typeface="Calibri"/>
+            </a:endParaRPr>
+          </a:p>
+          <a:p>
+            <a:pPr marL="285750" indent="-285750">
+              <a:buFont typeface="Arial" pitchFamily="34" charset="0"/>
+              <a:buChar char="•"/>
+            </a:pPr>
+            <a:r>
+              <a:rPr lang="ru-RU" sz="1400" dirty="0" smtClean="0">
+                <a:solidFill>
+                  <a:schemeClr val="bg1"/>
+                </a:solidFill>
+                <a:ea typeface="Calibri"/>
+              </a:rPr>
+              <a:t>Управление </a:t>
+            </a:r>
+            <a:r>
+              <a:rPr lang="ru-RU" sz="1400" dirty="0">
+                <a:solidFill>
+                  <a:schemeClr val="bg1"/>
+                </a:solidFill>
+                <a:ea typeface="Calibri"/>
+              </a:rPr>
+              <a:t>городом: Меню города позволяет возводить здания и производить юнитов, развивая экономику и военный потенциал</a:t>
+            </a:r>
+            <a:r>
+              <a:rPr lang="ru-RU" sz="1400" dirty="0" smtClean="0">
+                <a:solidFill>
+                  <a:schemeClr val="bg1"/>
+                </a:solidFill>
+                <a:ea typeface="Calibri"/>
+              </a:rPr>
+              <a:t>.</a:t>
+            </a:r>
+            <a:endParaRPr lang="ru-RU" sz="1400" dirty="0">
+              <a:solidFill>
+                <a:schemeClr val="bg1"/>
+              </a:solidFill>
+              <a:ea typeface="Calibri"/>
+            </a:endParaRPr>
+          </a:p>
+          <a:p>
+            <a:pPr marL="285750" indent="-285750">
+              <a:buFont typeface="Arial" pitchFamily="34" charset="0"/>
+              <a:buChar char="•"/>
+            </a:pPr>
+            <a:r>
+              <a:rPr lang="ru-RU" sz="1400" dirty="0" smtClean="0">
+                <a:solidFill>
+                  <a:schemeClr val="bg1"/>
+                </a:solidFill>
+                <a:ea typeface="Calibri"/>
+              </a:rPr>
+              <a:t>Индикация </a:t>
+            </a:r>
+            <a:r>
+              <a:rPr lang="ru-RU" sz="1400" dirty="0">
+                <a:solidFill>
+                  <a:schemeClr val="bg1"/>
+                </a:solidFill>
+                <a:ea typeface="Calibri"/>
+              </a:rPr>
+              <a:t>и информация: Интерфейс использует подсветку, индикаторы здоровья и всплывающие подсказки для наглядности и предоставления игровой информации</a:t>
+            </a:r>
+            <a:r>
+              <a:rPr lang="ru-RU" sz="1400" dirty="0" smtClean="0">
+                <a:solidFill>
+                  <a:schemeClr val="bg1"/>
+                </a:solidFill>
+                <a:ea typeface="Calibri"/>
+              </a:rPr>
+              <a:t>.</a:t>
+            </a:r>
+            <a:endParaRPr lang="ru-RU" sz="1400" dirty="0">
+              <a:solidFill>
+                <a:schemeClr val="bg1"/>
+              </a:solidFill>
+              <a:ea typeface="Calibri"/>
+            </a:endParaRPr>
+          </a:p>
+          <a:p>
+            <a:pPr marL="285750" indent="-285750">
+              <a:buFont typeface="Arial" pitchFamily="34" charset="0"/>
+              <a:buChar char="•"/>
+            </a:pPr>
+            <a:r>
+              <a:rPr lang="ru-RU" sz="1400" dirty="0" smtClean="0">
+                <a:solidFill>
+                  <a:schemeClr val="bg1"/>
+                </a:solidFill>
+                <a:ea typeface="Calibri"/>
+              </a:rPr>
+              <a:t>Цель </a:t>
+            </a:r>
+            <a:r>
+              <a:rPr lang="ru-RU" sz="1400" dirty="0">
+                <a:solidFill>
+                  <a:schemeClr val="bg1"/>
+                </a:solidFill>
+                <a:ea typeface="Calibri"/>
+              </a:rPr>
+              <a:t>- уничтожение противника: Победа достигается путем уничтожения всех вражеских городов и юнитов в режиме "Каждый сам за себя".</a:t>
+            </a:r>
+            <a:endParaRPr lang="ru-RU" sz="1400" dirty="0">
+              <a:solidFill>
+                <a:schemeClr val="bg1"/>
+              </a:solidFill>
+              <a:ea typeface="Calibri"/>
+            </a:endParaRPr>
+          </a:p>
+        </p:txBody>
+      </p:sp>
       <p:pic>
         <p:nvPicPr>
-          <p:cNvPr id="10" name="Рисунок 9" descr="Изображение выглядит как текст, снимок экрана, Шрифт&#10;&#10;Содержимое, созданное ИИ, может быть неверным.">
+          <p:cNvPr id="48" name="Рисунок 47" descr="Изображение выглядит как текст, снимок экрана, Шрифт&#10;&#10;Содержимое, созданное ИИ, может быть неверным.">
             <a:extLst>
               <a:ext uri="{FF2B5EF4-FFF2-40B4-BE49-F238E27FC236}">
-                <a16:creationId xmlns:a16="http://schemas.microsoft.com/office/drawing/2014/main" id="{B1FBAE66-FFF7-8173-B7C9-52F98A30EB6A}"/>
+                <a16:creationId xmlns:a16="http://schemas.microsoft.com/office/drawing/2014/main" xmlns="" id="{B1FBAE66-FFF7-8173-B7C9-52F98A30EB6A}"/>
               </a:ext>
             </a:extLst>
           </p:cNvPr>
@@ -24080,14 +23581,93 @@
           <p:nvPr/>
         </p:nvPicPr>
         <p:blipFill>
-          <a:blip r:embed="rId5"/>
+          <a:blip r:embed="rId4"/>
           <a:srcRect r="6620"/>
           <a:stretch/>
         </p:blipFill>
         <p:spPr>
           <a:xfrm>
-            <a:off x="7619998" y="3282697"/>
-            <a:ext cx="3425199" cy="2337870"/>
+            <a:off x="6739462" y="4484555"/>
+            <a:ext cx="3275755" cy="2235867"/>
+          </a:xfrm>
+          <a:custGeom>
+            <a:avLst/>
+            <a:gdLst/>
+            <a:ahLst/>
+            <a:cxnLst/>
+            <a:rect l="l" t="t" r="r" b="b"/>
+            <a:pathLst>
+              <a:path w="3425199" h="2337870">
+                <a:moveTo>
+                  <a:pt x="0" y="0"/>
+                </a:moveTo>
+                <a:lnTo>
+                  <a:pt x="3425199" y="0"/>
+                </a:lnTo>
+                <a:lnTo>
+                  <a:pt x="3425199" y="2171405"/>
+                </a:lnTo>
+                <a:cubicBezTo>
+                  <a:pt x="3425199" y="2263341"/>
+                  <a:pt x="3350670" y="2337870"/>
+                  <a:pt x="3258734" y="2337870"/>
+                </a:cubicBezTo>
+                <a:lnTo>
+                  <a:pt x="0" y="2337870"/>
+                </a:lnTo>
+                <a:close/>
+              </a:path>
+            </a:pathLst>
+          </a:custGeom>
+          <a:ln w="19050" cap="sq">
+            <a:solidFill>
+              <a:schemeClr val="tx2">
+                <a:lumMod val="60000"/>
+                <a:lumOff val="40000"/>
+                <a:alpha val="60000"/>
+              </a:schemeClr>
+            </a:solidFill>
+            <a:miter lim="800000"/>
+          </a:ln>
+          <a:effectLst>
+            <a:outerShdw blurRad="88900" dist="38100" dir="5400000" algn="t" rotWithShape="0">
+              <a:prstClr val="black">
+                <a:alpha val="40000"/>
+              </a:prstClr>
+            </a:outerShdw>
+          </a:effectLst>
+        </p:spPr>
+      </p:pic>
+      <p:pic>
+        <p:nvPicPr>
+          <p:cNvPr id="49" name="Рисунок 48">
+            <a:extLst>
+              <a:ext uri="{FF2B5EF4-FFF2-40B4-BE49-F238E27FC236}">
+                <a16:creationId xmlns:a16="http://schemas.microsoft.com/office/drawing/2014/main" xmlns="" id="{B1FBAE66-FFF7-8173-B7C9-52F98A30EB6A}"/>
+              </a:ext>
+            </a:extLst>
+          </p:cNvPr>
+          <p:cNvPicPr>
+            <a:picLocks noChangeAspect="1"/>
+          </p:cNvPicPr>
+          <p:nvPr/>
+        </p:nvPicPr>
+        <p:blipFill>
+          <a:blip r:embed="rId5">
+            <a:extLst>
+              <a:ext uri="{28A0092B-C50C-407E-A947-70E740481C1C}">
+                <a14:useLocalDpi xmlns:a14="http://schemas.microsoft.com/office/drawing/2010/main" val="0"/>
+              </a:ext>
+            </a:extLst>
+          </a:blip>
+          <a:stretch>
+            <a:fillRect/>
+          </a:stretch>
+        </p:blipFill>
+        <p:spPr>
+          <a:xfrm>
+            <a:off x="8940794" y="2449860"/>
+            <a:ext cx="3251206" cy="2034695"/>
           </a:xfrm>
           <a:custGeom>
             <a:avLst/>
@@ -24172,7 +23752,7 @@
           <p:cNvPr id="5" name="Рисунок 4" descr="Picture background">
             <a:extLst>
               <a:ext uri="{FF2B5EF4-FFF2-40B4-BE49-F238E27FC236}">
-                <a16:creationId xmlns:a16="http://schemas.microsoft.com/office/drawing/2014/main" id="{821B28F6-F9CF-C210-45FD-D2754FC69E56}"/>
+                <a16:creationId xmlns:a16="http://schemas.microsoft.com/office/drawing/2014/main" xmlns="" id="{821B28F6-F9CF-C210-45FD-D2754FC69E56}"/>
               </a:ext>
             </a:extLst>
           </p:cNvPr>
@@ -24195,7 +23775,7 @@
           <p:cNvPr id="4" name="Текст 3">
             <a:extLst>
               <a:ext uri="{FF2B5EF4-FFF2-40B4-BE49-F238E27FC236}">
-                <a16:creationId xmlns:a16="http://schemas.microsoft.com/office/drawing/2014/main" id="{E5EE694F-3AC9-88C5-4C84-87A342C254CD}"/>
+                <a16:creationId xmlns:a16="http://schemas.microsoft.com/office/drawing/2014/main" xmlns="" id="{E5EE694F-3AC9-88C5-4C84-87A342C254CD}"/>
               </a:ext>
             </a:extLst>
           </p:cNvPr>
@@ -24218,7 +23798,7 @@
               <a:buChar char="•"/>
             </a:pPr>
             <a:r>
-              <a:rPr lang="ru-RU" sz="1200" dirty="0">
+              <a:rPr lang="ru-RU" sz="1400" dirty="0">
                 <a:solidFill>
                   <a:srgbClr val="212529"/>
                 </a:solidFill>
@@ -24228,7 +23808,7 @@
               </a:rPr>
               <a:t>Проект использует модульную архитектуру для четкого разделения задач.</a:t>
             </a:r>
-            <a:endParaRPr lang="ru-RU" dirty="0">
+            <a:endParaRPr lang="ru-RU" sz="1400" dirty="0">
               <a:solidFill>
                 <a:srgbClr val="FFFFFF"/>
               </a:solidFill>
@@ -24243,7 +23823,7 @@
               <a:buChar char="•"/>
             </a:pPr>
             <a:r>
-              <a:rPr lang="ru-RU" sz="1200" dirty="0">
+              <a:rPr lang="ru-RU" sz="1400" dirty="0">
                 <a:solidFill>
                   <a:srgbClr val="212529"/>
                 </a:solidFill>
@@ -24254,7 +23834,7 @@
               <a:t>Логика гексагональной карты реализована в </a:t>
             </a:r>
             <a:r>
-              <a:rPr lang="ru-RU" sz="1000" dirty="0" err="1">
+              <a:rPr lang="ru-RU" sz="1400" dirty="0" err="1">
                 <a:solidFill>
                   <a:srgbClr val="E83E8C"/>
                 </a:solidFill>
@@ -24265,7 +23845,7 @@
               <a:t>hex_utils</a:t>
             </a:r>
             <a:r>
-              <a:rPr lang="ru-RU" sz="1200" dirty="0">
+              <a:rPr lang="ru-RU" sz="1400" dirty="0">
                 <a:solidFill>
                   <a:srgbClr val="212529"/>
                 </a:solidFill>
@@ -24276,7 +23856,7 @@
               <a:t> и </a:t>
             </a:r>
             <a:r>
-              <a:rPr lang="ru-RU" sz="1000" dirty="0" err="1">
+              <a:rPr lang="ru-RU" sz="1400" dirty="0" err="1">
                 <a:solidFill>
                   <a:srgbClr val="E83E8C"/>
                 </a:solidFill>
@@ -24287,7 +23867,7 @@
               <a:t>HexBoard</a:t>
             </a:r>
             <a:r>
-              <a:rPr lang="ru-RU" sz="1200" dirty="0">
+              <a:rPr lang="ru-RU" sz="1400" dirty="0">
                 <a:solidFill>
                   <a:srgbClr val="212529"/>
                 </a:solidFill>
@@ -24297,7 +23877,7 @@
               </a:rPr>
               <a:t>.</a:t>
             </a:r>
-            <a:endParaRPr lang="ru-RU" dirty="0">
+            <a:endParaRPr lang="ru-RU" sz="1400" dirty="0">
               <a:solidFill>
                 <a:srgbClr val="FFFFFF"/>
               </a:solidFill>
@@ -24312,7 +23892,7 @@
               <a:buChar char="•"/>
             </a:pPr>
             <a:r>
-              <a:rPr lang="ru-RU" sz="1200" dirty="0" err="1">
+              <a:rPr lang="ru-RU" sz="1400" dirty="0" err="1">
                 <a:solidFill>
                   <a:srgbClr val="212529"/>
                 </a:solidFill>
@@ -24323,7 +23903,7 @@
               <a:t>Pygame</a:t>
             </a:r>
             <a:r>
-              <a:rPr lang="ru-RU" sz="1200" dirty="0">
+              <a:rPr lang="ru-RU" sz="1400" dirty="0">
                 <a:solidFill>
                   <a:srgbClr val="212529"/>
                 </a:solidFill>
@@ -24334,7 +23914,7 @@
               <a:t> и </a:t>
             </a:r>
             <a:r>
-              <a:rPr lang="ru-RU" sz="1200" dirty="0" err="1">
+              <a:rPr lang="ru-RU" sz="1400" dirty="0" err="1">
                 <a:solidFill>
                   <a:srgbClr val="212529"/>
                 </a:solidFill>
@@ -24345,7 +23925,7 @@
               <a:t>pygame_gui</a:t>
             </a:r>
             <a:r>
-              <a:rPr lang="ru-RU" sz="1200" dirty="0">
+              <a:rPr lang="ru-RU" sz="1400" dirty="0">
                 <a:solidFill>
                   <a:srgbClr val="212529"/>
                 </a:solidFill>
@@ -24355,7 +23935,7 @@
               </a:rPr>
               <a:t> отвечают за визуализацию и интерфейс.</a:t>
             </a:r>
-            <a:endParaRPr lang="ru-RU" dirty="0">
+            <a:endParaRPr lang="ru-RU" sz="1400" dirty="0">
               <a:solidFill>
                 <a:srgbClr val="FFFFFF"/>
               </a:solidFill>
@@ -24370,7 +23950,7 @@
               <a:buChar char="•"/>
             </a:pPr>
             <a:r>
-              <a:rPr lang="ru-RU" sz="1200" dirty="0">
+              <a:rPr lang="ru-RU" sz="1400" dirty="0">
                 <a:solidFill>
                   <a:srgbClr val="212529"/>
                 </a:solidFill>
@@ -24380,7 +23960,7 @@
               </a:rPr>
               <a:t>Разнообразие игровых элементов реализовано через классы (юниты, местность).</a:t>
             </a:r>
-            <a:endParaRPr lang="ru-RU" dirty="0">
+            <a:endParaRPr lang="ru-RU" sz="1400" dirty="0">
               <a:solidFill>
                 <a:srgbClr val="FFFFFF"/>
               </a:solidFill>
@@ -24395,7 +23975,7 @@
               <a:buChar char="•"/>
             </a:pPr>
             <a:r>
-              <a:rPr lang="ru-RU" sz="1200" dirty="0">
+              <a:rPr lang="ru-RU" sz="1400" dirty="0">
                 <a:solidFill>
                   <a:srgbClr val="212529"/>
                 </a:solidFill>
@@ -24405,7 +23985,7 @@
               </a:rPr>
               <a:t>Состояния игры управляют поведением системы.</a:t>
             </a:r>
-            <a:endParaRPr lang="ru-RU" dirty="0">
+            <a:endParaRPr lang="ru-RU" sz="1400" dirty="0">
               <a:solidFill>
                 <a:srgbClr val="FFFFFF"/>
               </a:solidFill>
@@ -24420,7 +24000,7 @@
               <a:buChar char="•"/>
             </a:pPr>
             <a:r>
-              <a:rPr lang="ru-RU" sz="1200" dirty="0">
+              <a:rPr lang="ru-RU" sz="1400" dirty="0">
                 <a:solidFill>
                   <a:srgbClr val="212529"/>
                 </a:solidFill>
@@ -24430,7 +24010,7 @@
               </a:rPr>
               <a:t>Дополнительные улучшения (анимация, A*) добавляют динамики и функциональности.</a:t>
             </a:r>
-            <a:endParaRPr lang="ru-RU" dirty="0">
+            <a:endParaRPr lang="ru-RU" sz="1400" dirty="0">
               <a:solidFill>
                 <a:srgbClr val="FFFFFF"/>
               </a:solidFill>
@@ -24484,7 +24064,7 @@
           <p:cNvPr id="4" name="Текст 3">
             <a:extLst>
               <a:ext uri="{FF2B5EF4-FFF2-40B4-BE49-F238E27FC236}">
-                <a16:creationId xmlns:a16="http://schemas.microsoft.com/office/drawing/2014/main" id="{D790B285-40E6-FBD1-E6E0-C60CB7C95EF7}"/>
+                <a16:creationId xmlns:a16="http://schemas.microsoft.com/office/drawing/2014/main" xmlns="" id="{D790B285-40E6-FBD1-E6E0-C60CB7C95EF7}"/>
               </a:ext>
             </a:extLst>
           </p:cNvPr>
@@ -24755,7 +24335,7 @@
     </a:clrScheme>
     <a:fontScheme name="Circuit">
       <a:majorFont>
-        <a:latin typeface="Tw Cen MT" panose="020B0602020104020603"/>
+        <a:latin typeface="Tw Cen MT"/>
         <a:ea typeface=""/>
         <a:cs typeface=""/>
         <a:font script="Jpan" typeface="ＭＳ Ｐゴシック"/>
@@ -24790,7 +24370,7 @@
         <a:font script="Geor" typeface="Sylfaen"/>
       </a:majorFont>
       <a:minorFont>
-        <a:latin typeface="Tw Cen MT" panose="020B0602020104020603"/>
+        <a:latin typeface="Tw Cen MT"/>
         <a:ea typeface=""/>
         <a:cs typeface=""/>
         <a:font script="Jpan" typeface="ＭＳ Ｐゴシック"/>
@@ -24957,7 +24537,7 @@
   <a:extraClrSchemeLst/>
   <a:extLst>
     <a:ext uri="{05A4C25C-085E-4340-85A3-A5531E510DB2}">
-      <thm15:themeFamily xmlns:thm15="http://schemas.microsoft.com/office/thememl/2012/main" name="Circuit" id="{0AC2F7E7-15F5-431C-B2A2-456FE929F56C}" vid="{0911B802-464C-4241-8DD9-B60FF88E379F}"/>
+      <thm15:themeFamily xmlns:thm15="http://schemas.microsoft.com/office/thememl/2012/main" xmlns="" name="Circuit" id="{0AC2F7E7-15F5-431C-B2A2-456FE929F56C}" vid="{0911B802-464C-4241-8DD9-B60FF88E379F}"/>
     </a:ext>
   </a:extLst>
 </a:theme>
@@ -25006,7 +24586,7 @@
     </a:clrScheme>
     <a:fontScheme name="Стандартная">
       <a:majorFont>
-        <a:latin typeface="Calibri Light" panose="020F0302020204030204"/>
+        <a:latin typeface="Calibri Light"/>
         <a:ea typeface=""/>
         <a:cs typeface=""/>
         <a:font script="Jpan" typeface="游ゴシック Light"/>
@@ -25058,7 +24638,7 @@
         <a:font script="Tfng" typeface="Ebrima"/>
       </a:majorFont>
       <a:minorFont>
-        <a:latin typeface="Calibri" panose="020F0502020204030204"/>
+        <a:latin typeface="Calibri"/>
         <a:ea typeface=""/>
         <a:cs typeface=""/>
         <a:font script="Jpan" typeface="游ゴシック"/>
@@ -25252,7 +24832,7 @@
   <a:extraClrSchemeLst/>
   <a:extLst>
     <a:ext uri="{05A4C25C-085E-4340-85A3-A5531E510DB2}">
-      <thm15:themeFamily xmlns:thm15="http://schemas.microsoft.com/office/thememl/2012/main" name="Office Theme" id="{62F939B6-93AF-4DB8-9C6B-D6C7DFDC589F}" vid="{4A3C46E8-61CC-4603-A589-7422A47A8E4A}"/>
+      <thm15:themeFamily xmlns:thm15="http://schemas.microsoft.com/office/thememl/2012/main" xmlns="" name="Office Theme" id="{62F939B6-93AF-4DB8-9C6B-D6C7DFDC589F}" vid="{4A3C46E8-61CC-4603-A589-7422A47A8E4A}"/>
     </a:ext>
   </a:extLst>
 </a:theme>
@@ -25301,7 +24881,7 @@
     </a:clrScheme>
     <a:fontScheme name="Стандартная">
       <a:majorFont>
-        <a:latin typeface="Calibri Light" panose="020F0302020204030204"/>
+        <a:latin typeface="Calibri Light"/>
         <a:ea typeface=""/>
         <a:cs typeface=""/>
         <a:font script="Jpan" typeface="游ゴシック Light"/>
@@ -25353,7 +24933,7 @@
         <a:font script="Tfng" typeface="Ebrima"/>
       </a:majorFont>
       <a:minorFont>
-        <a:latin typeface="Calibri" panose="020F0502020204030204"/>
+        <a:latin typeface="Calibri"/>
         <a:ea typeface=""/>
         <a:cs typeface=""/>
         <a:font script="Jpan" typeface="游ゴシック"/>
@@ -25547,7 +25127,7 @@
   <a:extraClrSchemeLst/>
   <a:extLst>
     <a:ext uri="{05A4C25C-085E-4340-85A3-A5531E510DB2}">
-      <thm15:themeFamily xmlns:thm15="http://schemas.microsoft.com/office/thememl/2012/main" name="Office Theme" id="{62F939B6-93AF-4DB8-9C6B-D6C7DFDC589F}" vid="{4A3C46E8-61CC-4603-A589-7422A47A8E4A}"/>
+      <thm15:themeFamily xmlns:thm15="http://schemas.microsoft.com/office/thememl/2012/main" xmlns="" name="Office Theme" id="{62F939B6-93AF-4DB8-9C6B-D6C7DFDC589F}" vid="{4A3C46E8-61CC-4603-A589-7422A47A8E4A}"/>
     </a:ext>
   </a:extLst>
 </a:theme>
